--- a/BookDown&Forcats.pptx
+++ b/BookDown&Forcats.pptx
@@ -126,6 +126,7 @@
 <p1510:revInfo xmlns:a="http://schemas.openxmlformats.org/drawingml/2006/main" xmlns:r="http://schemas.openxmlformats.org/officeDocument/2006/relationships" xmlns:p1510="http://schemas.microsoft.com/office/powerpoint/2015/10/main">
   <p1510:revLst>
     <p1510:client id="{3D55A40C-9B98-4243-A7A2-8F8A91C7A271}" v="96" dt="2019-10-27T18:18:59.683"/>
+    <p1510:client id="{985DB698-3434-4385-9D89-533DE2B2E4A8}" v="7" dt="2019-10-28T09:20:21.639"/>
   </p1510:revLst>
 </p1510:revInfo>
 </file>
@@ -529,6 +530,38 @@
       </pc:sldChg>
     </pc:docChg>
   </pc:docChgLst>
+  <pc:docChgLst>
+    <pc:chgData name="Benjamin Haberkorn" userId="b6a33716-1c58-4394-9f4f-aa9be295a046" providerId="ADAL" clId="{985DB698-3434-4385-9D89-533DE2B2E4A8}"/>
+    <pc:docChg chg="custSel modSld">
+      <pc:chgData name="Benjamin Haberkorn" userId="b6a33716-1c58-4394-9f4f-aa9be295a046" providerId="ADAL" clId="{985DB698-3434-4385-9D89-533DE2B2E4A8}" dt="2019-10-28T09:22:10.789" v="33" actId="20577"/>
+      <pc:docMkLst>
+        <pc:docMk/>
+      </pc:docMkLst>
+      <pc:sldChg chg="addSp delSp modSp">
+        <pc:chgData name="Benjamin Haberkorn" userId="b6a33716-1c58-4394-9f4f-aa9be295a046" providerId="ADAL" clId="{985DB698-3434-4385-9D89-533DE2B2E4A8}" dt="2019-10-28T09:22:10.789" v="33" actId="20577"/>
+        <pc:sldMkLst>
+          <pc:docMk/>
+          <pc:sldMk cId="2848189300" sldId="266"/>
+        </pc:sldMkLst>
+        <pc:spChg chg="add del mod">
+          <ac:chgData name="Benjamin Haberkorn" userId="b6a33716-1c58-4394-9f4f-aa9be295a046" providerId="ADAL" clId="{985DB698-3434-4385-9D89-533DE2B2E4A8}" dt="2019-10-28T09:20:20.640" v="5"/>
+          <ac:spMkLst>
+            <pc:docMk/>
+            <pc:sldMk cId="2848189300" sldId="266"/>
+            <ac:spMk id="3" creationId="{8077B9B9-9DBC-4782-ADEE-A96346EABF96}"/>
+          </ac:spMkLst>
+        </pc:spChg>
+        <pc:spChg chg="add mod">
+          <ac:chgData name="Benjamin Haberkorn" userId="b6a33716-1c58-4394-9f4f-aa9be295a046" providerId="ADAL" clId="{985DB698-3434-4385-9D89-533DE2B2E4A8}" dt="2019-10-28T09:22:10.789" v="33" actId="20577"/>
+          <ac:spMkLst>
+            <pc:docMk/>
+            <pc:sldMk cId="2848189300" sldId="266"/>
+            <ac:spMk id="4" creationId="{CA746EDF-457F-4B0E-95EC-991150DFBFE9}"/>
+          </ac:spMkLst>
+        </pc:spChg>
+      </pc:sldChg>
+    </pc:docChg>
+  </pc:docChgLst>
 </pc:chgInfo>
 </file>
 
@@ -589,7 +622,7 @@
           <a:noFill/>
           <a:extLst>
             <a:ext uri="{909E8E84-426E-40dd-AFC4-6F175D3DCCD1}">
-              <a14:hiddenFill xmlns:a14="http://schemas.microsoft.com/office/drawing/2010/main" xmlns="">
+              <a14:hiddenFill xmlns="" xmlns:a14="http://schemas.microsoft.com/office/drawing/2010/main">
                 <a:solidFill>
                   <a:srgbClr val="FFFFFF"/>
                 </a:solidFill>
@@ -649,7 +682,7 @@
             </a:ln>
             <a:extLst>
               <a:ext uri="{91240B29-F687-4f45-9708-019B960494DF}">
-                <a14:hiddenLine xmlns:a14="http://schemas.microsoft.com/office/drawing/2010/main" xmlns="" w="9525">
+                <a14:hiddenLine xmlns="" xmlns:a14="http://schemas.microsoft.com/office/drawing/2010/main" w="9525">
                   <a:solidFill>
                     <a:srgbClr val="000000"/>
                   </a:solidFill>
@@ -739,7 +772,7 @@
             </a:ln>
             <a:extLst>
               <a:ext uri="{91240B29-F687-4f45-9708-019B960494DF}">
-                <a14:hiddenLine xmlns:a14="http://schemas.microsoft.com/office/drawing/2010/main" xmlns="" w="9525">
+                <a14:hiddenLine xmlns="" xmlns:a14="http://schemas.microsoft.com/office/drawing/2010/main" w="9525">
                   <a:solidFill>
                     <a:srgbClr val="000000"/>
                   </a:solidFill>
@@ -829,7 +862,7 @@
             </a:ln>
             <a:extLst>
               <a:ext uri="{91240B29-F687-4f45-9708-019B960494DF}">
-                <a14:hiddenLine xmlns:a14="http://schemas.microsoft.com/office/drawing/2010/main" xmlns="" w="9525">
+                <a14:hiddenLine xmlns="" xmlns:a14="http://schemas.microsoft.com/office/drawing/2010/main" w="9525">
                   <a:solidFill>
                     <a:srgbClr val="000000"/>
                   </a:solidFill>
@@ -863,7 +896,7 @@
             </a:ln>
             <a:extLst>
               <a:ext uri="{91240B29-F687-4f45-9708-019B960494DF}">
-                <a14:hiddenLine xmlns:a14="http://schemas.microsoft.com/office/drawing/2010/main" xmlns="" w="9525">
+                <a14:hiddenLine xmlns="" xmlns:a14="http://schemas.microsoft.com/office/drawing/2010/main" w="9525">
                   <a:solidFill>
                     <a:srgbClr val="000000"/>
                   </a:solidFill>
@@ -953,7 +986,7 @@
             </a:ln>
             <a:extLst>
               <a:ext uri="{91240B29-F687-4f45-9708-019B960494DF}">
-                <a14:hiddenLine xmlns:a14="http://schemas.microsoft.com/office/drawing/2010/main" xmlns="" w="9525">
+                <a14:hiddenLine xmlns="" xmlns:a14="http://schemas.microsoft.com/office/drawing/2010/main" w="9525">
                   <a:solidFill>
                     <a:srgbClr val="000000"/>
                   </a:solidFill>
@@ -1015,7 +1048,7 @@
             </a:ln>
             <a:extLst>
               <a:ext uri="{91240B29-F687-4f45-9708-019B960494DF}">
-                <a14:hiddenLine xmlns:a14="http://schemas.microsoft.com/office/drawing/2010/main" xmlns="" w="9525">
+                <a14:hiddenLine xmlns="" xmlns:a14="http://schemas.microsoft.com/office/drawing/2010/main" w="9525">
                   <a:solidFill>
                     <a:srgbClr val="000000"/>
                   </a:solidFill>
@@ -1077,7 +1110,7 @@
             </a:ln>
             <a:extLst>
               <a:ext uri="{91240B29-F687-4f45-9708-019B960494DF}">
-                <a14:hiddenLine xmlns:a14="http://schemas.microsoft.com/office/drawing/2010/main" xmlns="" w="9525">
+                <a14:hiddenLine xmlns="" xmlns:a14="http://schemas.microsoft.com/office/drawing/2010/main" w="9525">
                   <a:solidFill>
                     <a:srgbClr val="000000"/>
                   </a:solidFill>
@@ -1167,7 +1200,7 @@
             </a:ln>
             <a:extLst>
               <a:ext uri="{91240B29-F687-4f45-9708-019B960494DF}">
-                <a14:hiddenLine xmlns:a14="http://schemas.microsoft.com/office/drawing/2010/main" xmlns="" w="9525">
+                <a14:hiddenLine xmlns="" xmlns:a14="http://schemas.microsoft.com/office/drawing/2010/main" w="9525">
                   <a:solidFill>
                     <a:srgbClr val="000000"/>
                   </a:solidFill>
@@ -1229,7 +1262,7 @@
             </a:ln>
             <a:extLst>
               <a:ext uri="{91240B29-F687-4f45-9708-019B960494DF}">
-                <a14:hiddenLine xmlns:a14="http://schemas.microsoft.com/office/drawing/2010/main" xmlns="" w="9525">
+                <a14:hiddenLine xmlns="" xmlns:a14="http://schemas.microsoft.com/office/drawing/2010/main" w="9525">
                   <a:solidFill>
                     <a:srgbClr val="000000"/>
                   </a:solidFill>
@@ -1291,7 +1324,7 @@
             </a:ln>
             <a:extLst>
               <a:ext uri="{91240B29-F687-4f45-9708-019B960494DF}">
-                <a14:hiddenLine xmlns:a14="http://schemas.microsoft.com/office/drawing/2010/main" xmlns="" w="9525">
+                <a14:hiddenLine xmlns="" xmlns:a14="http://schemas.microsoft.com/office/drawing/2010/main" w="9525">
                   <a:solidFill>
                     <a:srgbClr val="000000"/>
                   </a:solidFill>
@@ -1381,7 +1414,7 @@
             </a:ln>
             <a:extLst>
               <a:ext uri="{91240B29-F687-4f45-9708-019B960494DF}">
-                <a14:hiddenLine xmlns:a14="http://schemas.microsoft.com/office/drawing/2010/main" xmlns="" w="9525">
+                <a14:hiddenLine xmlns="" xmlns:a14="http://schemas.microsoft.com/office/drawing/2010/main" w="9525">
                   <a:solidFill>
                     <a:srgbClr val="000000"/>
                   </a:solidFill>
@@ -1471,7 +1504,7 @@
             </a:ln>
             <a:extLst>
               <a:ext uri="{91240B29-F687-4f45-9708-019B960494DF}">
-                <a14:hiddenLine xmlns:a14="http://schemas.microsoft.com/office/drawing/2010/main" xmlns="" w="9525">
+                <a14:hiddenLine xmlns="" xmlns:a14="http://schemas.microsoft.com/office/drawing/2010/main" w="9525">
                   <a:solidFill>
                     <a:srgbClr val="000000"/>
                   </a:solidFill>
@@ -1533,7 +1566,7 @@
             </a:ln>
             <a:extLst>
               <a:ext uri="{91240B29-F687-4f45-9708-019B960494DF}">
-                <a14:hiddenLine xmlns:a14="http://schemas.microsoft.com/office/drawing/2010/main" xmlns="" w="9525">
+                <a14:hiddenLine xmlns="" xmlns:a14="http://schemas.microsoft.com/office/drawing/2010/main" w="9525">
                   <a:solidFill>
                     <a:srgbClr val="000000"/>
                   </a:solidFill>
@@ -1643,7 +1676,7 @@
             </a:ln>
             <a:extLst>
               <a:ext uri="{91240B29-F687-4f45-9708-019B960494DF}">
-                <a14:hiddenLine xmlns:a14="http://schemas.microsoft.com/office/drawing/2010/main" xmlns="" w="9525">
+                <a14:hiddenLine xmlns="" xmlns:a14="http://schemas.microsoft.com/office/drawing/2010/main" w="9525">
                   <a:solidFill>
                     <a:srgbClr val="000000"/>
                   </a:solidFill>
@@ -1705,7 +1738,7 @@
             </a:ln>
             <a:extLst>
               <a:ext uri="{91240B29-F687-4f45-9708-019B960494DF}">
-                <a14:hiddenLine xmlns:a14="http://schemas.microsoft.com/office/drawing/2010/main" xmlns="" w="9525">
+                <a14:hiddenLine xmlns="" xmlns:a14="http://schemas.microsoft.com/office/drawing/2010/main" w="9525">
                   <a:solidFill>
                     <a:srgbClr val="000000"/>
                   </a:solidFill>
@@ -1795,7 +1828,7 @@
             </a:ln>
             <a:extLst>
               <a:ext uri="{91240B29-F687-4f45-9708-019B960494DF}">
-                <a14:hiddenLine xmlns:a14="http://schemas.microsoft.com/office/drawing/2010/main" xmlns="" w="9525">
+                <a14:hiddenLine xmlns="" xmlns:a14="http://schemas.microsoft.com/office/drawing/2010/main" w="9525">
                   <a:solidFill>
                     <a:srgbClr val="000000"/>
                   </a:solidFill>
@@ -1885,7 +1918,7 @@
             </a:ln>
             <a:extLst>
               <a:ext uri="{91240B29-F687-4f45-9708-019B960494DF}">
-                <a14:hiddenLine xmlns:a14="http://schemas.microsoft.com/office/drawing/2010/main" xmlns="" w="9525">
+                <a14:hiddenLine xmlns="" xmlns:a14="http://schemas.microsoft.com/office/drawing/2010/main" w="9525">
                   <a:solidFill>
                     <a:srgbClr val="000000"/>
                   </a:solidFill>
@@ -1947,7 +1980,7 @@
             </a:ln>
             <a:extLst>
               <a:ext uri="{91240B29-F687-4f45-9708-019B960494DF}">
-                <a14:hiddenLine xmlns:a14="http://schemas.microsoft.com/office/drawing/2010/main" xmlns="" w="9525">
+                <a14:hiddenLine xmlns="" xmlns:a14="http://schemas.microsoft.com/office/drawing/2010/main" w="9525">
                   <a:solidFill>
                     <a:srgbClr val="000000"/>
                   </a:solidFill>
@@ -2037,7 +2070,7 @@
             </a:ln>
             <a:extLst>
               <a:ext uri="{91240B29-F687-4f45-9708-019B960494DF}">
-                <a14:hiddenLine xmlns:a14="http://schemas.microsoft.com/office/drawing/2010/main" xmlns="" w="9525">
+                <a14:hiddenLine xmlns="" xmlns:a14="http://schemas.microsoft.com/office/drawing/2010/main" w="9525">
                   <a:solidFill>
                     <a:srgbClr val="000000"/>
                   </a:solidFill>
@@ -2127,7 +2160,7 @@
             </a:ln>
             <a:extLst>
               <a:ext uri="{91240B29-F687-4f45-9708-019B960494DF}">
-                <a14:hiddenLine xmlns:a14="http://schemas.microsoft.com/office/drawing/2010/main" xmlns="" w="9525">
+                <a14:hiddenLine xmlns="" xmlns:a14="http://schemas.microsoft.com/office/drawing/2010/main" w="9525">
                   <a:solidFill>
                     <a:srgbClr val="000000"/>
                   </a:solidFill>
@@ -2183,7 +2216,7 @@
             </a:ln>
             <a:extLst>
               <a:ext uri="{91240B29-F687-4f45-9708-019B960494DF}">
-                <a14:hiddenLine xmlns:a14="http://schemas.microsoft.com/office/drawing/2010/main" xmlns="" w="9525">
+                <a14:hiddenLine xmlns="" xmlns:a14="http://schemas.microsoft.com/office/drawing/2010/main" w="9525">
                   <a:solidFill>
                     <a:srgbClr val="000000"/>
                   </a:solidFill>
@@ -2273,7 +2306,7 @@
             </a:ln>
             <a:extLst>
               <a:ext uri="{91240B29-F687-4f45-9708-019B960494DF}">
-                <a14:hiddenLine xmlns:a14="http://schemas.microsoft.com/office/drawing/2010/main" xmlns="" w="9525">
+                <a14:hiddenLine xmlns="" xmlns:a14="http://schemas.microsoft.com/office/drawing/2010/main" w="9525">
                   <a:solidFill>
                     <a:srgbClr val="000000"/>
                   </a:solidFill>
@@ -2329,7 +2362,7 @@
             </a:ln>
             <a:extLst>
               <a:ext uri="{91240B29-F687-4f45-9708-019B960494DF}">
-                <a14:hiddenLine xmlns:a14="http://schemas.microsoft.com/office/drawing/2010/main" xmlns="" w="9525">
+                <a14:hiddenLine xmlns="" xmlns:a14="http://schemas.microsoft.com/office/drawing/2010/main" w="9525">
                   <a:solidFill>
                     <a:srgbClr val="000000"/>
                   </a:solidFill>
@@ -2419,7 +2452,7 @@
             </a:ln>
             <a:extLst>
               <a:ext uri="{91240B29-F687-4f45-9708-019B960494DF}">
-                <a14:hiddenLine xmlns:a14="http://schemas.microsoft.com/office/drawing/2010/main" xmlns="" w="9525">
+                <a14:hiddenLine xmlns="" xmlns:a14="http://schemas.microsoft.com/office/drawing/2010/main" w="9525">
                   <a:solidFill>
                     <a:srgbClr val="000000"/>
                   </a:solidFill>
@@ -2487,7 +2520,7 @@
             </a:ln>
             <a:extLst>
               <a:ext uri="{91240B29-F687-4f45-9708-019B960494DF}">
-                <a14:hiddenLine xmlns:a14="http://schemas.microsoft.com/office/drawing/2010/main" xmlns="" w="9525">
+                <a14:hiddenLine xmlns="" xmlns:a14="http://schemas.microsoft.com/office/drawing/2010/main" w="9525">
                   <a:solidFill>
                     <a:srgbClr val="000000"/>
                   </a:solidFill>
@@ -2577,7 +2610,7 @@
             </a:ln>
             <a:extLst>
               <a:ext uri="{91240B29-F687-4f45-9708-019B960494DF}">
-                <a14:hiddenLine xmlns:a14="http://schemas.microsoft.com/office/drawing/2010/main" xmlns="" w="9525">
+                <a14:hiddenLine xmlns="" xmlns:a14="http://schemas.microsoft.com/office/drawing/2010/main" w="9525">
                   <a:solidFill>
                     <a:srgbClr val="000000"/>
                   </a:solidFill>
@@ -2645,7 +2678,7 @@
             </a:ln>
             <a:extLst>
               <a:ext uri="{91240B29-F687-4f45-9708-019B960494DF}">
-                <a14:hiddenLine xmlns:a14="http://schemas.microsoft.com/office/drawing/2010/main" xmlns="" w="9525">
+                <a14:hiddenLine xmlns="" xmlns:a14="http://schemas.microsoft.com/office/drawing/2010/main" w="9525">
                   <a:solidFill>
                     <a:srgbClr val="000000"/>
                   </a:solidFill>
@@ -2735,7 +2768,7 @@
             </a:ln>
             <a:extLst>
               <a:ext uri="{91240B29-F687-4f45-9708-019B960494DF}">
-                <a14:hiddenLine xmlns:a14="http://schemas.microsoft.com/office/drawing/2010/main" xmlns="" w="9525">
+                <a14:hiddenLine xmlns="" xmlns:a14="http://schemas.microsoft.com/office/drawing/2010/main" w="9525">
                   <a:solidFill>
                     <a:srgbClr val="000000"/>
                   </a:solidFill>
@@ -2769,7 +2802,7 @@
             </a:ln>
             <a:extLst>
               <a:ext uri="{91240B29-F687-4f45-9708-019B960494DF}">
-                <a14:hiddenLine xmlns:a14="http://schemas.microsoft.com/office/drawing/2010/main" xmlns="" w="9525">
+                <a14:hiddenLine xmlns="" xmlns:a14="http://schemas.microsoft.com/office/drawing/2010/main" w="9525">
                   <a:solidFill>
                     <a:srgbClr val="000000"/>
                   </a:solidFill>
@@ -2859,7 +2892,7 @@
             </a:ln>
             <a:extLst>
               <a:ext uri="{91240B29-F687-4f45-9708-019B960494DF}">
-                <a14:hiddenLine xmlns:a14="http://schemas.microsoft.com/office/drawing/2010/main" xmlns="" w="9525">
+                <a14:hiddenLine xmlns="" xmlns:a14="http://schemas.microsoft.com/office/drawing/2010/main" w="9525">
                   <a:solidFill>
                     <a:srgbClr val="000000"/>
                   </a:solidFill>
@@ -2921,7 +2954,7 @@
             </a:ln>
             <a:extLst>
               <a:ext uri="{91240B29-F687-4f45-9708-019B960494DF}">
-                <a14:hiddenLine xmlns:a14="http://schemas.microsoft.com/office/drawing/2010/main" xmlns="" w="9525">
+                <a14:hiddenLine xmlns="" xmlns:a14="http://schemas.microsoft.com/office/drawing/2010/main" w="9525">
                   <a:solidFill>
                     <a:srgbClr val="000000"/>
                   </a:solidFill>
@@ -2983,7 +3016,7 @@
             </a:ln>
             <a:extLst>
               <a:ext uri="{91240B29-F687-4f45-9708-019B960494DF}">
-                <a14:hiddenLine xmlns:a14="http://schemas.microsoft.com/office/drawing/2010/main" xmlns="" w="9525">
+                <a14:hiddenLine xmlns="" xmlns:a14="http://schemas.microsoft.com/office/drawing/2010/main" w="9525">
                   <a:solidFill>
                     <a:srgbClr val="000000"/>
                   </a:solidFill>
@@ -3073,7 +3106,7 @@
             </a:ln>
             <a:extLst>
               <a:ext uri="{91240B29-F687-4f45-9708-019B960494DF}">
-                <a14:hiddenLine xmlns:a14="http://schemas.microsoft.com/office/drawing/2010/main" xmlns="" w="9525">
+                <a14:hiddenLine xmlns="" xmlns:a14="http://schemas.microsoft.com/office/drawing/2010/main" w="9525">
                   <a:solidFill>
                     <a:srgbClr val="000000"/>
                   </a:solidFill>
@@ -3141,7 +3174,7 @@
             </a:ln>
             <a:extLst>
               <a:ext uri="{91240B29-F687-4f45-9708-019B960494DF}">
-                <a14:hiddenLine xmlns:a14="http://schemas.microsoft.com/office/drawing/2010/main" xmlns="" w="9525">
+                <a14:hiddenLine xmlns="" xmlns:a14="http://schemas.microsoft.com/office/drawing/2010/main" w="9525">
                   <a:solidFill>
                     <a:srgbClr val="000000"/>
                   </a:solidFill>
@@ -3203,7 +3236,7 @@
             </a:ln>
             <a:extLst>
               <a:ext uri="{91240B29-F687-4f45-9708-019B960494DF}">
-                <a14:hiddenLine xmlns:a14="http://schemas.microsoft.com/office/drawing/2010/main" xmlns="" w="9525">
+                <a14:hiddenLine xmlns="" xmlns:a14="http://schemas.microsoft.com/office/drawing/2010/main" w="9525">
                   <a:solidFill>
                     <a:srgbClr val="000000"/>
                   </a:solidFill>
@@ -3293,7 +3326,7 @@
             </a:ln>
             <a:extLst>
               <a:ext uri="{91240B29-F687-4f45-9708-019B960494DF}">
-                <a14:hiddenLine xmlns:a14="http://schemas.microsoft.com/office/drawing/2010/main" xmlns="" w="9525">
+                <a14:hiddenLine xmlns="" xmlns:a14="http://schemas.microsoft.com/office/drawing/2010/main" w="9525">
                   <a:solidFill>
                     <a:srgbClr val="000000"/>
                   </a:solidFill>
@@ -3355,7 +3388,7 @@
             </a:ln>
             <a:extLst>
               <a:ext uri="{91240B29-F687-4f45-9708-019B960494DF}">
-                <a14:hiddenLine xmlns:a14="http://schemas.microsoft.com/office/drawing/2010/main" xmlns="" w="9525">
+                <a14:hiddenLine xmlns="" xmlns:a14="http://schemas.microsoft.com/office/drawing/2010/main" w="9525">
                   <a:solidFill>
                     <a:srgbClr val="000000"/>
                   </a:solidFill>
@@ -3445,7 +3478,7 @@
             </a:ln>
             <a:extLst>
               <a:ext uri="{91240B29-F687-4f45-9708-019B960494DF}">
-                <a14:hiddenLine xmlns:a14="http://schemas.microsoft.com/office/drawing/2010/main" xmlns="" w="9525">
+                <a14:hiddenLine xmlns="" xmlns:a14="http://schemas.microsoft.com/office/drawing/2010/main" w="9525">
                   <a:solidFill>
                     <a:srgbClr val="000000"/>
                   </a:solidFill>
@@ -3507,7 +3540,7 @@
             </a:ln>
             <a:extLst>
               <a:ext uri="{91240B29-F687-4f45-9708-019B960494DF}">
-                <a14:hiddenLine xmlns:a14="http://schemas.microsoft.com/office/drawing/2010/main" xmlns="" w="9525">
+                <a14:hiddenLine xmlns="" xmlns:a14="http://schemas.microsoft.com/office/drawing/2010/main" w="9525">
                   <a:solidFill>
                     <a:srgbClr val="000000"/>
                   </a:solidFill>
@@ -3597,7 +3630,7 @@
             </a:ln>
             <a:extLst>
               <a:ext uri="{91240B29-F687-4f45-9708-019B960494DF}">
-                <a14:hiddenLine xmlns:a14="http://schemas.microsoft.com/office/drawing/2010/main" xmlns="" w="9525">
+                <a14:hiddenLine xmlns="" xmlns:a14="http://schemas.microsoft.com/office/drawing/2010/main" w="9525">
                   <a:solidFill>
                     <a:srgbClr val="000000"/>
                   </a:solidFill>
@@ -3631,7 +3664,7 @@
             </a:ln>
             <a:extLst>
               <a:ext uri="{91240B29-F687-4f45-9708-019B960494DF}">
-                <a14:hiddenLine xmlns:a14="http://schemas.microsoft.com/office/drawing/2010/main" xmlns="" w="9525">
+                <a14:hiddenLine xmlns="" xmlns:a14="http://schemas.microsoft.com/office/drawing/2010/main" w="9525">
                   <a:solidFill>
                     <a:srgbClr val="000000"/>
                   </a:solidFill>
@@ -3696,7 +3729,7 @@
             </a:ln>
             <a:extLst>
               <a:ext uri="{91240B29-F687-4f45-9708-019B960494DF}">
-                <a14:hiddenLine xmlns:a14="http://schemas.microsoft.com/office/drawing/2010/main" xmlns="" w="9525">
+                <a14:hiddenLine xmlns="" xmlns:a14="http://schemas.microsoft.com/office/drawing/2010/main" w="9525">
                   <a:solidFill>
                     <a:srgbClr val="000000"/>
                   </a:solidFill>
@@ -3786,7 +3819,7 @@
             </a:ln>
             <a:extLst>
               <a:ext uri="{91240B29-F687-4f45-9708-019B960494DF}">
-                <a14:hiddenLine xmlns:a14="http://schemas.microsoft.com/office/drawing/2010/main" xmlns="" w="9525">
+                <a14:hiddenLine xmlns="" xmlns:a14="http://schemas.microsoft.com/office/drawing/2010/main" w="9525">
                   <a:solidFill>
                     <a:srgbClr val="000000"/>
                   </a:solidFill>
@@ -3848,7 +3881,7 @@
             </a:ln>
             <a:extLst>
               <a:ext uri="{91240B29-F687-4f45-9708-019B960494DF}">
-                <a14:hiddenLine xmlns:a14="http://schemas.microsoft.com/office/drawing/2010/main" xmlns="" w="9525">
+                <a14:hiddenLine xmlns="" xmlns:a14="http://schemas.microsoft.com/office/drawing/2010/main" w="9525">
                   <a:solidFill>
                     <a:srgbClr val="000000"/>
                   </a:solidFill>
@@ -3938,7 +3971,7 @@
             </a:ln>
             <a:extLst>
               <a:ext uri="{91240B29-F687-4f45-9708-019B960494DF}">
-                <a14:hiddenLine xmlns:a14="http://schemas.microsoft.com/office/drawing/2010/main" xmlns="" w="9525">
+                <a14:hiddenLine xmlns="" xmlns:a14="http://schemas.microsoft.com/office/drawing/2010/main" w="9525">
                   <a:solidFill>
                     <a:srgbClr val="000000"/>
                   </a:solidFill>
@@ -4028,7 +4061,7 @@
             </a:ln>
             <a:extLst>
               <a:ext uri="{91240B29-F687-4f45-9708-019B960494DF}">
-                <a14:hiddenLine xmlns:a14="http://schemas.microsoft.com/office/drawing/2010/main" xmlns="" w="9525">
+                <a14:hiddenLine xmlns="" xmlns:a14="http://schemas.microsoft.com/office/drawing/2010/main" w="9525">
                   <a:solidFill>
                     <a:srgbClr val="000000"/>
                   </a:solidFill>
@@ -4093,7 +4126,7 @@
             </a:ln>
             <a:extLst>
               <a:ext uri="{91240B29-F687-4f45-9708-019B960494DF}">
-                <a14:hiddenLine xmlns:a14="http://schemas.microsoft.com/office/drawing/2010/main" xmlns="" w="9525">
+                <a14:hiddenLine xmlns="" xmlns:a14="http://schemas.microsoft.com/office/drawing/2010/main" w="9525">
                   <a:solidFill>
                     <a:srgbClr val="000000"/>
                   </a:solidFill>
@@ -4155,7 +4188,7 @@
             </a:ln>
             <a:extLst>
               <a:ext uri="{91240B29-F687-4f45-9708-019B960494DF}">
-                <a14:hiddenLine xmlns:a14="http://schemas.microsoft.com/office/drawing/2010/main" xmlns="" w="9525">
+                <a14:hiddenLine xmlns="" xmlns:a14="http://schemas.microsoft.com/office/drawing/2010/main" w="9525">
                   <a:solidFill>
                     <a:srgbClr val="000000"/>
                   </a:solidFill>
@@ -4245,7 +4278,7 @@
             </a:ln>
             <a:extLst>
               <a:ext uri="{91240B29-F687-4f45-9708-019B960494DF}">
-                <a14:hiddenLine xmlns:a14="http://schemas.microsoft.com/office/drawing/2010/main" xmlns="" w="9525">
+                <a14:hiddenLine xmlns="" xmlns:a14="http://schemas.microsoft.com/office/drawing/2010/main" w="9525">
                   <a:solidFill>
                     <a:srgbClr val="000000"/>
                   </a:solidFill>
@@ -4335,7 +4368,7 @@
             </a:ln>
             <a:extLst>
               <a:ext uri="{91240B29-F687-4f45-9708-019B960494DF}">
-                <a14:hiddenLine xmlns:a14="http://schemas.microsoft.com/office/drawing/2010/main" xmlns="" w="9525">
+                <a14:hiddenLine xmlns="" xmlns:a14="http://schemas.microsoft.com/office/drawing/2010/main" w="9525">
                   <a:solidFill>
                     <a:srgbClr val="000000"/>
                   </a:solidFill>
@@ -4397,7 +4430,7 @@
             </a:ln>
             <a:extLst>
               <a:ext uri="{91240B29-F687-4f45-9708-019B960494DF}">
-                <a14:hiddenLine xmlns:a14="http://schemas.microsoft.com/office/drawing/2010/main" xmlns="" w="9525">
+                <a14:hiddenLine xmlns="" xmlns:a14="http://schemas.microsoft.com/office/drawing/2010/main" w="9525">
                   <a:solidFill>
                     <a:srgbClr val="000000"/>
                   </a:solidFill>
@@ -4517,7 +4550,7 @@
             </a:ln>
             <a:extLst>
               <a:ext uri="{91240B29-F687-4f45-9708-019B960494DF}">
-                <a14:hiddenLine xmlns:a14="http://schemas.microsoft.com/office/drawing/2010/main" xmlns="" w="9525">
+                <a14:hiddenLine xmlns="" xmlns:a14="http://schemas.microsoft.com/office/drawing/2010/main" w="9525">
                   <a:solidFill>
                     <a:srgbClr val="000000"/>
                   </a:solidFill>
@@ -4585,7 +4618,7 @@
             </a:ln>
             <a:extLst>
               <a:ext uri="{91240B29-F687-4f45-9708-019B960494DF}">
-                <a14:hiddenLine xmlns:a14="http://schemas.microsoft.com/office/drawing/2010/main" xmlns="" w="9525">
+                <a14:hiddenLine xmlns="" xmlns:a14="http://schemas.microsoft.com/office/drawing/2010/main" w="9525">
                   <a:solidFill>
                     <a:srgbClr val="000000"/>
                   </a:solidFill>
@@ -4675,7 +4708,7 @@
             </a:ln>
             <a:extLst>
               <a:ext uri="{91240B29-F687-4f45-9708-019B960494DF}">
-                <a14:hiddenLine xmlns:a14="http://schemas.microsoft.com/office/drawing/2010/main" xmlns="" w="9525">
+                <a14:hiddenLine xmlns="" xmlns:a14="http://schemas.microsoft.com/office/drawing/2010/main" w="9525">
                   <a:solidFill>
                     <a:srgbClr val="000000"/>
                   </a:solidFill>
@@ -4815,7 +4848,7 @@
           <a:p>
             <a:fld id="{48A87A34-81AB-432B-8DAE-1953F412C126}" type="datetimeFigureOut">
               <a:rPr lang="en-US" dirty="0"/>
-              <a:t>10/27/2019</a:t>
+              <a:t>10/28/2019</a:t>
             </a:fld>
             <a:endParaRPr lang="en-US" dirty="0"/>
           </a:p>
@@ -5077,7 +5110,7 @@
           <a:p>
             <a:fld id="{48A87A34-81AB-432B-8DAE-1953F412C126}" type="datetimeFigureOut">
               <a:rPr lang="en-US" dirty="0"/>
-              <a:t>10/27/2019</a:t>
+              <a:t>10/28/2019</a:t>
             </a:fld>
             <a:endParaRPr lang="en-US" dirty="0"/>
           </a:p>
@@ -5268,7 +5301,7 @@
           <a:p>
             <a:fld id="{48A87A34-81AB-432B-8DAE-1953F412C126}" type="datetimeFigureOut">
               <a:rPr lang="en-US" dirty="0"/>
-              <a:t>10/27/2019</a:t>
+              <a:t>10/28/2019</a:t>
             </a:fld>
             <a:endParaRPr lang="en-US" dirty="0"/>
           </a:p>
@@ -5526,7 +5559,7 @@
           <a:p>
             <a:fld id="{48A87A34-81AB-432B-8DAE-1953F412C126}" type="datetimeFigureOut">
               <a:rPr lang="en-US" dirty="0"/>
-              <a:t>10/27/2019</a:t>
+              <a:t>10/28/2019</a:t>
             </a:fld>
             <a:endParaRPr lang="en-US" dirty="0"/>
           </a:p>
@@ -5955,7 +5988,7 @@
           <a:p>
             <a:fld id="{48A87A34-81AB-432B-8DAE-1953F412C126}" type="datetimeFigureOut">
               <a:rPr lang="en-US" dirty="0"/>
-              <a:t>10/27/2019</a:t>
+              <a:t>10/28/2019</a:t>
             </a:fld>
             <a:endParaRPr lang="en-US" dirty="0"/>
           </a:p>
@@ -6496,7 +6529,7 @@
           <a:p>
             <a:fld id="{48A87A34-81AB-432B-8DAE-1953F412C126}" type="datetimeFigureOut">
               <a:rPr lang="en-US" dirty="0"/>
-              <a:t>10/27/2019</a:t>
+              <a:t>10/28/2019</a:t>
             </a:fld>
             <a:endParaRPr lang="en-US" dirty="0"/>
           </a:p>
@@ -7211,7 +7244,7 @@
           <a:p>
             <a:fld id="{48A87A34-81AB-432B-8DAE-1953F412C126}" type="datetimeFigureOut">
               <a:rPr lang="en-US" dirty="0"/>
-              <a:t>10/27/2019</a:t>
+              <a:t>10/28/2019</a:t>
             </a:fld>
             <a:endParaRPr lang="en-US" dirty="0"/>
           </a:p>
@@ -7376,7 +7409,7 @@
           <a:p>
             <a:fld id="{48A87A34-81AB-432B-8DAE-1953F412C126}" type="datetimeFigureOut">
               <a:rPr lang="en-US" dirty="0"/>
-              <a:t>10/27/2019</a:t>
+              <a:t>10/28/2019</a:t>
             </a:fld>
             <a:endParaRPr lang="en-US" dirty="0"/>
           </a:p>
@@ -7551,7 +7584,7 @@
           <a:p>
             <a:fld id="{48A87A34-81AB-432B-8DAE-1953F412C126}" type="datetimeFigureOut">
               <a:rPr lang="en-US" dirty="0"/>
-              <a:t>10/27/2019</a:t>
+              <a:t>10/28/2019</a:t>
             </a:fld>
             <a:endParaRPr lang="en-US" dirty="0"/>
           </a:p>
@@ -7716,7 +7749,7 @@
           <a:p>
             <a:fld id="{48A87A34-81AB-432B-8DAE-1953F412C126}" type="datetimeFigureOut">
               <a:rPr lang="en-US" dirty="0"/>
-              <a:t>10/27/2019</a:t>
+              <a:t>10/28/2019</a:t>
             </a:fld>
             <a:endParaRPr lang="en-US" dirty="0"/>
           </a:p>
@@ -7961,7 +7994,7 @@
           <a:p>
             <a:fld id="{48A87A34-81AB-432B-8DAE-1953F412C126}" type="datetimeFigureOut">
               <a:rPr lang="en-US" dirty="0"/>
-              <a:t>10/27/2019</a:t>
+              <a:t>10/28/2019</a:t>
             </a:fld>
             <a:endParaRPr lang="en-US" dirty="0"/>
           </a:p>
@@ -8188,7 +8221,7 @@
           <a:p>
             <a:fld id="{48A87A34-81AB-432B-8DAE-1953F412C126}" type="datetimeFigureOut">
               <a:rPr lang="en-US" dirty="0"/>
-              <a:t>10/27/2019</a:t>
+              <a:t>10/28/2019</a:t>
             </a:fld>
             <a:endParaRPr lang="en-US" dirty="0"/>
           </a:p>
@@ -8564,7 +8597,7 @@
           <a:p>
             <a:fld id="{48A87A34-81AB-432B-8DAE-1953F412C126}" type="datetimeFigureOut">
               <a:rPr lang="en-US" dirty="0"/>
-              <a:t>10/27/2019</a:t>
+              <a:t>10/28/2019</a:t>
             </a:fld>
             <a:endParaRPr lang="en-US" dirty="0"/>
           </a:p>
@@ -8677,7 +8710,7 @@
           <a:p>
             <a:fld id="{48A87A34-81AB-432B-8DAE-1953F412C126}" type="datetimeFigureOut">
               <a:rPr lang="en-US" dirty="0"/>
-              <a:t>10/27/2019</a:t>
+              <a:t>10/28/2019</a:t>
             </a:fld>
             <a:endParaRPr lang="en-US" dirty="0"/>
           </a:p>
@@ -8767,7 +8800,7 @@
           <a:p>
             <a:fld id="{48A87A34-81AB-432B-8DAE-1953F412C126}" type="datetimeFigureOut">
               <a:rPr lang="en-US" dirty="0"/>
-              <a:t>10/27/2019</a:t>
+              <a:t>10/28/2019</a:t>
             </a:fld>
             <a:endParaRPr lang="en-US" dirty="0"/>
           </a:p>
@@ -9011,7 +9044,7 @@
           <a:p>
             <a:fld id="{48A87A34-81AB-432B-8DAE-1953F412C126}" type="datetimeFigureOut">
               <a:rPr lang="en-US" dirty="0"/>
-              <a:t>10/27/2019</a:t>
+              <a:t>10/28/2019</a:t>
             </a:fld>
             <a:endParaRPr lang="en-US" dirty="0"/>
           </a:p>
@@ -9286,7 +9319,7 @@
           <a:p>
             <a:fld id="{48A87A34-81AB-432B-8DAE-1953F412C126}" type="datetimeFigureOut">
               <a:rPr lang="en-US" dirty="0"/>
-              <a:t>10/27/2019</a:t>
+              <a:t>10/28/2019</a:t>
             </a:fld>
             <a:endParaRPr lang="en-US" dirty="0"/>
           </a:p>
@@ -9404,7 +9437,7 @@
           <a:noFill/>
           <a:extLst>
             <a:ext uri="{909E8E84-426E-40dd-AFC4-6F175D3DCCD1}">
-              <a14:hiddenFill xmlns:a14="http://schemas.microsoft.com/office/drawing/2010/main" xmlns="">
+              <a14:hiddenFill xmlns="" xmlns:a14="http://schemas.microsoft.com/office/drawing/2010/main">
                 <a:solidFill>
                   <a:srgbClr val="FFFFFF"/>
                 </a:solidFill>
@@ -9478,7 +9511,7 @@
               </a:ln>
               <a:extLst>
                 <a:ext uri="{91240B29-F687-4f45-9708-019B960494DF}">
-                  <a14:hiddenLine xmlns:a14="http://schemas.microsoft.com/office/drawing/2010/main" xmlns="" w="9525">
+                  <a14:hiddenLine xmlns="" xmlns:a14="http://schemas.microsoft.com/office/drawing/2010/main" w="9525">
                     <a:solidFill>
                       <a:srgbClr val="000000"/>
                     </a:solidFill>
@@ -9568,7 +9601,7 @@
               </a:ln>
               <a:extLst>
                 <a:ext uri="{91240B29-F687-4f45-9708-019B960494DF}">
-                  <a14:hiddenLine xmlns:a14="http://schemas.microsoft.com/office/drawing/2010/main" xmlns="" w="9525">
+                  <a14:hiddenLine xmlns="" xmlns:a14="http://schemas.microsoft.com/office/drawing/2010/main" w="9525">
                     <a:solidFill>
                       <a:srgbClr val="000000"/>
                     </a:solidFill>
@@ -9658,7 +9691,7 @@
               </a:ln>
               <a:extLst>
                 <a:ext uri="{91240B29-F687-4f45-9708-019B960494DF}">
-                  <a14:hiddenLine xmlns:a14="http://schemas.microsoft.com/office/drawing/2010/main" xmlns="" w="9525">
+                  <a14:hiddenLine xmlns="" xmlns:a14="http://schemas.microsoft.com/office/drawing/2010/main" w="9525">
                     <a:solidFill>
                       <a:srgbClr val="000000"/>
                     </a:solidFill>
@@ -9720,7 +9753,7 @@
               </a:ln>
               <a:extLst>
                 <a:ext uri="{91240B29-F687-4f45-9708-019B960494DF}">
-                  <a14:hiddenLine xmlns:a14="http://schemas.microsoft.com/office/drawing/2010/main" xmlns="" w="9525">
+                  <a14:hiddenLine xmlns="" xmlns:a14="http://schemas.microsoft.com/office/drawing/2010/main" w="9525">
                     <a:solidFill>
                       <a:srgbClr val="000000"/>
                     </a:solidFill>
@@ -9810,7 +9843,7 @@
               </a:ln>
               <a:extLst>
                 <a:ext uri="{91240B29-F687-4f45-9708-019B960494DF}">
-                  <a14:hiddenLine xmlns:a14="http://schemas.microsoft.com/office/drawing/2010/main" xmlns="" w="9525">
+                  <a14:hiddenLine xmlns="" xmlns:a14="http://schemas.microsoft.com/office/drawing/2010/main" w="9525">
                     <a:solidFill>
                       <a:srgbClr val="000000"/>
                     </a:solidFill>
@@ -9872,7 +9905,7 @@
               </a:ln>
               <a:extLst>
                 <a:ext uri="{91240B29-F687-4f45-9708-019B960494DF}">
-                  <a14:hiddenLine xmlns:a14="http://schemas.microsoft.com/office/drawing/2010/main" xmlns="" w="9525">
+                  <a14:hiddenLine xmlns="" xmlns:a14="http://schemas.microsoft.com/office/drawing/2010/main" w="9525">
                     <a:solidFill>
                       <a:srgbClr val="000000"/>
                     </a:solidFill>
@@ -9934,7 +9967,7 @@
               </a:ln>
               <a:extLst>
                 <a:ext uri="{91240B29-F687-4f45-9708-019B960494DF}">
-                  <a14:hiddenLine xmlns:a14="http://schemas.microsoft.com/office/drawing/2010/main" xmlns="" w="9525">
+                  <a14:hiddenLine xmlns="" xmlns:a14="http://schemas.microsoft.com/office/drawing/2010/main" w="9525">
                     <a:solidFill>
                       <a:srgbClr val="000000"/>
                     </a:solidFill>
@@ -10024,7 +10057,7 @@
               </a:ln>
               <a:extLst>
                 <a:ext uri="{91240B29-F687-4f45-9708-019B960494DF}">
-                  <a14:hiddenLine xmlns:a14="http://schemas.microsoft.com/office/drawing/2010/main" xmlns="" w="9525">
+                  <a14:hiddenLine xmlns="" xmlns:a14="http://schemas.microsoft.com/office/drawing/2010/main" w="9525">
                     <a:solidFill>
                       <a:srgbClr val="000000"/>
                     </a:solidFill>
@@ -10114,7 +10147,7 @@
               </a:ln>
               <a:extLst>
                 <a:ext uri="{91240B29-F687-4f45-9708-019B960494DF}">
-                  <a14:hiddenLine xmlns:a14="http://schemas.microsoft.com/office/drawing/2010/main" xmlns="" w="9525">
+                  <a14:hiddenLine xmlns="" xmlns:a14="http://schemas.microsoft.com/office/drawing/2010/main" w="9525">
                     <a:solidFill>
                       <a:srgbClr val="000000"/>
                     </a:solidFill>
@@ -10176,7 +10209,7 @@
               </a:ln>
               <a:extLst>
                 <a:ext uri="{91240B29-F687-4f45-9708-019B960494DF}">
-                  <a14:hiddenLine xmlns:a14="http://schemas.microsoft.com/office/drawing/2010/main" xmlns="" w="9525">
+                  <a14:hiddenLine xmlns="" xmlns:a14="http://schemas.microsoft.com/office/drawing/2010/main" w="9525">
                     <a:solidFill>
                       <a:srgbClr val="000000"/>
                     </a:solidFill>
@@ -10286,7 +10319,7 @@
               </a:ln>
               <a:extLst>
                 <a:ext uri="{91240B29-F687-4f45-9708-019B960494DF}">
-                  <a14:hiddenLine xmlns:a14="http://schemas.microsoft.com/office/drawing/2010/main" xmlns="" w="9525">
+                  <a14:hiddenLine xmlns="" xmlns:a14="http://schemas.microsoft.com/office/drawing/2010/main" w="9525">
                     <a:solidFill>
                       <a:srgbClr val="000000"/>
                     </a:solidFill>
@@ -10370,7 +10403,7 @@
               </a:ln>
               <a:extLst>
                 <a:ext uri="{91240B29-F687-4f45-9708-019B960494DF}">
-                  <a14:hiddenLine xmlns:a14="http://schemas.microsoft.com/office/drawing/2010/main" xmlns="" w="9525">
+                  <a14:hiddenLine xmlns="" xmlns:a14="http://schemas.microsoft.com/office/drawing/2010/main" w="9525">
                     <a:solidFill>
                       <a:srgbClr val="000000"/>
                     </a:solidFill>
@@ -10432,7 +10465,7 @@
               </a:ln>
               <a:extLst>
                 <a:ext uri="{91240B29-F687-4f45-9708-019B960494DF}">
-                  <a14:hiddenLine xmlns:a14="http://schemas.microsoft.com/office/drawing/2010/main" xmlns="" w="9525">
+                  <a14:hiddenLine xmlns="" xmlns:a14="http://schemas.microsoft.com/office/drawing/2010/main" w="9525">
                     <a:solidFill>
                       <a:srgbClr val="000000"/>
                     </a:solidFill>
@@ -10494,7 +10527,7 @@
               </a:ln>
               <a:extLst>
                 <a:ext uri="{91240B29-F687-4f45-9708-019B960494DF}">
-                  <a14:hiddenLine xmlns:a14="http://schemas.microsoft.com/office/drawing/2010/main" xmlns="" w="9525">
+                  <a14:hiddenLine xmlns="" xmlns:a14="http://schemas.microsoft.com/office/drawing/2010/main" w="9525">
                     <a:solidFill>
                       <a:srgbClr val="000000"/>
                     </a:solidFill>
@@ -10584,7 +10617,7 @@
               </a:ln>
               <a:extLst>
                 <a:ext uri="{91240B29-F687-4f45-9708-019B960494DF}">
-                  <a14:hiddenLine xmlns:a14="http://schemas.microsoft.com/office/drawing/2010/main" xmlns="" w="9525">
+                  <a14:hiddenLine xmlns="" xmlns:a14="http://schemas.microsoft.com/office/drawing/2010/main" w="9525">
                     <a:solidFill>
                       <a:srgbClr val="000000"/>
                     </a:solidFill>
@@ -10618,7 +10651,7 @@
               </a:ln>
               <a:extLst>
                 <a:ext uri="{91240B29-F687-4f45-9708-019B960494DF}">
-                  <a14:hiddenLine xmlns:a14="http://schemas.microsoft.com/office/drawing/2010/main" xmlns="" w="9525">
+                  <a14:hiddenLine xmlns="" xmlns:a14="http://schemas.microsoft.com/office/drawing/2010/main" w="9525">
                     <a:solidFill>
                       <a:srgbClr val="000000"/>
                     </a:solidFill>
@@ -10683,7 +10716,7 @@
               </a:ln>
               <a:extLst>
                 <a:ext uri="{91240B29-F687-4f45-9708-019B960494DF}">
-                  <a14:hiddenLine xmlns:a14="http://schemas.microsoft.com/office/drawing/2010/main" xmlns="" w="9525">
+                  <a14:hiddenLine xmlns="" xmlns:a14="http://schemas.microsoft.com/office/drawing/2010/main" w="9525">
                     <a:solidFill>
                       <a:srgbClr val="000000"/>
                     </a:solidFill>
@@ -10773,7 +10806,7 @@
               </a:ln>
               <a:extLst>
                 <a:ext uri="{91240B29-F687-4f45-9708-019B960494DF}">
-                  <a14:hiddenLine xmlns:a14="http://schemas.microsoft.com/office/drawing/2010/main" xmlns="" w="9525">
+                  <a14:hiddenLine xmlns="" xmlns:a14="http://schemas.microsoft.com/office/drawing/2010/main" w="9525">
                     <a:solidFill>
                       <a:srgbClr val="000000"/>
                     </a:solidFill>
@@ -10835,7 +10868,7 @@
               </a:ln>
               <a:extLst>
                 <a:ext uri="{91240B29-F687-4f45-9708-019B960494DF}">
-                  <a14:hiddenLine xmlns:a14="http://schemas.microsoft.com/office/drawing/2010/main" xmlns="" w="9525">
+                  <a14:hiddenLine xmlns="" xmlns:a14="http://schemas.microsoft.com/office/drawing/2010/main" w="9525">
                     <a:solidFill>
                       <a:srgbClr val="000000"/>
                     </a:solidFill>
@@ -10925,7 +10958,7 @@
               </a:ln>
               <a:extLst>
                 <a:ext uri="{91240B29-F687-4f45-9708-019B960494DF}">
-                  <a14:hiddenLine xmlns:a14="http://schemas.microsoft.com/office/drawing/2010/main" xmlns="" w="9525">
+                  <a14:hiddenLine xmlns="" xmlns:a14="http://schemas.microsoft.com/office/drawing/2010/main" w="9525">
                     <a:solidFill>
                       <a:srgbClr val="000000"/>
                     </a:solidFill>
@@ -10990,7 +11023,7 @@
               </a:ln>
               <a:extLst>
                 <a:ext uri="{91240B29-F687-4f45-9708-019B960494DF}">
-                  <a14:hiddenLine xmlns:a14="http://schemas.microsoft.com/office/drawing/2010/main" xmlns="" w="9525">
+                  <a14:hiddenLine xmlns="" xmlns:a14="http://schemas.microsoft.com/office/drawing/2010/main" w="9525">
                     <a:solidFill>
                       <a:srgbClr val="000000"/>
                     </a:solidFill>
@@ -11052,7 +11085,7 @@
               </a:ln>
               <a:extLst>
                 <a:ext uri="{91240B29-F687-4f45-9708-019B960494DF}">
-                  <a14:hiddenLine xmlns:a14="http://schemas.microsoft.com/office/drawing/2010/main" xmlns="" w="9525">
+                  <a14:hiddenLine xmlns="" xmlns:a14="http://schemas.microsoft.com/office/drawing/2010/main" w="9525">
                     <a:solidFill>
                       <a:srgbClr val="000000"/>
                     </a:solidFill>
@@ -11142,7 +11175,7 @@
               </a:ln>
               <a:extLst>
                 <a:ext uri="{91240B29-F687-4f45-9708-019B960494DF}">
-                  <a14:hiddenLine xmlns:a14="http://schemas.microsoft.com/office/drawing/2010/main" xmlns="" w="9525">
+                  <a14:hiddenLine xmlns="" xmlns:a14="http://schemas.microsoft.com/office/drawing/2010/main" w="9525">
                     <a:solidFill>
                       <a:srgbClr val="000000"/>
                     </a:solidFill>
@@ -11232,7 +11265,7 @@
               </a:ln>
               <a:extLst>
                 <a:ext uri="{91240B29-F687-4f45-9708-019B960494DF}">
-                  <a14:hiddenLine xmlns:a14="http://schemas.microsoft.com/office/drawing/2010/main" xmlns="" w="9525">
+                  <a14:hiddenLine xmlns="" xmlns:a14="http://schemas.microsoft.com/office/drawing/2010/main" w="9525">
                     <a:solidFill>
                       <a:srgbClr val="000000"/>
                     </a:solidFill>
@@ -11297,7 +11330,7 @@
               </a:ln>
               <a:extLst>
                 <a:ext uri="{91240B29-F687-4f45-9708-019B960494DF}">
-                  <a14:hiddenLine xmlns:a14="http://schemas.microsoft.com/office/drawing/2010/main" xmlns="" w="9525">
+                  <a14:hiddenLine xmlns="" xmlns:a14="http://schemas.microsoft.com/office/drawing/2010/main" w="9525">
                     <a:solidFill>
                       <a:srgbClr val="000000"/>
                     </a:solidFill>
@@ -11417,7 +11450,7 @@
               </a:ln>
               <a:extLst>
                 <a:ext uri="{91240B29-F687-4f45-9708-019B960494DF}">
-                  <a14:hiddenLine xmlns:a14="http://schemas.microsoft.com/office/drawing/2010/main" xmlns="" w="9525">
+                  <a14:hiddenLine xmlns="" xmlns:a14="http://schemas.microsoft.com/office/drawing/2010/main" w="9525">
                     <a:solidFill>
                       <a:srgbClr val="000000"/>
                     </a:solidFill>
@@ -11515,7 +11548,7 @@
               </a:ln>
               <a:extLst>
                 <a:ext uri="{91240B29-F687-4f45-9708-019B960494DF}">
-                  <a14:hiddenLine xmlns:a14="http://schemas.microsoft.com/office/drawing/2010/main" xmlns="" w="9525">
+                  <a14:hiddenLine xmlns="" xmlns:a14="http://schemas.microsoft.com/office/drawing/2010/main" w="9525">
                     <a:solidFill>
                       <a:srgbClr val="000000"/>
                     </a:solidFill>
@@ -11630,7 +11663,7 @@
               </a:ln>
               <a:extLst>
                 <a:ext uri="{91240B29-F687-4f45-9708-019B960494DF}">
-                  <a14:hiddenLine xmlns:a14="http://schemas.microsoft.com/office/drawing/2010/main" xmlns="" w="9525">
+                  <a14:hiddenLine xmlns="" xmlns:a14="http://schemas.microsoft.com/office/drawing/2010/main" w="9525">
                     <a:solidFill>
                       <a:srgbClr val="000000"/>
                     </a:solidFill>
@@ -11720,7 +11753,7 @@
               </a:ln>
               <a:extLst>
                 <a:ext uri="{91240B29-F687-4f45-9708-019B960494DF}">
-                  <a14:hiddenLine xmlns:a14="http://schemas.microsoft.com/office/drawing/2010/main" xmlns="" w="9525">
+                  <a14:hiddenLine xmlns="" xmlns:a14="http://schemas.microsoft.com/office/drawing/2010/main" w="9525">
                     <a:solidFill>
                       <a:srgbClr val="000000"/>
                     </a:solidFill>
@@ -11785,7 +11818,7 @@
               </a:ln>
               <a:extLst>
                 <a:ext uri="{91240B29-F687-4f45-9708-019B960494DF}">
-                  <a14:hiddenLine xmlns:a14="http://schemas.microsoft.com/office/drawing/2010/main" xmlns="" w="9525">
+                  <a14:hiddenLine xmlns="" xmlns:a14="http://schemas.microsoft.com/office/drawing/2010/main" w="9525">
                     <a:solidFill>
                       <a:srgbClr val="000000"/>
                     </a:solidFill>
@@ -11875,7 +11908,7 @@
               </a:ln>
               <a:extLst>
                 <a:ext uri="{91240B29-F687-4f45-9708-019B960494DF}">
-                  <a14:hiddenLine xmlns:a14="http://schemas.microsoft.com/office/drawing/2010/main" xmlns="" w="9525">
+                  <a14:hiddenLine xmlns="" xmlns:a14="http://schemas.microsoft.com/office/drawing/2010/main" w="9525">
                     <a:solidFill>
                       <a:srgbClr val="000000"/>
                     </a:solidFill>
@@ -11943,7 +11976,7 @@
               </a:ln>
               <a:extLst>
                 <a:ext uri="{91240B29-F687-4f45-9708-019B960494DF}">
-                  <a14:hiddenLine xmlns:a14="http://schemas.microsoft.com/office/drawing/2010/main" xmlns="" w="9525">
+                  <a14:hiddenLine xmlns="" xmlns:a14="http://schemas.microsoft.com/office/drawing/2010/main" w="9525">
                     <a:solidFill>
                       <a:srgbClr val="000000"/>
                     </a:solidFill>
@@ -12033,7 +12066,7 @@
               </a:ln>
               <a:extLst>
                 <a:ext uri="{91240B29-F687-4f45-9708-019B960494DF}">
-                  <a14:hiddenLine xmlns:a14="http://schemas.microsoft.com/office/drawing/2010/main" xmlns="" w="9525">
+                  <a14:hiddenLine xmlns="" xmlns:a14="http://schemas.microsoft.com/office/drawing/2010/main" w="9525">
                     <a:solidFill>
                       <a:srgbClr val="000000"/>
                     </a:solidFill>
@@ -12101,7 +12134,7 @@
               </a:ln>
               <a:extLst>
                 <a:ext uri="{91240B29-F687-4f45-9708-019B960494DF}">
-                  <a14:hiddenLine xmlns:a14="http://schemas.microsoft.com/office/drawing/2010/main" xmlns="" w="9525">
+                  <a14:hiddenLine xmlns="" xmlns:a14="http://schemas.microsoft.com/office/drawing/2010/main" w="9525">
                     <a:solidFill>
                       <a:srgbClr val="000000"/>
                     </a:solidFill>
@@ -12191,7 +12224,7 @@
               </a:ln>
               <a:extLst>
                 <a:ext uri="{91240B29-F687-4f45-9708-019B960494DF}">
-                  <a14:hiddenLine xmlns:a14="http://schemas.microsoft.com/office/drawing/2010/main" xmlns="" w="9525">
+                  <a14:hiddenLine xmlns="" xmlns:a14="http://schemas.microsoft.com/office/drawing/2010/main" w="9525">
                     <a:solidFill>
                       <a:srgbClr val="000000"/>
                     </a:solidFill>
@@ -12225,7 +12258,7 @@
               </a:ln>
               <a:extLst>
                 <a:ext uri="{91240B29-F687-4f45-9708-019B960494DF}">
-                  <a14:hiddenLine xmlns:a14="http://schemas.microsoft.com/office/drawing/2010/main" xmlns="" w="9525">
+                  <a14:hiddenLine xmlns="" xmlns:a14="http://schemas.microsoft.com/office/drawing/2010/main" w="9525">
                     <a:solidFill>
                       <a:srgbClr val="000000"/>
                     </a:solidFill>
@@ -12366,7 +12399,7 @@
             <a:fld id="{48A87A34-81AB-432B-8DAE-1953F412C126}" type="datetimeFigureOut">
               <a:rPr lang="en-US" dirty="0"/>
               <a:pPr/>
-              <a:t>10/27/2019</a:t>
+              <a:t>10/28/2019</a:t>
             </a:fld>
             <a:endParaRPr lang="en-US" dirty="0"/>
           </a:p>
@@ -13595,6 +13628,151 @@
           </a:extLst>
         </p:spPr>
       </p:pic>
+      <p:sp>
+        <p:nvSpPr>
+          <p:cNvPr id="4" name="Rechteck 3">
+            <a:extLst>
+              <a:ext uri="{FF2B5EF4-FFF2-40B4-BE49-F238E27FC236}">
+                <a16:creationId xmlns:a16="http://schemas.microsoft.com/office/drawing/2014/main" id="{CA746EDF-457F-4B0E-95EC-991150DFBFE9}"/>
+              </a:ext>
+            </a:extLst>
+          </p:cNvPr>
+          <p:cNvSpPr/>
+          <p:nvPr/>
+        </p:nvSpPr>
+        <p:spPr>
+          <a:xfrm>
+            <a:off x="1141413" y="4760913"/>
+            <a:ext cx="4351832" cy="1200329"/>
+          </a:xfrm>
+          <a:prstGeom prst="rect">
+            <a:avLst/>
+          </a:prstGeom>
+          <a:ln>
+            <a:solidFill>
+              <a:srgbClr val="87CF62"/>
+            </a:solidFill>
+          </a:ln>
+        </p:spPr>
+        <p:txBody>
+          <a:bodyPr wrap="none">
+            <a:spAutoFit/>
+          </a:bodyPr>
+          <a:lstStyle/>
+          <a:p>
+            <a:r>
+              <a:rPr lang="de-DE" sz="3600" cap="all" dirty="0">
+                <a:solidFill>
+                  <a:schemeClr val="bg1"/>
+                </a:solidFill>
+                <a:effectLst>
+                  <a:outerShdw blurRad="177800" dist="38100" dir="2700000" algn="tl">
+                    <a:srgbClr val="000000">
+                      <a:alpha val="24000"/>
+                    </a:srgbClr>
+                  </a:outerShdw>
+                </a:effectLst>
+                <a:latin typeface="+mj-lt"/>
+                <a:ea typeface="+mj-ea"/>
+                <a:cs typeface="+mj-cs"/>
+              </a:rPr>
+              <a:t>All </a:t>
+            </a:r>
+            <a:r>
+              <a:rPr lang="de-DE" sz="3600" cap="all" dirty="0" err="1">
+                <a:solidFill>
+                  <a:schemeClr val="bg1"/>
+                </a:solidFill>
+                <a:effectLst>
+                  <a:outerShdw blurRad="177800" dist="38100" dir="2700000" algn="tl">
+                    <a:srgbClr val="000000">
+                      <a:alpha val="24000"/>
+                    </a:srgbClr>
+                  </a:outerShdw>
+                </a:effectLst>
+                <a:latin typeface="+mj-lt"/>
+                <a:ea typeface="+mj-ea"/>
+                <a:cs typeface="+mj-cs"/>
+              </a:rPr>
+              <a:t>content</a:t>
+            </a:r>
+            <a:r>
+              <a:rPr lang="de-DE" sz="3600" cap="all" dirty="0">
+                <a:solidFill>
+                  <a:schemeClr val="bg1"/>
+                </a:solidFill>
+                <a:effectLst>
+                  <a:outerShdw blurRad="177800" dist="38100" dir="2700000" algn="tl">
+                    <a:srgbClr val="000000">
+                      <a:alpha val="24000"/>
+                    </a:srgbClr>
+                  </a:outerShdw>
+                </a:effectLst>
+                <a:latin typeface="+mj-lt"/>
+                <a:ea typeface="+mj-ea"/>
+                <a:cs typeface="+mj-cs"/>
+              </a:rPr>
+              <a:t> </a:t>
+            </a:r>
+            <a:r>
+              <a:rPr lang="de-DE" sz="3600" cap="all" dirty="0" err="1">
+                <a:solidFill>
+                  <a:schemeClr val="bg1"/>
+                </a:solidFill>
+                <a:effectLst>
+                  <a:outerShdw blurRad="177800" dist="38100" dir="2700000" algn="tl">
+                    <a:srgbClr val="000000">
+                      <a:alpha val="24000"/>
+                    </a:srgbClr>
+                  </a:outerShdw>
+                </a:effectLst>
+                <a:latin typeface="+mj-lt"/>
+                <a:ea typeface="+mj-ea"/>
+                <a:cs typeface="+mj-cs"/>
+              </a:rPr>
+              <a:t>under</a:t>
+            </a:r>
+            <a:r>
+              <a:rPr lang="de-DE" sz="3600" cap="all" dirty="0">
+                <a:solidFill>
+                  <a:schemeClr val="bg1"/>
+                </a:solidFill>
+                <a:effectLst>
+                  <a:outerShdw blurRad="177800" dist="38100" dir="2700000" algn="tl">
+                    <a:srgbClr val="000000">
+                      <a:alpha val="24000"/>
+                    </a:srgbClr>
+                  </a:outerShdw>
+                </a:effectLst>
+                <a:latin typeface="+mj-lt"/>
+                <a:ea typeface="+mj-ea"/>
+                <a:cs typeface="+mj-cs"/>
+              </a:rPr>
+              <a:t>:</a:t>
+            </a:r>
+          </a:p>
+          <a:p>
+            <a:r>
+              <a:rPr lang="de-DE" sz="3600" cap="all" dirty="0">
+                <a:solidFill>
+                  <a:schemeClr val="bg1"/>
+                </a:solidFill>
+                <a:effectLst>
+                  <a:outerShdw blurRad="177800" dist="38100" dir="2700000" algn="tl">
+                    <a:srgbClr val="000000">
+                      <a:alpha val="24000"/>
+                    </a:srgbClr>
+                  </a:outerShdw>
+                </a:effectLst>
+                <a:latin typeface="+mj-lt"/>
+                <a:ea typeface="+mj-ea"/>
+                <a:cs typeface="+mj-cs"/>
+              </a:rPr>
+              <a:t>https://t1p.de/cbk2</a:t>
+            </a:r>
+          </a:p>
+        </p:txBody>
+      </p:sp>
     </p:spTree>
     <p:extLst>
       <p:ext uri="{BB962C8B-B14F-4D97-AF65-F5344CB8AC3E}">
@@ -16078,6 +16256,21 @@
 </file>
 
 <file path=customXml/item1.xml><?xml version="1.0" encoding="utf-8"?>
+<p:properties xmlns:p="http://schemas.microsoft.com/office/2006/metadata/properties" xmlns:xsi="http://www.w3.org/2001/XMLSchema-instance" xmlns:pc="http://schemas.microsoft.com/office/infopath/2007/PartnerControls">
+  <documentManagement/>
+</p:properties>
+</file>
+
+<file path=customXml/item2.xml><?xml version="1.0" encoding="utf-8"?>
+<?mso-contentType ?>
+<FormTemplates xmlns="http://schemas.microsoft.com/sharepoint/v3/contenttype/forms">
+  <Display>DocumentLibraryForm</Display>
+  <Edit>DocumentLibraryForm</Edit>
+  <New>DocumentLibraryForm</New>
+</FormTemplates>
+</file>
+
+<file path=customXml/item3.xml><?xml version="1.0" encoding="utf-8"?>
 <ct:contentTypeSchema xmlns:ct="http://schemas.microsoft.com/office/2006/metadata/contentType" xmlns:ma="http://schemas.microsoft.com/office/2006/metadata/properties/metaAttributes" ct:_="" ma:_="" ma:contentTypeName="Dokument" ma:contentTypeID="0x0101001AE19C1F13ED2D418DDFB0AB13554C9C" ma:contentTypeVersion="11" ma:contentTypeDescription="Ein neues Dokument erstellen." ma:contentTypeScope="" ma:versionID="d6943dc1084cec586d0a2a8b56ce78ed">
   <xsd:schema xmlns:xsd="http://www.w3.org/2001/XMLSchema" xmlns:xs="http://www.w3.org/2001/XMLSchema" xmlns:p="http://schemas.microsoft.com/office/2006/metadata/properties" xmlns:ns3="351b06ad-26d4-4ad3-82ae-e787bda9fbeb" xmlns:ns4="766a8933-f47f-49ac-bd4b-d380a76db42f" targetNamespace="http://schemas.microsoft.com/office/2006/metadata/properties" ma:root="true" ma:fieldsID="82ee8b2e33dfd5f925bb366a9b8354e8" ns3:_="" ns4:_="">
     <xsd:import namespace="351b06ad-26d4-4ad3-82ae-e787bda9fbeb"/>
@@ -16286,22 +16479,24 @@
 </ct:contentTypeSchema>
 </file>
 
-<file path=customXml/item2.xml><?xml version="1.0" encoding="utf-8"?>
-<?mso-contentType ?>
-<FormTemplates xmlns="http://schemas.microsoft.com/sharepoint/v3/contenttype/forms">
-  <Display>DocumentLibraryForm</Display>
-  <Edit>DocumentLibraryForm</Edit>
-  <New>DocumentLibraryForm</New>
-</FormTemplates>
+<file path=customXml/itemProps1.xml><?xml version="1.0" encoding="utf-8"?>
+<ds:datastoreItem xmlns:ds="http://schemas.openxmlformats.org/officeDocument/2006/customXml" ds:itemID="{E8364FF7-18C7-4FE4-807F-05556E358684}">
+  <ds:schemaRefs>
+    <ds:schemaRef ds:uri="http://schemas.microsoft.com/office/2006/metadata/properties"/>
+    <ds:schemaRef ds:uri="http://schemas.microsoft.com/office/infopath/2007/PartnerControls"/>
+  </ds:schemaRefs>
+</ds:datastoreItem>
 </file>
 
-<file path=customXml/item3.xml><?xml version="1.0" encoding="utf-8"?>
-<p:properties xmlns:p="http://schemas.microsoft.com/office/2006/metadata/properties" xmlns:xsi="http://www.w3.org/2001/XMLSchema-instance" xmlns:pc="http://schemas.microsoft.com/office/infopath/2007/PartnerControls">
-  <documentManagement/>
-</p:properties>
+<file path=customXml/itemProps2.xml><?xml version="1.0" encoding="utf-8"?>
+<ds:datastoreItem xmlns:ds="http://schemas.openxmlformats.org/officeDocument/2006/customXml" ds:itemID="{95E9AE48-2D1F-481A-AD5D-DA9778BAA262}">
+  <ds:schemaRefs>
+    <ds:schemaRef ds:uri="http://schemas.microsoft.com/sharepoint/v3/contenttype/forms"/>
+  </ds:schemaRefs>
+</ds:datastoreItem>
 </file>
 
-<file path=customXml/itemProps1.xml><?xml version="1.0" encoding="utf-8"?>
+<file path=customXml/itemProps3.xml><?xml version="1.0" encoding="utf-8"?>
 <ds:datastoreItem xmlns:ds="http://schemas.openxmlformats.org/officeDocument/2006/customXml" ds:itemID="{3AE5C6E7-297E-4201-A0BE-6AEA334CBBCE}">
   <ds:schemaRefs>
     <ds:schemaRef ds:uri="http://schemas.microsoft.com/office/2006/metadata/contentType"/>
@@ -16318,21 +16513,4 @@
     <ds:schemaRef ds:uri="http://schemas.microsoft.com/internal/obd"/>
   </ds:schemaRefs>
 </ds:datastoreItem>
-</file>
-
-<file path=customXml/itemProps2.xml><?xml version="1.0" encoding="utf-8"?>
-<ds:datastoreItem xmlns:ds="http://schemas.openxmlformats.org/officeDocument/2006/customXml" ds:itemID="{95E9AE48-2D1F-481A-AD5D-DA9778BAA262}">
-  <ds:schemaRefs>
-    <ds:schemaRef ds:uri="http://schemas.microsoft.com/sharepoint/v3/contenttype/forms"/>
-  </ds:schemaRefs>
-</ds:datastoreItem>
-</file>
-
-<file path=customXml/itemProps3.xml><?xml version="1.0" encoding="utf-8"?>
-<ds:datastoreItem xmlns:ds="http://schemas.openxmlformats.org/officeDocument/2006/customXml" ds:itemID="{E8364FF7-18C7-4FE4-807F-05556E358684}">
-  <ds:schemaRefs>
-    <ds:schemaRef ds:uri="http://schemas.microsoft.com/office/2006/metadata/properties"/>
-    <ds:schemaRef ds:uri="http://schemas.microsoft.com/office/infopath/2007/PartnerControls"/>
-  </ds:schemaRefs>
-</ds:datastoreItem>
 </file>
--- a/BookDown&Forcats.pptx
+++ b/BookDown&Forcats.pptx
@@ -127,6 +127,7 @@
   <p1510:revLst>
     <p1510:client id="{3D55A40C-9B98-4243-A7A2-8F8A91C7A271}" v="96" dt="2019-10-27T18:18:59.683"/>
     <p1510:client id="{985DB698-3434-4385-9D89-533DE2B2E4A8}" v="7" dt="2019-10-28T09:20:21.639"/>
+    <p1510:client id="{1BDC857B-4B69-ABD1-381C-64896BD381D0}" v="11" dt="2019-10-28T13:09:08.233"/>
   </p1510:revLst>
 </p1510:revInfo>
 </file>
@@ -577,6 +578,60 @@
       </pc:sldChg>
     </pc:docChg>
   </pc:docChgLst>
+  <pc:docChgLst>
+    <pc:chgData name="Alexander Kleine" userId="S::alexander.p.kleine@student.fh-kiel.de::cd63ca00-6f7b-496a-a4bd-217e8364cbab" providerId="AD" clId="Web-{1BDC857B-4B69-ABD1-381C-64896BD381D0}"/>
+    <pc:docChg chg="modSld">
+      <pc:chgData name="Alexander Kleine" userId="S::alexander.p.kleine@student.fh-kiel.de::cd63ca00-6f7b-496a-a4bd-217e8364cbab" providerId="AD" clId="Web-{1BDC857B-4B69-ABD1-381C-64896BD381D0}" dt="2019-10-28T13:09:08.233" v="10" actId="20577"/>
+      <pc:docMkLst>
+        <pc:docMk/>
+      </pc:docMkLst>
+      <pc:sldChg chg="modSp">
+        <pc:chgData name="Alexander Kleine" userId="S::alexander.p.kleine@student.fh-kiel.de::cd63ca00-6f7b-496a-a4bd-217e8364cbab" providerId="AD" clId="Web-{1BDC857B-4B69-ABD1-381C-64896BD381D0}" dt="2019-10-28T13:08:52.874" v="0" actId="20577"/>
+        <pc:sldMkLst>
+          <pc:docMk/>
+          <pc:sldMk cId="2103567945" sldId="257"/>
+        </pc:sldMkLst>
+        <pc:spChg chg="mod">
+          <ac:chgData name="Alexander Kleine" userId="S::alexander.p.kleine@student.fh-kiel.de::cd63ca00-6f7b-496a-a4bd-217e8364cbab" providerId="AD" clId="Web-{1BDC857B-4B69-ABD1-381C-64896BD381D0}" dt="2019-10-28T13:08:52.874" v="0" actId="20577"/>
+          <ac:spMkLst>
+            <pc:docMk/>
+            <pc:sldMk cId="2103567945" sldId="257"/>
+            <ac:spMk id="2" creationId="{E5D95487-973D-4967-83D0-DAD58A46DE2C}"/>
+          </ac:spMkLst>
+        </pc:spChg>
+      </pc:sldChg>
+      <pc:sldChg chg="modSp">
+        <pc:chgData name="Alexander Kleine" userId="S::alexander.p.kleine@student.fh-kiel.de::cd63ca00-6f7b-496a-a4bd-217e8364cbab" providerId="AD" clId="Web-{1BDC857B-4B69-ABD1-381C-64896BD381D0}" dt="2019-10-28T13:09:00.234" v="5" actId="20577"/>
+        <pc:sldMkLst>
+          <pc:docMk/>
+          <pc:sldMk cId="2991809590" sldId="258"/>
+        </pc:sldMkLst>
+        <pc:spChg chg="mod">
+          <ac:chgData name="Alexander Kleine" userId="S::alexander.p.kleine@student.fh-kiel.de::cd63ca00-6f7b-496a-a4bd-217e8364cbab" providerId="AD" clId="Web-{1BDC857B-4B69-ABD1-381C-64896BD381D0}" dt="2019-10-28T13:09:00.234" v="5" actId="20577"/>
+          <ac:spMkLst>
+            <pc:docMk/>
+            <pc:sldMk cId="2991809590" sldId="258"/>
+            <ac:spMk id="2" creationId="{E5D95487-973D-4967-83D0-DAD58A46DE2C}"/>
+          </ac:spMkLst>
+        </pc:spChg>
+      </pc:sldChg>
+      <pc:sldChg chg="modSp">
+        <pc:chgData name="Alexander Kleine" userId="S::alexander.p.kleine@student.fh-kiel.de::cd63ca00-6f7b-496a-a4bd-217e8364cbab" providerId="AD" clId="Web-{1BDC857B-4B69-ABD1-381C-64896BD381D0}" dt="2019-10-28T13:09:08.233" v="9" actId="20577"/>
+        <pc:sldMkLst>
+          <pc:docMk/>
+          <pc:sldMk cId="2104424923" sldId="259"/>
+        </pc:sldMkLst>
+        <pc:spChg chg="mod">
+          <ac:chgData name="Alexander Kleine" userId="S::alexander.p.kleine@student.fh-kiel.de::cd63ca00-6f7b-496a-a4bd-217e8364cbab" providerId="AD" clId="Web-{1BDC857B-4B69-ABD1-381C-64896BD381D0}" dt="2019-10-28T13:09:08.233" v="9" actId="20577"/>
+          <ac:spMkLst>
+            <pc:docMk/>
+            <pc:sldMk cId="2104424923" sldId="259"/>
+            <ac:spMk id="2" creationId="{E5D95487-973D-4967-83D0-DAD58A46DE2C}"/>
+          </ac:spMkLst>
+        </pc:spChg>
+      </pc:sldChg>
+    </pc:docChg>
+  </pc:docChgLst>
 </pc:chgInfo>
 </file>
 
@@ -637,7 +692,7 @@
           <a:noFill/>
           <a:extLst>
             <a:ext uri="{909E8E84-426E-40dd-AFC4-6F175D3DCCD1}">
-              <a14:hiddenFill xmlns:a14="http://schemas.microsoft.com/office/drawing/2010/main" xmlns="">
+              <a14:hiddenFill xmlns="" xmlns:a14="http://schemas.microsoft.com/office/drawing/2010/main">
                 <a:solidFill>
                   <a:srgbClr val="FFFFFF"/>
                 </a:solidFill>
@@ -697,7 +752,7 @@
             </a:ln>
             <a:extLst>
               <a:ext uri="{91240B29-F687-4f45-9708-019B960494DF}">
-                <a14:hiddenLine xmlns:a14="http://schemas.microsoft.com/office/drawing/2010/main" xmlns="" w="9525">
+                <a14:hiddenLine xmlns="" xmlns:a14="http://schemas.microsoft.com/office/drawing/2010/main" w="9525">
                   <a:solidFill>
                     <a:srgbClr val="000000"/>
                   </a:solidFill>
@@ -787,7 +842,7 @@
             </a:ln>
             <a:extLst>
               <a:ext uri="{91240B29-F687-4f45-9708-019B960494DF}">
-                <a14:hiddenLine xmlns:a14="http://schemas.microsoft.com/office/drawing/2010/main" xmlns="" w="9525">
+                <a14:hiddenLine xmlns="" xmlns:a14="http://schemas.microsoft.com/office/drawing/2010/main" w="9525">
                   <a:solidFill>
                     <a:srgbClr val="000000"/>
                   </a:solidFill>
@@ -877,7 +932,7 @@
             </a:ln>
             <a:extLst>
               <a:ext uri="{91240B29-F687-4f45-9708-019B960494DF}">
-                <a14:hiddenLine xmlns:a14="http://schemas.microsoft.com/office/drawing/2010/main" xmlns="" w="9525">
+                <a14:hiddenLine xmlns="" xmlns:a14="http://schemas.microsoft.com/office/drawing/2010/main" w="9525">
                   <a:solidFill>
                     <a:srgbClr val="000000"/>
                   </a:solidFill>
@@ -911,7 +966,7 @@
             </a:ln>
             <a:extLst>
               <a:ext uri="{91240B29-F687-4f45-9708-019B960494DF}">
-                <a14:hiddenLine xmlns:a14="http://schemas.microsoft.com/office/drawing/2010/main" xmlns="" w="9525">
+                <a14:hiddenLine xmlns="" xmlns:a14="http://schemas.microsoft.com/office/drawing/2010/main" w="9525">
                   <a:solidFill>
                     <a:srgbClr val="000000"/>
                   </a:solidFill>
@@ -1001,7 +1056,7 @@
             </a:ln>
             <a:extLst>
               <a:ext uri="{91240B29-F687-4f45-9708-019B960494DF}">
-                <a14:hiddenLine xmlns:a14="http://schemas.microsoft.com/office/drawing/2010/main" xmlns="" w="9525">
+                <a14:hiddenLine xmlns="" xmlns:a14="http://schemas.microsoft.com/office/drawing/2010/main" w="9525">
                   <a:solidFill>
                     <a:srgbClr val="000000"/>
                   </a:solidFill>
@@ -1063,7 +1118,7 @@
             </a:ln>
             <a:extLst>
               <a:ext uri="{91240B29-F687-4f45-9708-019B960494DF}">
-                <a14:hiddenLine xmlns:a14="http://schemas.microsoft.com/office/drawing/2010/main" xmlns="" w="9525">
+                <a14:hiddenLine xmlns="" xmlns:a14="http://schemas.microsoft.com/office/drawing/2010/main" w="9525">
                   <a:solidFill>
                     <a:srgbClr val="000000"/>
                   </a:solidFill>
@@ -1125,7 +1180,7 @@
             </a:ln>
             <a:extLst>
               <a:ext uri="{91240B29-F687-4f45-9708-019B960494DF}">
-                <a14:hiddenLine xmlns:a14="http://schemas.microsoft.com/office/drawing/2010/main" xmlns="" w="9525">
+                <a14:hiddenLine xmlns="" xmlns:a14="http://schemas.microsoft.com/office/drawing/2010/main" w="9525">
                   <a:solidFill>
                     <a:srgbClr val="000000"/>
                   </a:solidFill>
@@ -1215,7 +1270,7 @@
             </a:ln>
             <a:extLst>
               <a:ext uri="{91240B29-F687-4f45-9708-019B960494DF}">
-                <a14:hiddenLine xmlns:a14="http://schemas.microsoft.com/office/drawing/2010/main" xmlns="" w="9525">
+                <a14:hiddenLine xmlns="" xmlns:a14="http://schemas.microsoft.com/office/drawing/2010/main" w="9525">
                   <a:solidFill>
                     <a:srgbClr val="000000"/>
                   </a:solidFill>
@@ -1277,7 +1332,7 @@
             </a:ln>
             <a:extLst>
               <a:ext uri="{91240B29-F687-4f45-9708-019B960494DF}">
-                <a14:hiddenLine xmlns:a14="http://schemas.microsoft.com/office/drawing/2010/main" xmlns="" w="9525">
+                <a14:hiddenLine xmlns="" xmlns:a14="http://schemas.microsoft.com/office/drawing/2010/main" w="9525">
                   <a:solidFill>
                     <a:srgbClr val="000000"/>
                   </a:solidFill>
@@ -1339,7 +1394,7 @@
             </a:ln>
             <a:extLst>
               <a:ext uri="{91240B29-F687-4f45-9708-019B960494DF}">
-                <a14:hiddenLine xmlns:a14="http://schemas.microsoft.com/office/drawing/2010/main" xmlns="" w="9525">
+                <a14:hiddenLine xmlns="" xmlns:a14="http://schemas.microsoft.com/office/drawing/2010/main" w="9525">
                   <a:solidFill>
                     <a:srgbClr val="000000"/>
                   </a:solidFill>
@@ -1429,7 +1484,7 @@
             </a:ln>
             <a:extLst>
               <a:ext uri="{91240B29-F687-4f45-9708-019B960494DF}">
-                <a14:hiddenLine xmlns:a14="http://schemas.microsoft.com/office/drawing/2010/main" xmlns="" w="9525">
+                <a14:hiddenLine xmlns="" xmlns:a14="http://schemas.microsoft.com/office/drawing/2010/main" w="9525">
                   <a:solidFill>
                     <a:srgbClr val="000000"/>
                   </a:solidFill>
@@ -1519,7 +1574,7 @@
             </a:ln>
             <a:extLst>
               <a:ext uri="{91240B29-F687-4f45-9708-019B960494DF}">
-                <a14:hiddenLine xmlns:a14="http://schemas.microsoft.com/office/drawing/2010/main" xmlns="" w="9525">
+                <a14:hiddenLine xmlns="" xmlns:a14="http://schemas.microsoft.com/office/drawing/2010/main" w="9525">
                   <a:solidFill>
                     <a:srgbClr val="000000"/>
                   </a:solidFill>
@@ -1581,7 +1636,7 @@
             </a:ln>
             <a:extLst>
               <a:ext uri="{91240B29-F687-4f45-9708-019B960494DF}">
-                <a14:hiddenLine xmlns:a14="http://schemas.microsoft.com/office/drawing/2010/main" xmlns="" w="9525">
+                <a14:hiddenLine xmlns="" xmlns:a14="http://schemas.microsoft.com/office/drawing/2010/main" w="9525">
                   <a:solidFill>
                     <a:srgbClr val="000000"/>
                   </a:solidFill>
@@ -1691,7 +1746,7 @@
             </a:ln>
             <a:extLst>
               <a:ext uri="{91240B29-F687-4f45-9708-019B960494DF}">
-                <a14:hiddenLine xmlns:a14="http://schemas.microsoft.com/office/drawing/2010/main" xmlns="" w="9525">
+                <a14:hiddenLine xmlns="" xmlns:a14="http://schemas.microsoft.com/office/drawing/2010/main" w="9525">
                   <a:solidFill>
                     <a:srgbClr val="000000"/>
                   </a:solidFill>
@@ -1753,7 +1808,7 @@
             </a:ln>
             <a:extLst>
               <a:ext uri="{91240B29-F687-4f45-9708-019B960494DF}">
-                <a14:hiddenLine xmlns:a14="http://schemas.microsoft.com/office/drawing/2010/main" xmlns="" w="9525">
+                <a14:hiddenLine xmlns="" xmlns:a14="http://schemas.microsoft.com/office/drawing/2010/main" w="9525">
                   <a:solidFill>
                     <a:srgbClr val="000000"/>
                   </a:solidFill>
@@ -1843,7 +1898,7 @@
             </a:ln>
             <a:extLst>
               <a:ext uri="{91240B29-F687-4f45-9708-019B960494DF}">
-                <a14:hiddenLine xmlns:a14="http://schemas.microsoft.com/office/drawing/2010/main" xmlns="" w="9525">
+                <a14:hiddenLine xmlns="" xmlns:a14="http://schemas.microsoft.com/office/drawing/2010/main" w="9525">
                   <a:solidFill>
                     <a:srgbClr val="000000"/>
                   </a:solidFill>
@@ -1933,7 +1988,7 @@
             </a:ln>
             <a:extLst>
               <a:ext uri="{91240B29-F687-4f45-9708-019B960494DF}">
-                <a14:hiddenLine xmlns:a14="http://schemas.microsoft.com/office/drawing/2010/main" xmlns="" w="9525">
+                <a14:hiddenLine xmlns="" xmlns:a14="http://schemas.microsoft.com/office/drawing/2010/main" w="9525">
                   <a:solidFill>
                     <a:srgbClr val="000000"/>
                   </a:solidFill>
@@ -1995,7 +2050,7 @@
             </a:ln>
             <a:extLst>
               <a:ext uri="{91240B29-F687-4f45-9708-019B960494DF}">
-                <a14:hiddenLine xmlns:a14="http://schemas.microsoft.com/office/drawing/2010/main" xmlns="" w="9525">
+                <a14:hiddenLine xmlns="" xmlns:a14="http://schemas.microsoft.com/office/drawing/2010/main" w="9525">
                   <a:solidFill>
                     <a:srgbClr val="000000"/>
                   </a:solidFill>
@@ -2085,7 +2140,7 @@
             </a:ln>
             <a:extLst>
               <a:ext uri="{91240B29-F687-4f45-9708-019B960494DF}">
-                <a14:hiddenLine xmlns:a14="http://schemas.microsoft.com/office/drawing/2010/main" xmlns="" w="9525">
+                <a14:hiddenLine xmlns="" xmlns:a14="http://schemas.microsoft.com/office/drawing/2010/main" w="9525">
                   <a:solidFill>
                     <a:srgbClr val="000000"/>
                   </a:solidFill>
@@ -2175,7 +2230,7 @@
             </a:ln>
             <a:extLst>
               <a:ext uri="{91240B29-F687-4f45-9708-019B960494DF}">
-                <a14:hiddenLine xmlns:a14="http://schemas.microsoft.com/office/drawing/2010/main" xmlns="" w="9525">
+                <a14:hiddenLine xmlns="" xmlns:a14="http://schemas.microsoft.com/office/drawing/2010/main" w="9525">
                   <a:solidFill>
                     <a:srgbClr val="000000"/>
                   </a:solidFill>
@@ -2231,7 +2286,7 @@
             </a:ln>
             <a:extLst>
               <a:ext uri="{91240B29-F687-4f45-9708-019B960494DF}">
-                <a14:hiddenLine xmlns:a14="http://schemas.microsoft.com/office/drawing/2010/main" xmlns="" w="9525">
+                <a14:hiddenLine xmlns="" xmlns:a14="http://schemas.microsoft.com/office/drawing/2010/main" w="9525">
                   <a:solidFill>
                     <a:srgbClr val="000000"/>
                   </a:solidFill>
@@ -2321,7 +2376,7 @@
             </a:ln>
             <a:extLst>
               <a:ext uri="{91240B29-F687-4f45-9708-019B960494DF}">
-                <a14:hiddenLine xmlns:a14="http://schemas.microsoft.com/office/drawing/2010/main" xmlns="" w="9525">
+                <a14:hiddenLine xmlns="" xmlns:a14="http://schemas.microsoft.com/office/drawing/2010/main" w="9525">
                   <a:solidFill>
                     <a:srgbClr val="000000"/>
                   </a:solidFill>
@@ -2377,7 +2432,7 @@
             </a:ln>
             <a:extLst>
               <a:ext uri="{91240B29-F687-4f45-9708-019B960494DF}">
-                <a14:hiddenLine xmlns:a14="http://schemas.microsoft.com/office/drawing/2010/main" xmlns="" w="9525">
+                <a14:hiddenLine xmlns="" xmlns:a14="http://schemas.microsoft.com/office/drawing/2010/main" w="9525">
                   <a:solidFill>
                     <a:srgbClr val="000000"/>
                   </a:solidFill>
@@ -2467,7 +2522,7 @@
             </a:ln>
             <a:extLst>
               <a:ext uri="{91240B29-F687-4f45-9708-019B960494DF}">
-                <a14:hiddenLine xmlns:a14="http://schemas.microsoft.com/office/drawing/2010/main" xmlns="" w="9525">
+                <a14:hiddenLine xmlns="" xmlns:a14="http://schemas.microsoft.com/office/drawing/2010/main" w="9525">
                   <a:solidFill>
                     <a:srgbClr val="000000"/>
                   </a:solidFill>
@@ -2535,7 +2590,7 @@
             </a:ln>
             <a:extLst>
               <a:ext uri="{91240B29-F687-4f45-9708-019B960494DF}">
-                <a14:hiddenLine xmlns:a14="http://schemas.microsoft.com/office/drawing/2010/main" xmlns="" w="9525">
+                <a14:hiddenLine xmlns="" xmlns:a14="http://schemas.microsoft.com/office/drawing/2010/main" w="9525">
                   <a:solidFill>
                     <a:srgbClr val="000000"/>
                   </a:solidFill>
@@ -2625,7 +2680,7 @@
             </a:ln>
             <a:extLst>
               <a:ext uri="{91240B29-F687-4f45-9708-019B960494DF}">
-                <a14:hiddenLine xmlns:a14="http://schemas.microsoft.com/office/drawing/2010/main" xmlns="" w="9525">
+                <a14:hiddenLine xmlns="" xmlns:a14="http://schemas.microsoft.com/office/drawing/2010/main" w="9525">
                   <a:solidFill>
                     <a:srgbClr val="000000"/>
                   </a:solidFill>
@@ -2693,7 +2748,7 @@
             </a:ln>
             <a:extLst>
               <a:ext uri="{91240B29-F687-4f45-9708-019B960494DF}">
-                <a14:hiddenLine xmlns:a14="http://schemas.microsoft.com/office/drawing/2010/main" xmlns="" w="9525">
+                <a14:hiddenLine xmlns="" xmlns:a14="http://schemas.microsoft.com/office/drawing/2010/main" w="9525">
                   <a:solidFill>
                     <a:srgbClr val="000000"/>
                   </a:solidFill>
@@ -2783,7 +2838,7 @@
             </a:ln>
             <a:extLst>
               <a:ext uri="{91240B29-F687-4f45-9708-019B960494DF}">
-                <a14:hiddenLine xmlns:a14="http://schemas.microsoft.com/office/drawing/2010/main" xmlns="" w="9525">
+                <a14:hiddenLine xmlns="" xmlns:a14="http://schemas.microsoft.com/office/drawing/2010/main" w="9525">
                   <a:solidFill>
                     <a:srgbClr val="000000"/>
                   </a:solidFill>
@@ -2817,7 +2872,7 @@
             </a:ln>
             <a:extLst>
               <a:ext uri="{91240B29-F687-4f45-9708-019B960494DF}">
-                <a14:hiddenLine xmlns:a14="http://schemas.microsoft.com/office/drawing/2010/main" xmlns="" w="9525">
+                <a14:hiddenLine xmlns="" xmlns:a14="http://schemas.microsoft.com/office/drawing/2010/main" w="9525">
                   <a:solidFill>
                     <a:srgbClr val="000000"/>
                   </a:solidFill>
@@ -2907,7 +2962,7 @@
             </a:ln>
             <a:extLst>
               <a:ext uri="{91240B29-F687-4f45-9708-019B960494DF}">
-                <a14:hiddenLine xmlns:a14="http://schemas.microsoft.com/office/drawing/2010/main" xmlns="" w="9525">
+                <a14:hiddenLine xmlns="" xmlns:a14="http://schemas.microsoft.com/office/drawing/2010/main" w="9525">
                   <a:solidFill>
                     <a:srgbClr val="000000"/>
                   </a:solidFill>
@@ -2969,7 +3024,7 @@
             </a:ln>
             <a:extLst>
               <a:ext uri="{91240B29-F687-4f45-9708-019B960494DF}">
-                <a14:hiddenLine xmlns:a14="http://schemas.microsoft.com/office/drawing/2010/main" xmlns="" w="9525">
+                <a14:hiddenLine xmlns="" xmlns:a14="http://schemas.microsoft.com/office/drawing/2010/main" w="9525">
                   <a:solidFill>
                     <a:srgbClr val="000000"/>
                   </a:solidFill>
@@ -3031,7 +3086,7 @@
             </a:ln>
             <a:extLst>
               <a:ext uri="{91240B29-F687-4f45-9708-019B960494DF}">
-                <a14:hiddenLine xmlns:a14="http://schemas.microsoft.com/office/drawing/2010/main" xmlns="" w="9525">
+                <a14:hiddenLine xmlns="" xmlns:a14="http://schemas.microsoft.com/office/drawing/2010/main" w="9525">
                   <a:solidFill>
                     <a:srgbClr val="000000"/>
                   </a:solidFill>
@@ -3121,7 +3176,7 @@
             </a:ln>
             <a:extLst>
               <a:ext uri="{91240B29-F687-4f45-9708-019B960494DF}">
-                <a14:hiddenLine xmlns:a14="http://schemas.microsoft.com/office/drawing/2010/main" xmlns="" w="9525">
+                <a14:hiddenLine xmlns="" xmlns:a14="http://schemas.microsoft.com/office/drawing/2010/main" w="9525">
                   <a:solidFill>
                     <a:srgbClr val="000000"/>
                   </a:solidFill>
@@ -3189,7 +3244,7 @@
             </a:ln>
             <a:extLst>
               <a:ext uri="{91240B29-F687-4f45-9708-019B960494DF}">
-                <a14:hiddenLine xmlns:a14="http://schemas.microsoft.com/office/drawing/2010/main" xmlns="" w="9525">
+                <a14:hiddenLine xmlns="" xmlns:a14="http://schemas.microsoft.com/office/drawing/2010/main" w="9525">
                   <a:solidFill>
                     <a:srgbClr val="000000"/>
                   </a:solidFill>
@@ -3251,7 +3306,7 @@
             </a:ln>
             <a:extLst>
               <a:ext uri="{91240B29-F687-4f45-9708-019B960494DF}">
-                <a14:hiddenLine xmlns:a14="http://schemas.microsoft.com/office/drawing/2010/main" xmlns="" w="9525">
+                <a14:hiddenLine xmlns="" xmlns:a14="http://schemas.microsoft.com/office/drawing/2010/main" w="9525">
                   <a:solidFill>
                     <a:srgbClr val="000000"/>
                   </a:solidFill>
@@ -3341,7 +3396,7 @@
             </a:ln>
             <a:extLst>
               <a:ext uri="{91240B29-F687-4f45-9708-019B960494DF}">
-                <a14:hiddenLine xmlns:a14="http://schemas.microsoft.com/office/drawing/2010/main" xmlns="" w="9525">
+                <a14:hiddenLine xmlns="" xmlns:a14="http://schemas.microsoft.com/office/drawing/2010/main" w="9525">
                   <a:solidFill>
                     <a:srgbClr val="000000"/>
                   </a:solidFill>
@@ -3403,7 +3458,7 @@
             </a:ln>
             <a:extLst>
               <a:ext uri="{91240B29-F687-4f45-9708-019B960494DF}">
-                <a14:hiddenLine xmlns:a14="http://schemas.microsoft.com/office/drawing/2010/main" xmlns="" w="9525">
+                <a14:hiddenLine xmlns="" xmlns:a14="http://schemas.microsoft.com/office/drawing/2010/main" w="9525">
                   <a:solidFill>
                     <a:srgbClr val="000000"/>
                   </a:solidFill>
@@ -3493,7 +3548,7 @@
             </a:ln>
             <a:extLst>
               <a:ext uri="{91240B29-F687-4f45-9708-019B960494DF}">
-                <a14:hiddenLine xmlns:a14="http://schemas.microsoft.com/office/drawing/2010/main" xmlns="" w="9525">
+                <a14:hiddenLine xmlns="" xmlns:a14="http://schemas.microsoft.com/office/drawing/2010/main" w="9525">
                   <a:solidFill>
                     <a:srgbClr val="000000"/>
                   </a:solidFill>
@@ -3555,7 +3610,7 @@
             </a:ln>
             <a:extLst>
               <a:ext uri="{91240B29-F687-4f45-9708-019B960494DF}">
-                <a14:hiddenLine xmlns:a14="http://schemas.microsoft.com/office/drawing/2010/main" xmlns="" w="9525">
+                <a14:hiddenLine xmlns="" xmlns:a14="http://schemas.microsoft.com/office/drawing/2010/main" w="9525">
                   <a:solidFill>
                     <a:srgbClr val="000000"/>
                   </a:solidFill>
@@ -3645,7 +3700,7 @@
             </a:ln>
             <a:extLst>
               <a:ext uri="{91240B29-F687-4f45-9708-019B960494DF}">
-                <a14:hiddenLine xmlns:a14="http://schemas.microsoft.com/office/drawing/2010/main" xmlns="" w="9525">
+                <a14:hiddenLine xmlns="" xmlns:a14="http://schemas.microsoft.com/office/drawing/2010/main" w="9525">
                   <a:solidFill>
                     <a:srgbClr val="000000"/>
                   </a:solidFill>
@@ -3679,7 +3734,7 @@
             </a:ln>
             <a:extLst>
               <a:ext uri="{91240B29-F687-4f45-9708-019B960494DF}">
-                <a14:hiddenLine xmlns:a14="http://schemas.microsoft.com/office/drawing/2010/main" xmlns="" w="9525">
+                <a14:hiddenLine xmlns="" xmlns:a14="http://schemas.microsoft.com/office/drawing/2010/main" w="9525">
                   <a:solidFill>
                     <a:srgbClr val="000000"/>
                   </a:solidFill>
@@ -3744,7 +3799,7 @@
             </a:ln>
             <a:extLst>
               <a:ext uri="{91240B29-F687-4f45-9708-019B960494DF}">
-                <a14:hiddenLine xmlns:a14="http://schemas.microsoft.com/office/drawing/2010/main" xmlns="" w="9525">
+                <a14:hiddenLine xmlns="" xmlns:a14="http://schemas.microsoft.com/office/drawing/2010/main" w="9525">
                   <a:solidFill>
                     <a:srgbClr val="000000"/>
                   </a:solidFill>
@@ -3834,7 +3889,7 @@
             </a:ln>
             <a:extLst>
               <a:ext uri="{91240B29-F687-4f45-9708-019B960494DF}">
-                <a14:hiddenLine xmlns:a14="http://schemas.microsoft.com/office/drawing/2010/main" xmlns="" w="9525">
+                <a14:hiddenLine xmlns="" xmlns:a14="http://schemas.microsoft.com/office/drawing/2010/main" w="9525">
                   <a:solidFill>
                     <a:srgbClr val="000000"/>
                   </a:solidFill>
@@ -3896,7 +3951,7 @@
             </a:ln>
             <a:extLst>
               <a:ext uri="{91240B29-F687-4f45-9708-019B960494DF}">
-                <a14:hiddenLine xmlns:a14="http://schemas.microsoft.com/office/drawing/2010/main" xmlns="" w="9525">
+                <a14:hiddenLine xmlns="" xmlns:a14="http://schemas.microsoft.com/office/drawing/2010/main" w="9525">
                   <a:solidFill>
                     <a:srgbClr val="000000"/>
                   </a:solidFill>
@@ -3986,7 +4041,7 @@
             </a:ln>
             <a:extLst>
               <a:ext uri="{91240B29-F687-4f45-9708-019B960494DF}">
-                <a14:hiddenLine xmlns:a14="http://schemas.microsoft.com/office/drawing/2010/main" xmlns="" w="9525">
+                <a14:hiddenLine xmlns="" xmlns:a14="http://schemas.microsoft.com/office/drawing/2010/main" w="9525">
                   <a:solidFill>
                     <a:srgbClr val="000000"/>
                   </a:solidFill>
@@ -4076,7 +4131,7 @@
             </a:ln>
             <a:extLst>
               <a:ext uri="{91240B29-F687-4f45-9708-019B960494DF}">
-                <a14:hiddenLine xmlns:a14="http://schemas.microsoft.com/office/drawing/2010/main" xmlns="" w="9525">
+                <a14:hiddenLine xmlns="" xmlns:a14="http://schemas.microsoft.com/office/drawing/2010/main" w="9525">
                   <a:solidFill>
                     <a:srgbClr val="000000"/>
                   </a:solidFill>
@@ -4141,7 +4196,7 @@
             </a:ln>
             <a:extLst>
               <a:ext uri="{91240B29-F687-4f45-9708-019B960494DF}">
-                <a14:hiddenLine xmlns:a14="http://schemas.microsoft.com/office/drawing/2010/main" xmlns="" w="9525">
+                <a14:hiddenLine xmlns="" xmlns:a14="http://schemas.microsoft.com/office/drawing/2010/main" w="9525">
                   <a:solidFill>
                     <a:srgbClr val="000000"/>
                   </a:solidFill>
@@ -4203,7 +4258,7 @@
             </a:ln>
             <a:extLst>
               <a:ext uri="{91240B29-F687-4f45-9708-019B960494DF}">
-                <a14:hiddenLine xmlns:a14="http://schemas.microsoft.com/office/drawing/2010/main" xmlns="" w="9525">
+                <a14:hiddenLine xmlns="" xmlns:a14="http://schemas.microsoft.com/office/drawing/2010/main" w="9525">
                   <a:solidFill>
                     <a:srgbClr val="000000"/>
                   </a:solidFill>
@@ -4293,7 +4348,7 @@
             </a:ln>
             <a:extLst>
               <a:ext uri="{91240B29-F687-4f45-9708-019B960494DF}">
-                <a14:hiddenLine xmlns:a14="http://schemas.microsoft.com/office/drawing/2010/main" xmlns="" w="9525">
+                <a14:hiddenLine xmlns="" xmlns:a14="http://schemas.microsoft.com/office/drawing/2010/main" w="9525">
                   <a:solidFill>
                     <a:srgbClr val="000000"/>
                   </a:solidFill>
@@ -4383,7 +4438,7 @@
             </a:ln>
             <a:extLst>
               <a:ext uri="{91240B29-F687-4f45-9708-019B960494DF}">
-                <a14:hiddenLine xmlns:a14="http://schemas.microsoft.com/office/drawing/2010/main" xmlns="" w="9525">
+                <a14:hiddenLine xmlns="" xmlns:a14="http://schemas.microsoft.com/office/drawing/2010/main" w="9525">
                   <a:solidFill>
                     <a:srgbClr val="000000"/>
                   </a:solidFill>
@@ -4445,7 +4500,7 @@
             </a:ln>
             <a:extLst>
               <a:ext uri="{91240B29-F687-4f45-9708-019B960494DF}">
-                <a14:hiddenLine xmlns:a14="http://schemas.microsoft.com/office/drawing/2010/main" xmlns="" w="9525">
+                <a14:hiddenLine xmlns="" xmlns:a14="http://schemas.microsoft.com/office/drawing/2010/main" w="9525">
                   <a:solidFill>
                     <a:srgbClr val="000000"/>
                   </a:solidFill>
@@ -4565,7 +4620,7 @@
             </a:ln>
             <a:extLst>
               <a:ext uri="{91240B29-F687-4f45-9708-019B960494DF}">
-                <a14:hiddenLine xmlns:a14="http://schemas.microsoft.com/office/drawing/2010/main" xmlns="" w="9525">
+                <a14:hiddenLine xmlns="" xmlns:a14="http://schemas.microsoft.com/office/drawing/2010/main" w="9525">
                   <a:solidFill>
                     <a:srgbClr val="000000"/>
                   </a:solidFill>
@@ -4633,7 +4688,7 @@
             </a:ln>
             <a:extLst>
               <a:ext uri="{91240B29-F687-4f45-9708-019B960494DF}">
-                <a14:hiddenLine xmlns:a14="http://schemas.microsoft.com/office/drawing/2010/main" xmlns="" w="9525">
+                <a14:hiddenLine xmlns="" xmlns:a14="http://schemas.microsoft.com/office/drawing/2010/main" w="9525">
                   <a:solidFill>
                     <a:srgbClr val="000000"/>
                   </a:solidFill>
@@ -4723,7 +4778,7 @@
             </a:ln>
             <a:extLst>
               <a:ext uri="{91240B29-F687-4f45-9708-019B960494DF}">
-                <a14:hiddenLine xmlns:a14="http://schemas.microsoft.com/office/drawing/2010/main" xmlns="" w="9525">
+                <a14:hiddenLine xmlns="" xmlns:a14="http://schemas.microsoft.com/office/drawing/2010/main" w="9525">
                   <a:solidFill>
                     <a:srgbClr val="000000"/>
                   </a:solidFill>
@@ -9452,7 +9507,7 @@
           <a:noFill/>
           <a:extLst>
             <a:ext uri="{909E8E84-426E-40dd-AFC4-6F175D3DCCD1}">
-              <a14:hiddenFill xmlns:a14="http://schemas.microsoft.com/office/drawing/2010/main" xmlns="">
+              <a14:hiddenFill xmlns="" xmlns:a14="http://schemas.microsoft.com/office/drawing/2010/main">
                 <a:solidFill>
                   <a:srgbClr val="FFFFFF"/>
                 </a:solidFill>
@@ -9526,7 +9581,7 @@
               </a:ln>
               <a:extLst>
                 <a:ext uri="{91240B29-F687-4f45-9708-019B960494DF}">
-                  <a14:hiddenLine xmlns:a14="http://schemas.microsoft.com/office/drawing/2010/main" xmlns="" w="9525">
+                  <a14:hiddenLine xmlns="" xmlns:a14="http://schemas.microsoft.com/office/drawing/2010/main" w="9525">
                     <a:solidFill>
                       <a:srgbClr val="000000"/>
                     </a:solidFill>
@@ -9616,7 +9671,7 @@
               </a:ln>
               <a:extLst>
                 <a:ext uri="{91240B29-F687-4f45-9708-019B960494DF}">
-                  <a14:hiddenLine xmlns:a14="http://schemas.microsoft.com/office/drawing/2010/main" xmlns="" w="9525">
+                  <a14:hiddenLine xmlns="" xmlns:a14="http://schemas.microsoft.com/office/drawing/2010/main" w="9525">
                     <a:solidFill>
                       <a:srgbClr val="000000"/>
                     </a:solidFill>
@@ -9706,7 +9761,7 @@
               </a:ln>
               <a:extLst>
                 <a:ext uri="{91240B29-F687-4f45-9708-019B960494DF}">
-                  <a14:hiddenLine xmlns:a14="http://schemas.microsoft.com/office/drawing/2010/main" xmlns="" w="9525">
+                  <a14:hiddenLine xmlns="" xmlns:a14="http://schemas.microsoft.com/office/drawing/2010/main" w="9525">
                     <a:solidFill>
                       <a:srgbClr val="000000"/>
                     </a:solidFill>
@@ -9768,7 +9823,7 @@
               </a:ln>
               <a:extLst>
                 <a:ext uri="{91240B29-F687-4f45-9708-019B960494DF}">
-                  <a14:hiddenLine xmlns:a14="http://schemas.microsoft.com/office/drawing/2010/main" xmlns="" w="9525">
+                  <a14:hiddenLine xmlns="" xmlns:a14="http://schemas.microsoft.com/office/drawing/2010/main" w="9525">
                     <a:solidFill>
                       <a:srgbClr val="000000"/>
                     </a:solidFill>
@@ -9858,7 +9913,7 @@
               </a:ln>
               <a:extLst>
                 <a:ext uri="{91240B29-F687-4f45-9708-019B960494DF}">
-                  <a14:hiddenLine xmlns:a14="http://schemas.microsoft.com/office/drawing/2010/main" xmlns="" w="9525">
+                  <a14:hiddenLine xmlns="" xmlns:a14="http://schemas.microsoft.com/office/drawing/2010/main" w="9525">
                     <a:solidFill>
                       <a:srgbClr val="000000"/>
                     </a:solidFill>
@@ -9920,7 +9975,7 @@
               </a:ln>
               <a:extLst>
                 <a:ext uri="{91240B29-F687-4f45-9708-019B960494DF}">
-                  <a14:hiddenLine xmlns:a14="http://schemas.microsoft.com/office/drawing/2010/main" xmlns="" w="9525">
+                  <a14:hiddenLine xmlns="" xmlns:a14="http://schemas.microsoft.com/office/drawing/2010/main" w="9525">
                     <a:solidFill>
                       <a:srgbClr val="000000"/>
                     </a:solidFill>
@@ -9982,7 +10037,7 @@
               </a:ln>
               <a:extLst>
                 <a:ext uri="{91240B29-F687-4f45-9708-019B960494DF}">
-                  <a14:hiddenLine xmlns:a14="http://schemas.microsoft.com/office/drawing/2010/main" xmlns="" w="9525">
+                  <a14:hiddenLine xmlns="" xmlns:a14="http://schemas.microsoft.com/office/drawing/2010/main" w="9525">
                     <a:solidFill>
                       <a:srgbClr val="000000"/>
                     </a:solidFill>
@@ -10072,7 +10127,7 @@
               </a:ln>
               <a:extLst>
                 <a:ext uri="{91240B29-F687-4f45-9708-019B960494DF}">
-                  <a14:hiddenLine xmlns:a14="http://schemas.microsoft.com/office/drawing/2010/main" xmlns="" w="9525">
+                  <a14:hiddenLine xmlns="" xmlns:a14="http://schemas.microsoft.com/office/drawing/2010/main" w="9525">
                     <a:solidFill>
                       <a:srgbClr val="000000"/>
                     </a:solidFill>
@@ -10162,7 +10217,7 @@
               </a:ln>
               <a:extLst>
                 <a:ext uri="{91240B29-F687-4f45-9708-019B960494DF}">
-                  <a14:hiddenLine xmlns:a14="http://schemas.microsoft.com/office/drawing/2010/main" xmlns="" w="9525">
+                  <a14:hiddenLine xmlns="" xmlns:a14="http://schemas.microsoft.com/office/drawing/2010/main" w="9525">
                     <a:solidFill>
                       <a:srgbClr val="000000"/>
                     </a:solidFill>
@@ -10224,7 +10279,7 @@
               </a:ln>
               <a:extLst>
                 <a:ext uri="{91240B29-F687-4f45-9708-019B960494DF}">
-                  <a14:hiddenLine xmlns:a14="http://schemas.microsoft.com/office/drawing/2010/main" xmlns="" w="9525">
+                  <a14:hiddenLine xmlns="" xmlns:a14="http://schemas.microsoft.com/office/drawing/2010/main" w="9525">
                     <a:solidFill>
                       <a:srgbClr val="000000"/>
                     </a:solidFill>
@@ -10334,7 +10389,7 @@
               </a:ln>
               <a:extLst>
                 <a:ext uri="{91240B29-F687-4f45-9708-019B960494DF}">
-                  <a14:hiddenLine xmlns:a14="http://schemas.microsoft.com/office/drawing/2010/main" xmlns="" w="9525">
+                  <a14:hiddenLine xmlns="" xmlns:a14="http://schemas.microsoft.com/office/drawing/2010/main" w="9525">
                     <a:solidFill>
                       <a:srgbClr val="000000"/>
                     </a:solidFill>
@@ -10418,7 +10473,7 @@
               </a:ln>
               <a:extLst>
                 <a:ext uri="{91240B29-F687-4f45-9708-019B960494DF}">
-                  <a14:hiddenLine xmlns:a14="http://schemas.microsoft.com/office/drawing/2010/main" xmlns="" w="9525">
+                  <a14:hiddenLine xmlns="" xmlns:a14="http://schemas.microsoft.com/office/drawing/2010/main" w="9525">
                     <a:solidFill>
                       <a:srgbClr val="000000"/>
                     </a:solidFill>
@@ -10480,7 +10535,7 @@
               </a:ln>
               <a:extLst>
                 <a:ext uri="{91240B29-F687-4f45-9708-019B960494DF}">
-                  <a14:hiddenLine xmlns:a14="http://schemas.microsoft.com/office/drawing/2010/main" xmlns="" w="9525">
+                  <a14:hiddenLine xmlns="" xmlns:a14="http://schemas.microsoft.com/office/drawing/2010/main" w="9525">
                     <a:solidFill>
                       <a:srgbClr val="000000"/>
                     </a:solidFill>
@@ -10542,7 +10597,7 @@
               </a:ln>
               <a:extLst>
                 <a:ext uri="{91240B29-F687-4f45-9708-019B960494DF}">
-                  <a14:hiddenLine xmlns:a14="http://schemas.microsoft.com/office/drawing/2010/main" xmlns="" w="9525">
+                  <a14:hiddenLine xmlns="" xmlns:a14="http://schemas.microsoft.com/office/drawing/2010/main" w="9525">
                     <a:solidFill>
                       <a:srgbClr val="000000"/>
                     </a:solidFill>
@@ -10632,7 +10687,7 @@
               </a:ln>
               <a:extLst>
                 <a:ext uri="{91240B29-F687-4f45-9708-019B960494DF}">
-                  <a14:hiddenLine xmlns:a14="http://schemas.microsoft.com/office/drawing/2010/main" xmlns="" w="9525">
+                  <a14:hiddenLine xmlns="" xmlns:a14="http://schemas.microsoft.com/office/drawing/2010/main" w="9525">
                     <a:solidFill>
                       <a:srgbClr val="000000"/>
                     </a:solidFill>
@@ -10666,7 +10721,7 @@
               </a:ln>
               <a:extLst>
                 <a:ext uri="{91240B29-F687-4f45-9708-019B960494DF}">
-                  <a14:hiddenLine xmlns:a14="http://schemas.microsoft.com/office/drawing/2010/main" xmlns="" w="9525">
+                  <a14:hiddenLine xmlns="" xmlns:a14="http://schemas.microsoft.com/office/drawing/2010/main" w="9525">
                     <a:solidFill>
                       <a:srgbClr val="000000"/>
                     </a:solidFill>
@@ -10731,7 +10786,7 @@
               </a:ln>
               <a:extLst>
                 <a:ext uri="{91240B29-F687-4f45-9708-019B960494DF}">
-                  <a14:hiddenLine xmlns:a14="http://schemas.microsoft.com/office/drawing/2010/main" xmlns="" w="9525">
+                  <a14:hiddenLine xmlns="" xmlns:a14="http://schemas.microsoft.com/office/drawing/2010/main" w="9525">
                     <a:solidFill>
                       <a:srgbClr val="000000"/>
                     </a:solidFill>
@@ -10821,7 +10876,7 @@
               </a:ln>
               <a:extLst>
                 <a:ext uri="{91240B29-F687-4f45-9708-019B960494DF}">
-                  <a14:hiddenLine xmlns:a14="http://schemas.microsoft.com/office/drawing/2010/main" xmlns="" w="9525">
+                  <a14:hiddenLine xmlns="" xmlns:a14="http://schemas.microsoft.com/office/drawing/2010/main" w="9525">
                     <a:solidFill>
                       <a:srgbClr val="000000"/>
                     </a:solidFill>
@@ -10883,7 +10938,7 @@
               </a:ln>
               <a:extLst>
                 <a:ext uri="{91240B29-F687-4f45-9708-019B960494DF}">
-                  <a14:hiddenLine xmlns:a14="http://schemas.microsoft.com/office/drawing/2010/main" xmlns="" w="9525">
+                  <a14:hiddenLine xmlns="" xmlns:a14="http://schemas.microsoft.com/office/drawing/2010/main" w="9525">
                     <a:solidFill>
                       <a:srgbClr val="000000"/>
                     </a:solidFill>
@@ -10973,7 +11028,7 @@
               </a:ln>
               <a:extLst>
                 <a:ext uri="{91240B29-F687-4f45-9708-019B960494DF}">
-                  <a14:hiddenLine xmlns:a14="http://schemas.microsoft.com/office/drawing/2010/main" xmlns="" w="9525">
+                  <a14:hiddenLine xmlns="" xmlns:a14="http://schemas.microsoft.com/office/drawing/2010/main" w="9525">
                     <a:solidFill>
                       <a:srgbClr val="000000"/>
                     </a:solidFill>
@@ -11038,7 +11093,7 @@
               </a:ln>
               <a:extLst>
                 <a:ext uri="{91240B29-F687-4f45-9708-019B960494DF}">
-                  <a14:hiddenLine xmlns:a14="http://schemas.microsoft.com/office/drawing/2010/main" xmlns="" w="9525">
+                  <a14:hiddenLine xmlns="" xmlns:a14="http://schemas.microsoft.com/office/drawing/2010/main" w="9525">
                     <a:solidFill>
                       <a:srgbClr val="000000"/>
                     </a:solidFill>
@@ -11100,7 +11155,7 @@
               </a:ln>
               <a:extLst>
                 <a:ext uri="{91240B29-F687-4f45-9708-019B960494DF}">
-                  <a14:hiddenLine xmlns:a14="http://schemas.microsoft.com/office/drawing/2010/main" xmlns="" w="9525">
+                  <a14:hiddenLine xmlns="" xmlns:a14="http://schemas.microsoft.com/office/drawing/2010/main" w="9525">
                     <a:solidFill>
                       <a:srgbClr val="000000"/>
                     </a:solidFill>
@@ -11190,7 +11245,7 @@
               </a:ln>
               <a:extLst>
                 <a:ext uri="{91240B29-F687-4f45-9708-019B960494DF}">
-                  <a14:hiddenLine xmlns:a14="http://schemas.microsoft.com/office/drawing/2010/main" xmlns="" w="9525">
+                  <a14:hiddenLine xmlns="" xmlns:a14="http://schemas.microsoft.com/office/drawing/2010/main" w="9525">
                     <a:solidFill>
                       <a:srgbClr val="000000"/>
                     </a:solidFill>
@@ -11280,7 +11335,7 @@
               </a:ln>
               <a:extLst>
                 <a:ext uri="{91240B29-F687-4f45-9708-019B960494DF}">
-                  <a14:hiddenLine xmlns:a14="http://schemas.microsoft.com/office/drawing/2010/main" xmlns="" w="9525">
+                  <a14:hiddenLine xmlns="" xmlns:a14="http://schemas.microsoft.com/office/drawing/2010/main" w="9525">
                     <a:solidFill>
                       <a:srgbClr val="000000"/>
                     </a:solidFill>
@@ -11345,7 +11400,7 @@
               </a:ln>
               <a:extLst>
                 <a:ext uri="{91240B29-F687-4f45-9708-019B960494DF}">
-                  <a14:hiddenLine xmlns:a14="http://schemas.microsoft.com/office/drawing/2010/main" xmlns="" w="9525">
+                  <a14:hiddenLine xmlns="" xmlns:a14="http://schemas.microsoft.com/office/drawing/2010/main" w="9525">
                     <a:solidFill>
                       <a:srgbClr val="000000"/>
                     </a:solidFill>
@@ -11465,7 +11520,7 @@
               </a:ln>
               <a:extLst>
                 <a:ext uri="{91240B29-F687-4f45-9708-019B960494DF}">
-                  <a14:hiddenLine xmlns:a14="http://schemas.microsoft.com/office/drawing/2010/main" xmlns="" w="9525">
+                  <a14:hiddenLine xmlns="" xmlns:a14="http://schemas.microsoft.com/office/drawing/2010/main" w="9525">
                     <a:solidFill>
                       <a:srgbClr val="000000"/>
                     </a:solidFill>
@@ -11563,7 +11618,7 @@
               </a:ln>
               <a:extLst>
                 <a:ext uri="{91240B29-F687-4f45-9708-019B960494DF}">
-                  <a14:hiddenLine xmlns:a14="http://schemas.microsoft.com/office/drawing/2010/main" xmlns="" w="9525">
+                  <a14:hiddenLine xmlns="" xmlns:a14="http://schemas.microsoft.com/office/drawing/2010/main" w="9525">
                     <a:solidFill>
                       <a:srgbClr val="000000"/>
                     </a:solidFill>
@@ -11678,7 +11733,7 @@
               </a:ln>
               <a:extLst>
                 <a:ext uri="{91240B29-F687-4f45-9708-019B960494DF}">
-                  <a14:hiddenLine xmlns:a14="http://schemas.microsoft.com/office/drawing/2010/main" xmlns="" w="9525">
+                  <a14:hiddenLine xmlns="" xmlns:a14="http://schemas.microsoft.com/office/drawing/2010/main" w="9525">
                     <a:solidFill>
                       <a:srgbClr val="000000"/>
                     </a:solidFill>
@@ -11768,7 +11823,7 @@
               </a:ln>
               <a:extLst>
                 <a:ext uri="{91240B29-F687-4f45-9708-019B960494DF}">
-                  <a14:hiddenLine xmlns:a14="http://schemas.microsoft.com/office/drawing/2010/main" xmlns="" w="9525">
+                  <a14:hiddenLine xmlns="" xmlns:a14="http://schemas.microsoft.com/office/drawing/2010/main" w="9525">
                     <a:solidFill>
                       <a:srgbClr val="000000"/>
                     </a:solidFill>
@@ -11833,7 +11888,7 @@
               </a:ln>
               <a:extLst>
                 <a:ext uri="{91240B29-F687-4f45-9708-019B960494DF}">
-                  <a14:hiddenLine xmlns:a14="http://schemas.microsoft.com/office/drawing/2010/main" xmlns="" w="9525">
+                  <a14:hiddenLine xmlns="" xmlns:a14="http://schemas.microsoft.com/office/drawing/2010/main" w="9525">
                     <a:solidFill>
                       <a:srgbClr val="000000"/>
                     </a:solidFill>
@@ -11923,7 +11978,7 @@
               </a:ln>
               <a:extLst>
                 <a:ext uri="{91240B29-F687-4f45-9708-019B960494DF}">
-                  <a14:hiddenLine xmlns:a14="http://schemas.microsoft.com/office/drawing/2010/main" xmlns="" w="9525">
+                  <a14:hiddenLine xmlns="" xmlns:a14="http://schemas.microsoft.com/office/drawing/2010/main" w="9525">
                     <a:solidFill>
                       <a:srgbClr val="000000"/>
                     </a:solidFill>
@@ -11991,7 +12046,7 @@
               </a:ln>
               <a:extLst>
                 <a:ext uri="{91240B29-F687-4f45-9708-019B960494DF}">
-                  <a14:hiddenLine xmlns:a14="http://schemas.microsoft.com/office/drawing/2010/main" xmlns="" w="9525">
+                  <a14:hiddenLine xmlns="" xmlns:a14="http://schemas.microsoft.com/office/drawing/2010/main" w="9525">
                     <a:solidFill>
                       <a:srgbClr val="000000"/>
                     </a:solidFill>
@@ -12081,7 +12136,7 @@
               </a:ln>
               <a:extLst>
                 <a:ext uri="{91240B29-F687-4f45-9708-019B960494DF}">
-                  <a14:hiddenLine xmlns:a14="http://schemas.microsoft.com/office/drawing/2010/main" xmlns="" w="9525">
+                  <a14:hiddenLine xmlns="" xmlns:a14="http://schemas.microsoft.com/office/drawing/2010/main" w="9525">
                     <a:solidFill>
                       <a:srgbClr val="000000"/>
                     </a:solidFill>
@@ -12149,7 +12204,7 @@
               </a:ln>
               <a:extLst>
                 <a:ext uri="{91240B29-F687-4f45-9708-019B960494DF}">
-                  <a14:hiddenLine xmlns:a14="http://schemas.microsoft.com/office/drawing/2010/main" xmlns="" w="9525">
+                  <a14:hiddenLine xmlns="" xmlns:a14="http://schemas.microsoft.com/office/drawing/2010/main" w="9525">
                     <a:solidFill>
                       <a:srgbClr val="000000"/>
                     </a:solidFill>
@@ -12239,7 +12294,7 @@
               </a:ln>
               <a:extLst>
                 <a:ext uri="{91240B29-F687-4f45-9708-019B960494DF}">
-                  <a14:hiddenLine xmlns:a14="http://schemas.microsoft.com/office/drawing/2010/main" xmlns="" w="9525">
+                  <a14:hiddenLine xmlns="" xmlns:a14="http://schemas.microsoft.com/office/drawing/2010/main" w="9525">
                     <a:solidFill>
                       <a:srgbClr val="000000"/>
                     </a:solidFill>
@@ -12273,7 +12328,7 @@
               </a:ln>
               <a:extLst>
                 <a:ext uri="{91240B29-F687-4f45-9708-019B960494DF}">
-                  <a14:hiddenLine xmlns:a14="http://schemas.microsoft.com/office/drawing/2010/main" xmlns="" w="9525">
+                  <a14:hiddenLine xmlns="" xmlns:a14="http://schemas.microsoft.com/office/drawing/2010/main" w="9525">
                     <a:solidFill>
                       <a:srgbClr val="000000"/>
                     </a:solidFill>
@@ -13848,7 +13903,7 @@
           <a:lstStyle/>
           <a:p>
             <a:r>
-              <a:rPr lang="de-DE" dirty="0">
+              <a:rPr lang="de-DE" b="1">
                 <a:solidFill>
                   <a:schemeClr val="bg1"/>
                 </a:solidFill>
@@ -14262,7 +14317,7 @@
           <a:lstStyle/>
           <a:p>
             <a:r>
-              <a:rPr lang="de-DE" dirty="0" err="1">
+              <a:rPr lang="de-DE" b="1" err="1">
                 <a:solidFill>
                   <a:schemeClr val="bg1"/>
                 </a:solidFill>
@@ -14270,7 +14325,7 @@
               <a:t>What</a:t>
             </a:r>
             <a:r>
-              <a:rPr lang="de-DE" dirty="0">
+              <a:rPr lang="de-DE" b="1">
                 <a:solidFill>
                   <a:schemeClr val="bg1"/>
                 </a:solidFill>
@@ -14278,7 +14333,7 @@
               <a:t> </a:t>
             </a:r>
             <a:r>
-              <a:rPr lang="de-DE" dirty="0" err="1">
+              <a:rPr lang="de-DE" b="1" err="1">
                 <a:solidFill>
                   <a:schemeClr val="bg1"/>
                 </a:solidFill>
@@ -14286,7 +14341,7 @@
               <a:t>is</a:t>
             </a:r>
             <a:r>
-              <a:rPr lang="de-DE" dirty="0">
+              <a:rPr lang="de-DE" b="1">
                 <a:solidFill>
                   <a:schemeClr val="bg1"/>
                 </a:solidFill>
@@ -14294,7 +14349,7 @@
               <a:t> </a:t>
             </a:r>
             <a:r>
-              <a:rPr lang="de-DE" dirty="0" err="1">
+              <a:rPr lang="de-DE" b="1" err="1">
                 <a:solidFill>
                   <a:schemeClr val="bg1"/>
                 </a:solidFill>
@@ -14302,7 +14357,7 @@
               <a:t>blogdown</a:t>
             </a:r>
             <a:r>
-              <a:rPr lang="de-DE" dirty="0">
+              <a:rPr lang="de-DE" b="1">
                 <a:solidFill>
                   <a:schemeClr val="bg1"/>
                 </a:solidFill>
@@ -14540,7 +14595,7 @@
           <a:lstStyle/>
           <a:p>
             <a:r>
-              <a:rPr lang="de-DE" dirty="0" err="1">
+              <a:rPr lang="de-DE" b="1" err="1">
                 <a:solidFill>
                   <a:schemeClr val="bg1"/>
                 </a:solidFill>
@@ -14548,7 +14603,7 @@
               <a:t>What</a:t>
             </a:r>
             <a:r>
-              <a:rPr lang="de-DE" dirty="0">
+              <a:rPr lang="de-DE" b="1">
                 <a:solidFill>
                   <a:schemeClr val="bg1"/>
                 </a:solidFill>
@@ -14556,7 +14611,7 @@
               <a:t> </a:t>
             </a:r>
             <a:r>
-              <a:rPr lang="de-DE" dirty="0" err="1">
+              <a:rPr lang="de-DE" b="1" err="1">
                 <a:solidFill>
                   <a:schemeClr val="bg1"/>
                 </a:solidFill>
@@ -14564,7 +14619,7 @@
               <a:t>is</a:t>
             </a:r>
             <a:r>
-              <a:rPr lang="de-DE" dirty="0">
+              <a:rPr lang="de-DE" b="1">
                 <a:solidFill>
                   <a:schemeClr val="bg1"/>
                 </a:solidFill>
@@ -14572,7 +14627,7 @@
               <a:t> </a:t>
             </a:r>
             <a:r>
-              <a:rPr lang="de-DE" dirty="0" err="1">
+              <a:rPr lang="de-DE" b="1" err="1">
                 <a:solidFill>
                   <a:schemeClr val="bg1"/>
                 </a:solidFill>
@@ -14580,7 +14635,7 @@
               <a:t>blogdown</a:t>
             </a:r>
             <a:r>
-              <a:rPr lang="de-DE" dirty="0">
+              <a:rPr lang="de-DE" b="1">
                 <a:solidFill>
                   <a:schemeClr val="bg1"/>
                 </a:solidFill>
@@ -16279,6 +16334,21 @@
 </file>
 
 <file path=customXml/item1.xml><?xml version="1.0" encoding="utf-8"?>
+<p:properties xmlns:p="http://schemas.microsoft.com/office/2006/metadata/properties" xmlns:xsi="http://www.w3.org/2001/XMLSchema-instance" xmlns:pc="http://schemas.microsoft.com/office/infopath/2007/PartnerControls">
+  <documentManagement/>
+</p:properties>
+</file>
+
+<file path=customXml/item2.xml><?xml version="1.0" encoding="utf-8"?>
+<?mso-contentType ?>
+<FormTemplates xmlns="http://schemas.microsoft.com/sharepoint/v3/contenttype/forms">
+  <Display>DocumentLibraryForm</Display>
+  <Edit>DocumentLibraryForm</Edit>
+  <New>DocumentLibraryForm</New>
+</FormTemplates>
+</file>
+
+<file path=customXml/item3.xml><?xml version="1.0" encoding="utf-8"?>
 <ct:contentTypeSchema xmlns:ct="http://schemas.microsoft.com/office/2006/metadata/contentType" xmlns:ma="http://schemas.microsoft.com/office/2006/metadata/properties/metaAttributes" ct:_="" ma:_="" ma:contentTypeName="Dokument" ma:contentTypeID="0x0101001AE19C1F13ED2D418DDFB0AB13554C9C" ma:contentTypeVersion="11" ma:contentTypeDescription="Ein neues Dokument erstellen." ma:contentTypeScope="" ma:versionID="d6943dc1084cec586d0a2a8b56ce78ed">
   <xsd:schema xmlns:xsd="http://www.w3.org/2001/XMLSchema" xmlns:xs="http://www.w3.org/2001/XMLSchema" xmlns:p="http://schemas.microsoft.com/office/2006/metadata/properties" xmlns:ns3="351b06ad-26d4-4ad3-82ae-e787bda9fbeb" xmlns:ns4="766a8933-f47f-49ac-bd4b-d380a76db42f" targetNamespace="http://schemas.microsoft.com/office/2006/metadata/properties" ma:root="true" ma:fieldsID="82ee8b2e33dfd5f925bb366a9b8354e8" ns3:_="" ns4:_="">
     <xsd:import namespace="351b06ad-26d4-4ad3-82ae-e787bda9fbeb"/>
@@ -16487,22 +16557,32 @@
 </ct:contentTypeSchema>
 </file>
 
-<file path=customXml/item2.xml><?xml version="1.0" encoding="utf-8"?>
-<?mso-contentType ?>
-<FormTemplates xmlns="http://schemas.microsoft.com/sharepoint/v3/contenttype/forms">
-  <Display>DocumentLibraryForm</Display>
-  <Edit>DocumentLibraryForm</Edit>
-  <New>DocumentLibraryForm</New>
-</FormTemplates>
+<file path=customXml/itemProps1.xml><?xml version="1.0" encoding="utf-8"?>
+<ds:datastoreItem xmlns:ds="http://schemas.openxmlformats.org/officeDocument/2006/customXml" ds:itemID="{E8364FF7-18C7-4FE4-807F-05556E358684}">
+  <ds:schemaRefs>
+    <ds:schemaRef ds:uri="http://purl.org/dc/terms/"/>
+    <ds:schemaRef ds:uri="351b06ad-26d4-4ad3-82ae-e787bda9fbeb"/>
+    <ds:schemaRef ds:uri="http://purl.org/dc/dcmitype/"/>
+    <ds:schemaRef ds:uri="766a8933-f47f-49ac-bd4b-d380a76db42f"/>
+    <ds:schemaRef ds:uri="http://schemas.microsoft.com/office/2006/documentManagement/types"/>
+    <ds:schemaRef ds:uri="http://purl.org/dc/elements/1.1/"/>
+    <ds:schemaRef ds:uri="http://schemas.microsoft.com/office/2006/metadata/properties"/>
+    <ds:schemaRef ds:uri="http://schemas.microsoft.com/office/infopath/2007/PartnerControls"/>
+    <ds:schemaRef ds:uri="http://schemas.openxmlformats.org/package/2006/metadata/core-properties"/>
+    <ds:schemaRef ds:uri="http://www.w3.org/XML/1998/namespace"/>
+  </ds:schemaRefs>
+</ds:datastoreItem>
 </file>
 
-<file path=customXml/item3.xml><?xml version="1.0" encoding="utf-8"?>
-<p:properties xmlns:p="http://schemas.microsoft.com/office/2006/metadata/properties" xmlns:xsi="http://www.w3.org/2001/XMLSchema-instance" xmlns:pc="http://schemas.microsoft.com/office/infopath/2007/PartnerControls">
-  <documentManagement/>
-</p:properties>
+<file path=customXml/itemProps2.xml><?xml version="1.0" encoding="utf-8"?>
+<ds:datastoreItem xmlns:ds="http://schemas.openxmlformats.org/officeDocument/2006/customXml" ds:itemID="{95E9AE48-2D1F-481A-AD5D-DA9778BAA262}">
+  <ds:schemaRefs>
+    <ds:schemaRef ds:uri="http://schemas.microsoft.com/sharepoint/v3/contenttype/forms"/>
+  </ds:schemaRefs>
+</ds:datastoreItem>
 </file>
 
-<file path=customXml/itemProps1.xml><?xml version="1.0" encoding="utf-8"?>
+<file path=customXml/itemProps3.xml><?xml version="1.0" encoding="utf-8"?>
 <ds:datastoreItem xmlns:ds="http://schemas.openxmlformats.org/officeDocument/2006/customXml" ds:itemID="{3AE5C6E7-297E-4201-A0BE-6AEA334CBBCE}">
   <ds:schemaRefs>
     <ds:schemaRef ds:uri="http://schemas.microsoft.com/office/2006/metadata/contentType"/>
@@ -16519,21 +16599,4 @@
     <ds:schemaRef ds:uri="http://schemas.microsoft.com/internal/obd"/>
   </ds:schemaRefs>
 </ds:datastoreItem>
-</file>
-
-<file path=customXml/itemProps2.xml><?xml version="1.0" encoding="utf-8"?>
-<ds:datastoreItem xmlns:ds="http://schemas.openxmlformats.org/officeDocument/2006/customXml" ds:itemID="{95E9AE48-2D1F-481A-AD5D-DA9778BAA262}">
-  <ds:schemaRefs>
-    <ds:schemaRef ds:uri="http://schemas.microsoft.com/sharepoint/v3/contenttype/forms"/>
-  </ds:schemaRefs>
-</ds:datastoreItem>
-</file>
-
-<file path=customXml/itemProps3.xml><?xml version="1.0" encoding="utf-8"?>
-<ds:datastoreItem xmlns:ds="http://schemas.openxmlformats.org/officeDocument/2006/customXml" ds:itemID="{E8364FF7-18C7-4FE4-807F-05556E358684}">
-  <ds:schemaRefs>
-    <ds:schemaRef ds:uri="http://schemas.microsoft.com/office/2006/metadata/properties"/>
-    <ds:schemaRef ds:uri="http://schemas.microsoft.com/office/infopath/2007/PartnerControls"/>
-  </ds:schemaRefs>
-</ds:datastoreItem>
 </file>
--- a/BookDown&Forcats.pptx
+++ b/BookDown&Forcats.pptx
@@ -125,15 +125,116 @@
 <file path=ppt/revisionInfo.xml><?xml version="1.0" encoding="utf-8"?>
 <p1510:revInfo xmlns:a="http://schemas.openxmlformats.org/drawingml/2006/main" xmlns:r="http://schemas.openxmlformats.org/officeDocument/2006/relationships" xmlns:p1510="http://schemas.microsoft.com/office/powerpoint/2015/10/main">
   <p1510:revLst>
+    <p1510:client id="{1BDC857B-4B69-ABD1-381C-64896BD381D0}" v="11" dt="2019-10-28T13:09:08.233"/>
     <p1510:client id="{3D55A40C-9B98-4243-A7A2-8F8A91C7A271}" v="96" dt="2019-10-27T18:18:59.683"/>
     <p1510:client id="{985DB698-3434-4385-9D89-533DE2B2E4A8}" v="7" dt="2019-10-28T09:20:21.639"/>
-    <p1510:client id="{1BDC857B-4B69-ABD1-381C-64896BD381D0}" v="11" dt="2019-10-28T13:09:08.233"/>
   </p1510:revLst>
 </p1510:revInfo>
 </file>
 
 <file path=ppt/changesInfos/changesInfo1.xml><?xml version="1.0" encoding="utf-8"?>
 <pc:chgInfo xmlns:a="http://schemas.openxmlformats.org/drawingml/2006/main" xmlns:r="http://schemas.openxmlformats.org/officeDocument/2006/relationships" xmlns:ac="http://schemas.microsoft.com/office/drawing/2013/main/command" xmlns:pc="http://schemas.microsoft.com/office/powerpoint/2013/main/command">
+  <pc:docChgLst>
+    <pc:chgData name="Alexander Kleine" userId="S::alexander.p.kleine@student.fh-kiel.de::cd63ca00-6f7b-496a-a4bd-217e8364cbab" providerId="AD" clId="Web-{1BDC857B-4B69-ABD1-381C-64896BD381D0}"/>
+    <pc:docChg chg="modSld">
+      <pc:chgData name="Alexander Kleine" userId="S::alexander.p.kleine@student.fh-kiel.de::cd63ca00-6f7b-496a-a4bd-217e8364cbab" providerId="AD" clId="Web-{1BDC857B-4B69-ABD1-381C-64896BD381D0}" dt="2019-10-28T13:09:08.233" v="10" actId="20577"/>
+      <pc:docMkLst>
+        <pc:docMk/>
+      </pc:docMkLst>
+      <pc:sldChg chg="modSp">
+        <pc:chgData name="Alexander Kleine" userId="S::alexander.p.kleine@student.fh-kiel.de::cd63ca00-6f7b-496a-a4bd-217e8364cbab" providerId="AD" clId="Web-{1BDC857B-4B69-ABD1-381C-64896BD381D0}" dt="2019-10-28T13:08:52.874" v="0" actId="20577"/>
+        <pc:sldMkLst>
+          <pc:docMk/>
+          <pc:sldMk cId="2103567945" sldId="257"/>
+        </pc:sldMkLst>
+        <pc:spChg chg="mod">
+          <ac:chgData name="Alexander Kleine" userId="S::alexander.p.kleine@student.fh-kiel.de::cd63ca00-6f7b-496a-a4bd-217e8364cbab" providerId="AD" clId="Web-{1BDC857B-4B69-ABD1-381C-64896BD381D0}" dt="2019-10-28T13:08:52.874" v="0" actId="20577"/>
+          <ac:spMkLst>
+            <pc:docMk/>
+            <pc:sldMk cId="2103567945" sldId="257"/>
+            <ac:spMk id="2" creationId="{E5D95487-973D-4967-83D0-DAD58A46DE2C}"/>
+          </ac:spMkLst>
+        </pc:spChg>
+      </pc:sldChg>
+      <pc:sldChg chg="modSp">
+        <pc:chgData name="Alexander Kleine" userId="S::alexander.p.kleine@student.fh-kiel.de::cd63ca00-6f7b-496a-a4bd-217e8364cbab" providerId="AD" clId="Web-{1BDC857B-4B69-ABD1-381C-64896BD381D0}" dt="2019-10-28T13:09:00.234" v="5" actId="20577"/>
+        <pc:sldMkLst>
+          <pc:docMk/>
+          <pc:sldMk cId="2991809590" sldId="258"/>
+        </pc:sldMkLst>
+        <pc:spChg chg="mod">
+          <ac:chgData name="Alexander Kleine" userId="S::alexander.p.kleine@student.fh-kiel.de::cd63ca00-6f7b-496a-a4bd-217e8364cbab" providerId="AD" clId="Web-{1BDC857B-4B69-ABD1-381C-64896BD381D0}" dt="2019-10-28T13:09:00.234" v="5" actId="20577"/>
+          <ac:spMkLst>
+            <pc:docMk/>
+            <pc:sldMk cId="2991809590" sldId="258"/>
+            <ac:spMk id="2" creationId="{E5D95487-973D-4967-83D0-DAD58A46DE2C}"/>
+          </ac:spMkLst>
+        </pc:spChg>
+      </pc:sldChg>
+      <pc:sldChg chg="modSp">
+        <pc:chgData name="Alexander Kleine" userId="S::alexander.p.kleine@student.fh-kiel.de::cd63ca00-6f7b-496a-a4bd-217e8364cbab" providerId="AD" clId="Web-{1BDC857B-4B69-ABD1-381C-64896BD381D0}" dt="2019-10-28T13:09:08.233" v="9" actId="20577"/>
+        <pc:sldMkLst>
+          <pc:docMk/>
+          <pc:sldMk cId="2104424923" sldId="259"/>
+        </pc:sldMkLst>
+        <pc:spChg chg="mod">
+          <ac:chgData name="Alexander Kleine" userId="S::alexander.p.kleine@student.fh-kiel.de::cd63ca00-6f7b-496a-a4bd-217e8364cbab" providerId="AD" clId="Web-{1BDC857B-4B69-ABD1-381C-64896BD381D0}" dt="2019-10-28T13:09:08.233" v="9" actId="20577"/>
+          <ac:spMkLst>
+            <pc:docMk/>
+            <pc:sldMk cId="2104424923" sldId="259"/>
+            <ac:spMk id="2" creationId="{E5D95487-973D-4967-83D0-DAD58A46DE2C}"/>
+          </ac:spMkLst>
+        </pc:spChg>
+      </pc:sldChg>
+    </pc:docChg>
+  </pc:docChgLst>
+  <pc:docChgLst>
+    <pc:chgData name="Benjamin Haberkorn" userId="b6a33716-1c58-4394-9f4f-aa9be295a046" providerId="ADAL" clId="{985DB698-3434-4385-9D89-533DE2B2E4A8}"/>
+    <pc:docChg chg="custSel modSld">
+      <pc:chgData name="Benjamin Haberkorn" userId="b6a33716-1c58-4394-9f4f-aa9be295a046" providerId="ADAL" clId="{985DB698-3434-4385-9D89-533DE2B2E4A8}" dt="2019-10-28T10:25:05.672" v="47" actId="20577"/>
+      <pc:docMkLst>
+        <pc:docMk/>
+      </pc:docMkLst>
+      <pc:sldChg chg="modSp">
+        <pc:chgData name="Benjamin Haberkorn" userId="b6a33716-1c58-4394-9f4f-aa9be295a046" providerId="ADAL" clId="{985DB698-3434-4385-9D89-533DE2B2E4A8}" dt="2019-10-28T10:25:05.672" v="47" actId="20577"/>
+        <pc:sldMkLst>
+          <pc:docMk/>
+          <pc:sldMk cId="3417230154" sldId="260"/>
+        </pc:sldMkLst>
+        <pc:spChg chg="mod">
+          <ac:chgData name="Benjamin Haberkorn" userId="b6a33716-1c58-4394-9f4f-aa9be295a046" providerId="ADAL" clId="{985DB698-3434-4385-9D89-533DE2B2E4A8}" dt="2019-10-28T10:25:05.672" v="47" actId="20577"/>
+          <ac:spMkLst>
+            <pc:docMk/>
+            <pc:sldMk cId="3417230154" sldId="260"/>
+            <ac:spMk id="3" creationId="{4B206C89-51E7-4766-85D7-F79D9CAF5A7D}"/>
+          </ac:spMkLst>
+        </pc:spChg>
+      </pc:sldChg>
+      <pc:sldChg chg="addSp delSp modSp">
+        <pc:chgData name="Benjamin Haberkorn" userId="b6a33716-1c58-4394-9f4f-aa9be295a046" providerId="ADAL" clId="{985DB698-3434-4385-9D89-533DE2B2E4A8}" dt="2019-10-28T09:22:10.789" v="33" actId="20577"/>
+        <pc:sldMkLst>
+          <pc:docMk/>
+          <pc:sldMk cId="2848189300" sldId="266"/>
+        </pc:sldMkLst>
+        <pc:spChg chg="add del mod">
+          <ac:chgData name="Benjamin Haberkorn" userId="b6a33716-1c58-4394-9f4f-aa9be295a046" providerId="ADAL" clId="{985DB698-3434-4385-9D89-533DE2B2E4A8}" dt="2019-10-28T09:20:20.640" v="5"/>
+          <ac:spMkLst>
+            <pc:docMk/>
+            <pc:sldMk cId="2848189300" sldId="266"/>
+            <ac:spMk id="3" creationId="{8077B9B9-9DBC-4782-ADEE-A96346EABF96}"/>
+          </ac:spMkLst>
+        </pc:spChg>
+        <pc:spChg chg="add mod">
+          <ac:chgData name="Benjamin Haberkorn" userId="b6a33716-1c58-4394-9f4f-aa9be295a046" providerId="ADAL" clId="{985DB698-3434-4385-9D89-533DE2B2E4A8}" dt="2019-10-28T09:22:10.789" v="33" actId="20577"/>
+          <ac:spMkLst>
+            <pc:docMk/>
+            <pc:sldMk cId="2848189300" sldId="266"/>
+            <ac:spMk id="4" creationId="{CA746EDF-457F-4B0E-95EC-991150DFBFE9}"/>
+          </ac:spMkLst>
+        </pc:spChg>
+      </pc:sldChg>
+    </pc:docChg>
+  </pc:docChgLst>
   <pc:docChgLst>
     <pc:chgData name="Benjamin Haberkorn" userId="b6a33716-1c58-4394-9f4f-aa9be295a046" providerId="ADAL" clId="{3D55A40C-9B98-4243-A7A2-8F8A91C7A271}"/>
     <pc:docChg chg="undo redo custSel addSld delSld modSld sldOrd">
@@ -531,107 +632,6 @@
       </pc:sldChg>
     </pc:docChg>
   </pc:docChgLst>
-  <pc:docChgLst>
-    <pc:chgData name="Benjamin Haberkorn" userId="b6a33716-1c58-4394-9f4f-aa9be295a046" providerId="ADAL" clId="{985DB698-3434-4385-9D89-533DE2B2E4A8}"/>
-    <pc:docChg chg="custSel modSld">
-      <pc:chgData name="Benjamin Haberkorn" userId="b6a33716-1c58-4394-9f4f-aa9be295a046" providerId="ADAL" clId="{985DB698-3434-4385-9D89-533DE2B2E4A8}" dt="2019-10-28T10:25:05.672" v="47" actId="20577"/>
-      <pc:docMkLst>
-        <pc:docMk/>
-      </pc:docMkLst>
-      <pc:sldChg chg="modSp">
-        <pc:chgData name="Benjamin Haberkorn" userId="b6a33716-1c58-4394-9f4f-aa9be295a046" providerId="ADAL" clId="{985DB698-3434-4385-9D89-533DE2B2E4A8}" dt="2019-10-28T10:25:05.672" v="47" actId="20577"/>
-        <pc:sldMkLst>
-          <pc:docMk/>
-          <pc:sldMk cId="3417230154" sldId="260"/>
-        </pc:sldMkLst>
-        <pc:spChg chg="mod">
-          <ac:chgData name="Benjamin Haberkorn" userId="b6a33716-1c58-4394-9f4f-aa9be295a046" providerId="ADAL" clId="{985DB698-3434-4385-9D89-533DE2B2E4A8}" dt="2019-10-28T10:25:05.672" v="47" actId="20577"/>
-          <ac:spMkLst>
-            <pc:docMk/>
-            <pc:sldMk cId="3417230154" sldId="260"/>
-            <ac:spMk id="3" creationId="{4B206C89-51E7-4766-85D7-F79D9CAF5A7D}"/>
-          </ac:spMkLst>
-        </pc:spChg>
-      </pc:sldChg>
-      <pc:sldChg chg="addSp delSp modSp">
-        <pc:chgData name="Benjamin Haberkorn" userId="b6a33716-1c58-4394-9f4f-aa9be295a046" providerId="ADAL" clId="{985DB698-3434-4385-9D89-533DE2B2E4A8}" dt="2019-10-28T09:22:10.789" v="33" actId="20577"/>
-        <pc:sldMkLst>
-          <pc:docMk/>
-          <pc:sldMk cId="2848189300" sldId="266"/>
-        </pc:sldMkLst>
-        <pc:spChg chg="add del mod">
-          <ac:chgData name="Benjamin Haberkorn" userId="b6a33716-1c58-4394-9f4f-aa9be295a046" providerId="ADAL" clId="{985DB698-3434-4385-9D89-533DE2B2E4A8}" dt="2019-10-28T09:20:20.640" v="5"/>
-          <ac:spMkLst>
-            <pc:docMk/>
-            <pc:sldMk cId="2848189300" sldId="266"/>
-            <ac:spMk id="3" creationId="{8077B9B9-9DBC-4782-ADEE-A96346EABF96}"/>
-          </ac:spMkLst>
-        </pc:spChg>
-        <pc:spChg chg="add mod">
-          <ac:chgData name="Benjamin Haberkorn" userId="b6a33716-1c58-4394-9f4f-aa9be295a046" providerId="ADAL" clId="{985DB698-3434-4385-9D89-533DE2B2E4A8}" dt="2019-10-28T09:22:10.789" v="33" actId="20577"/>
-          <ac:spMkLst>
-            <pc:docMk/>
-            <pc:sldMk cId="2848189300" sldId="266"/>
-            <ac:spMk id="4" creationId="{CA746EDF-457F-4B0E-95EC-991150DFBFE9}"/>
-          </ac:spMkLst>
-        </pc:spChg>
-      </pc:sldChg>
-    </pc:docChg>
-  </pc:docChgLst>
-  <pc:docChgLst>
-    <pc:chgData name="Alexander Kleine" userId="S::alexander.p.kleine@student.fh-kiel.de::cd63ca00-6f7b-496a-a4bd-217e8364cbab" providerId="AD" clId="Web-{1BDC857B-4B69-ABD1-381C-64896BD381D0}"/>
-    <pc:docChg chg="modSld">
-      <pc:chgData name="Alexander Kleine" userId="S::alexander.p.kleine@student.fh-kiel.de::cd63ca00-6f7b-496a-a4bd-217e8364cbab" providerId="AD" clId="Web-{1BDC857B-4B69-ABD1-381C-64896BD381D0}" dt="2019-10-28T13:09:08.233" v="10" actId="20577"/>
-      <pc:docMkLst>
-        <pc:docMk/>
-      </pc:docMkLst>
-      <pc:sldChg chg="modSp">
-        <pc:chgData name="Alexander Kleine" userId="S::alexander.p.kleine@student.fh-kiel.de::cd63ca00-6f7b-496a-a4bd-217e8364cbab" providerId="AD" clId="Web-{1BDC857B-4B69-ABD1-381C-64896BD381D0}" dt="2019-10-28T13:08:52.874" v="0" actId="20577"/>
-        <pc:sldMkLst>
-          <pc:docMk/>
-          <pc:sldMk cId="2103567945" sldId="257"/>
-        </pc:sldMkLst>
-        <pc:spChg chg="mod">
-          <ac:chgData name="Alexander Kleine" userId="S::alexander.p.kleine@student.fh-kiel.de::cd63ca00-6f7b-496a-a4bd-217e8364cbab" providerId="AD" clId="Web-{1BDC857B-4B69-ABD1-381C-64896BD381D0}" dt="2019-10-28T13:08:52.874" v="0" actId="20577"/>
-          <ac:spMkLst>
-            <pc:docMk/>
-            <pc:sldMk cId="2103567945" sldId="257"/>
-            <ac:spMk id="2" creationId="{E5D95487-973D-4967-83D0-DAD58A46DE2C}"/>
-          </ac:spMkLst>
-        </pc:spChg>
-      </pc:sldChg>
-      <pc:sldChg chg="modSp">
-        <pc:chgData name="Alexander Kleine" userId="S::alexander.p.kleine@student.fh-kiel.de::cd63ca00-6f7b-496a-a4bd-217e8364cbab" providerId="AD" clId="Web-{1BDC857B-4B69-ABD1-381C-64896BD381D0}" dt="2019-10-28T13:09:00.234" v="5" actId="20577"/>
-        <pc:sldMkLst>
-          <pc:docMk/>
-          <pc:sldMk cId="2991809590" sldId="258"/>
-        </pc:sldMkLst>
-        <pc:spChg chg="mod">
-          <ac:chgData name="Alexander Kleine" userId="S::alexander.p.kleine@student.fh-kiel.de::cd63ca00-6f7b-496a-a4bd-217e8364cbab" providerId="AD" clId="Web-{1BDC857B-4B69-ABD1-381C-64896BD381D0}" dt="2019-10-28T13:09:00.234" v="5" actId="20577"/>
-          <ac:spMkLst>
-            <pc:docMk/>
-            <pc:sldMk cId="2991809590" sldId="258"/>
-            <ac:spMk id="2" creationId="{E5D95487-973D-4967-83D0-DAD58A46DE2C}"/>
-          </ac:spMkLst>
-        </pc:spChg>
-      </pc:sldChg>
-      <pc:sldChg chg="modSp">
-        <pc:chgData name="Alexander Kleine" userId="S::alexander.p.kleine@student.fh-kiel.de::cd63ca00-6f7b-496a-a4bd-217e8364cbab" providerId="AD" clId="Web-{1BDC857B-4B69-ABD1-381C-64896BD381D0}" dt="2019-10-28T13:09:08.233" v="9" actId="20577"/>
-        <pc:sldMkLst>
-          <pc:docMk/>
-          <pc:sldMk cId="2104424923" sldId="259"/>
-        </pc:sldMkLst>
-        <pc:spChg chg="mod">
-          <ac:chgData name="Alexander Kleine" userId="S::alexander.p.kleine@student.fh-kiel.de::cd63ca00-6f7b-496a-a4bd-217e8364cbab" providerId="AD" clId="Web-{1BDC857B-4B69-ABD1-381C-64896BD381D0}" dt="2019-10-28T13:09:08.233" v="9" actId="20577"/>
-          <ac:spMkLst>
-            <pc:docMk/>
-            <pc:sldMk cId="2104424923" sldId="259"/>
-            <ac:spMk id="2" creationId="{E5D95487-973D-4967-83D0-DAD58A46DE2C}"/>
-          </ac:spMkLst>
-        </pc:spChg>
-      </pc:sldChg>
-    </pc:docChg>
-  </pc:docChgLst>
 </pc:chgInfo>
 </file>
 
@@ -692,7 +692,7 @@
           <a:noFill/>
           <a:extLst>
             <a:ext uri="{909E8E84-426E-40dd-AFC4-6F175D3DCCD1}">
-              <a14:hiddenFill xmlns="" xmlns:a14="http://schemas.microsoft.com/office/drawing/2010/main">
+              <a14:hiddenFill xmlns:a14="http://schemas.microsoft.com/office/drawing/2010/main" xmlns="">
                 <a:solidFill>
                   <a:srgbClr val="FFFFFF"/>
                 </a:solidFill>
@@ -752,7 +752,7 @@
             </a:ln>
             <a:extLst>
               <a:ext uri="{91240B29-F687-4f45-9708-019B960494DF}">
-                <a14:hiddenLine xmlns="" xmlns:a14="http://schemas.microsoft.com/office/drawing/2010/main" w="9525">
+                <a14:hiddenLine xmlns:a14="http://schemas.microsoft.com/office/drawing/2010/main" xmlns="" w="9525">
                   <a:solidFill>
                     <a:srgbClr val="000000"/>
                   </a:solidFill>
@@ -842,7 +842,7 @@
             </a:ln>
             <a:extLst>
               <a:ext uri="{91240B29-F687-4f45-9708-019B960494DF}">
-                <a14:hiddenLine xmlns="" xmlns:a14="http://schemas.microsoft.com/office/drawing/2010/main" w="9525">
+                <a14:hiddenLine xmlns:a14="http://schemas.microsoft.com/office/drawing/2010/main" xmlns="" w="9525">
                   <a:solidFill>
                     <a:srgbClr val="000000"/>
                   </a:solidFill>
@@ -932,7 +932,7 @@
             </a:ln>
             <a:extLst>
               <a:ext uri="{91240B29-F687-4f45-9708-019B960494DF}">
-                <a14:hiddenLine xmlns="" xmlns:a14="http://schemas.microsoft.com/office/drawing/2010/main" w="9525">
+                <a14:hiddenLine xmlns:a14="http://schemas.microsoft.com/office/drawing/2010/main" xmlns="" w="9525">
                   <a:solidFill>
                     <a:srgbClr val="000000"/>
                   </a:solidFill>
@@ -966,7 +966,7 @@
             </a:ln>
             <a:extLst>
               <a:ext uri="{91240B29-F687-4f45-9708-019B960494DF}">
-                <a14:hiddenLine xmlns="" xmlns:a14="http://schemas.microsoft.com/office/drawing/2010/main" w="9525">
+                <a14:hiddenLine xmlns:a14="http://schemas.microsoft.com/office/drawing/2010/main" xmlns="" w="9525">
                   <a:solidFill>
                     <a:srgbClr val="000000"/>
                   </a:solidFill>
@@ -1056,7 +1056,7 @@
             </a:ln>
             <a:extLst>
               <a:ext uri="{91240B29-F687-4f45-9708-019B960494DF}">
-                <a14:hiddenLine xmlns="" xmlns:a14="http://schemas.microsoft.com/office/drawing/2010/main" w="9525">
+                <a14:hiddenLine xmlns:a14="http://schemas.microsoft.com/office/drawing/2010/main" xmlns="" w="9525">
                   <a:solidFill>
                     <a:srgbClr val="000000"/>
                   </a:solidFill>
@@ -1118,7 +1118,7 @@
             </a:ln>
             <a:extLst>
               <a:ext uri="{91240B29-F687-4f45-9708-019B960494DF}">
-                <a14:hiddenLine xmlns="" xmlns:a14="http://schemas.microsoft.com/office/drawing/2010/main" w="9525">
+                <a14:hiddenLine xmlns:a14="http://schemas.microsoft.com/office/drawing/2010/main" xmlns="" w="9525">
                   <a:solidFill>
                     <a:srgbClr val="000000"/>
                   </a:solidFill>
@@ -1180,7 +1180,7 @@
             </a:ln>
             <a:extLst>
               <a:ext uri="{91240B29-F687-4f45-9708-019B960494DF}">
-                <a14:hiddenLine xmlns="" xmlns:a14="http://schemas.microsoft.com/office/drawing/2010/main" w="9525">
+                <a14:hiddenLine xmlns:a14="http://schemas.microsoft.com/office/drawing/2010/main" xmlns="" w="9525">
                   <a:solidFill>
                     <a:srgbClr val="000000"/>
                   </a:solidFill>
@@ -1270,7 +1270,7 @@
             </a:ln>
             <a:extLst>
               <a:ext uri="{91240B29-F687-4f45-9708-019B960494DF}">
-                <a14:hiddenLine xmlns="" xmlns:a14="http://schemas.microsoft.com/office/drawing/2010/main" w="9525">
+                <a14:hiddenLine xmlns:a14="http://schemas.microsoft.com/office/drawing/2010/main" xmlns="" w="9525">
                   <a:solidFill>
                     <a:srgbClr val="000000"/>
                   </a:solidFill>
@@ -1332,7 +1332,7 @@
             </a:ln>
             <a:extLst>
               <a:ext uri="{91240B29-F687-4f45-9708-019B960494DF}">
-                <a14:hiddenLine xmlns="" xmlns:a14="http://schemas.microsoft.com/office/drawing/2010/main" w="9525">
+                <a14:hiddenLine xmlns:a14="http://schemas.microsoft.com/office/drawing/2010/main" xmlns="" w="9525">
                   <a:solidFill>
                     <a:srgbClr val="000000"/>
                   </a:solidFill>
@@ -1394,7 +1394,7 @@
             </a:ln>
             <a:extLst>
               <a:ext uri="{91240B29-F687-4f45-9708-019B960494DF}">
-                <a14:hiddenLine xmlns="" xmlns:a14="http://schemas.microsoft.com/office/drawing/2010/main" w="9525">
+                <a14:hiddenLine xmlns:a14="http://schemas.microsoft.com/office/drawing/2010/main" xmlns="" w="9525">
                   <a:solidFill>
                     <a:srgbClr val="000000"/>
                   </a:solidFill>
@@ -1484,7 +1484,7 @@
             </a:ln>
             <a:extLst>
               <a:ext uri="{91240B29-F687-4f45-9708-019B960494DF}">
-                <a14:hiddenLine xmlns="" xmlns:a14="http://schemas.microsoft.com/office/drawing/2010/main" w="9525">
+                <a14:hiddenLine xmlns:a14="http://schemas.microsoft.com/office/drawing/2010/main" xmlns="" w="9525">
                   <a:solidFill>
                     <a:srgbClr val="000000"/>
                   </a:solidFill>
@@ -1574,7 +1574,7 @@
             </a:ln>
             <a:extLst>
               <a:ext uri="{91240B29-F687-4f45-9708-019B960494DF}">
-                <a14:hiddenLine xmlns="" xmlns:a14="http://schemas.microsoft.com/office/drawing/2010/main" w="9525">
+                <a14:hiddenLine xmlns:a14="http://schemas.microsoft.com/office/drawing/2010/main" xmlns="" w="9525">
                   <a:solidFill>
                     <a:srgbClr val="000000"/>
                   </a:solidFill>
@@ -1636,7 +1636,7 @@
             </a:ln>
             <a:extLst>
               <a:ext uri="{91240B29-F687-4f45-9708-019B960494DF}">
-                <a14:hiddenLine xmlns="" xmlns:a14="http://schemas.microsoft.com/office/drawing/2010/main" w="9525">
+                <a14:hiddenLine xmlns:a14="http://schemas.microsoft.com/office/drawing/2010/main" xmlns="" w="9525">
                   <a:solidFill>
                     <a:srgbClr val="000000"/>
                   </a:solidFill>
@@ -1746,7 +1746,7 @@
             </a:ln>
             <a:extLst>
               <a:ext uri="{91240B29-F687-4f45-9708-019B960494DF}">
-                <a14:hiddenLine xmlns="" xmlns:a14="http://schemas.microsoft.com/office/drawing/2010/main" w="9525">
+                <a14:hiddenLine xmlns:a14="http://schemas.microsoft.com/office/drawing/2010/main" xmlns="" w="9525">
                   <a:solidFill>
                     <a:srgbClr val="000000"/>
                   </a:solidFill>
@@ -1808,7 +1808,7 @@
             </a:ln>
             <a:extLst>
               <a:ext uri="{91240B29-F687-4f45-9708-019B960494DF}">
-                <a14:hiddenLine xmlns="" xmlns:a14="http://schemas.microsoft.com/office/drawing/2010/main" w="9525">
+                <a14:hiddenLine xmlns:a14="http://schemas.microsoft.com/office/drawing/2010/main" xmlns="" w="9525">
                   <a:solidFill>
                     <a:srgbClr val="000000"/>
                   </a:solidFill>
@@ -1898,7 +1898,7 @@
             </a:ln>
             <a:extLst>
               <a:ext uri="{91240B29-F687-4f45-9708-019B960494DF}">
-                <a14:hiddenLine xmlns="" xmlns:a14="http://schemas.microsoft.com/office/drawing/2010/main" w="9525">
+                <a14:hiddenLine xmlns:a14="http://schemas.microsoft.com/office/drawing/2010/main" xmlns="" w="9525">
                   <a:solidFill>
                     <a:srgbClr val="000000"/>
                   </a:solidFill>
@@ -1988,7 +1988,7 @@
             </a:ln>
             <a:extLst>
               <a:ext uri="{91240B29-F687-4f45-9708-019B960494DF}">
-                <a14:hiddenLine xmlns="" xmlns:a14="http://schemas.microsoft.com/office/drawing/2010/main" w="9525">
+                <a14:hiddenLine xmlns:a14="http://schemas.microsoft.com/office/drawing/2010/main" xmlns="" w="9525">
                   <a:solidFill>
                     <a:srgbClr val="000000"/>
                   </a:solidFill>
@@ -2050,7 +2050,7 @@
             </a:ln>
             <a:extLst>
               <a:ext uri="{91240B29-F687-4f45-9708-019B960494DF}">
-                <a14:hiddenLine xmlns="" xmlns:a14="http://schemas.microsoft.com/office/drawing/2010/main" w="9525">
+                <a14:hiddenLine xmlns:a14="http://schemas.microsoft.com/office/drawing/2010/main" xmlns="" w="9525">
                   <a:solidFill>
                     <a:srgbClr val="000000"/>
                   </a:solidFill>
@@ -2140,7 +2140,7 @@
             </a:ln>
             <a:extLst>
               <a:ext uri="{91240B29-F687-4f45-9708-019B960494DF}">
-                <a14:hiddenLine xmlns="" xmlns:a14="http://schemas.microsoft.com/office/drawing/2010/main" w="9525">
+                <a14:hiddenLine xmlns:a14="http://schemas.microsoft.com/office/drawing/2010/main" xmlns="" w="9525">
                   <a:solidFill>
                     <a:srgbClr val="000000"/>
                   </a:solidFill>
@@ -2230,7 +2230,7 @@
             </a:ln>
             <a:extLst>
               <a:ext uri="{91240B29-F687-4f45-9708-019B960494DF}">
-                <a14:hiddenLine xmlns="" xmlns:a14="http://schemas.microsoft.com/office/drawing/2010/main" w="9525">
+                <a14:hiddenLine xmlns:a14="http://schemas.microsoft.com/office/drawing/2010/main" xmlns="" w="9525">
                   <a:solidFill>
                     <a:srgbClr val="000000"/>
                   </a:solidFill>
@@ -2286,7 +2286,7 @@
             </a:ln>
             <a:extLst>
               <a:ext uri="{91240B29-F687-4f45-9708-019B960494DF}">
-                <a14:hiddenLine xmlns="" xmlns:a14="http://schemas.microsoft.com/office/drawing/2010/main" w="9525">
+                <a14:hiddenLine xmlns:a14="http://schemas.microsoft.com/office/drawing/2010/main" xmlns="" w="9525">
                   <a:solidFill>
                     <a:srgbClr val="000000"/>
                   </a:solidFill>
@@ -2376,7 +2376,7 @@
             </a:ln>
             <a:extLst>
               <a:ext uri="{91240B29-F687-4f45-9708-019B960494DF}">
-                <a14:hiddenLine xmlns="" xmlns:a14="http://schemas.microsoft.com/office/drawing/2010/main" w="9525">
+                <a14:hiddenLine xmlns:a14="http://schemas.microsoft.com/office/drawing/2010/main" xmlns="" w="9525">
                   <a:solidFill>
                     <a:srgbClr val="000000"/>
                   </a:solidFill>
@@ -2432,7 +2432,7 @@
             </a:ln>
             <a:extLst>
               <a:ext uri="{91240B29-F687-4f45-9708-019B960494DF}">
-                <a14:hiddenLine xmlns="" xmlns:a14="http://schemas.microsoft.com/office/drawing/2010/main" w="9525">
+                <a14:hiddenLine xmlns:a14="http://schemas.microsoft.com/office/drawing/2010/main" xmlns="" w="9525">
                   <a:solidFill>
                     <a:srgbClr val="000000"/>
                   </a:solidFill>
@@ -2522,7 +2522,7 @@
             </a:ln>
             <a:extLst>
               <a:ext uri="{91240B29-F687-4f45-9708-019B960494DF}">
-                <a14:hiddenLine xmlns="" xmlns:a14="http://schemas.microsoft.com/office/drawing/2010/main" w="9525">
+                <a14:hiddenLine xmlns:a14="http://schemas.microsoft.com/office/drawing/2010/main" xmlns="" w="9525">
                   <a:solidFill>
                     <a:srgbClr val="000000"/>
                   </a:solidFill>
@@ -2590,7 +2590,7 @@
             </a:ln>
             <a:extLst>
               <a:ext uri="{91240B29-F687-4f45-9708-019B960494DF}">
-                <a14:hiddenLine xmlns="" xmlns:a14="http://schemas.microsoft.com/office/drawing/2010/main" w="9525">
+                <a14:hiddenLine xmlns:a14="http://schemas.microsoft.com/office/drawing/2010/main" xmlns="" w="9525">
                   <a:solidFill>
                     <a:srgbClr val="000000"/>
                   </a:solidFill>
@@ -2680,7 +2680,7 @@
             </a:ln>
             <a:extLst>
               <a:ext uri="{91240B29-F687-4f45-9708-019B960494DF}">
-                <a14:hiddenLine xmlns="" xmlns:a14="http://schemas.microsoft.com/office/drawing/2010/main" w="9525">
+                <a14:hiddenLine xmlns:a14="http://schemas.microsoft.com/office/drawing/2010/main" xmlns="" w="9525">
                   <a:solidFill>
                     <a:srgbClr val="000000"/>
                   </a:solidFill>
@@ -2748,7 +2748,7 @@
             </a:ln>
             <a:extLst>
               <a:ext uri="{91240B29-F687-4f45-9708-019B960494DF}">
-                <a14:hiddenLine xmlns="" xmlns:a14="http://schemas.microsoft.com/office/drawing/2010/main" w="9525">
+                <a14:hiddenLine xmlns:a14="http://schemas.microsoft.com/office/drawing/2010/main" xmlns="" w="9525">
                   <a:solidFill>
                     <a:srgbClr val="000000"/>
                   </a:solidFill>
@@ -2838,7 +2838,7 @@
             </a:ln>
             <a:extLst>
               <a:ext uri="{91240B29-F687-4f45-9708-019B960494DF}">
-                <a14:hiddenLine xmlns="" xmlns:a14="http://schemas.microsoft.com/office/drawing/2010/main" w="9525">
+                <a14:hiddenLine xmlns:a14="http://schemas.microsoft.com/office/drawing/2010/main" xmlns="" w="9525">
                   <a:solidFill>
                     <a:srgbClr val="000000"/>
                   </a:solidFill>
@@ -2872,7 +2872,7 @@
             </a:ln>
             <a:extLst>
               <a:ext uri="{91240B29-F687-4f45-9708-019B960494DF}">
-                <a14:hiddenLine xmlns="" xmlns:a14="http://schemas.microsoft.com/office/drawing/2010/main" w="9525">
+                <a14:hiddenLine xmlns:a14="http://schemas.microsoft.com/office/drawing/2010/main" xmlns="" w="9525">
                   <a:solidFill>
                     <a:srgbClr val="000000"/>
                   </a:solidFill>
@@ -2962,7 +2962,7 @@
             </a:ln>
             <a:extLst>
               <a:ext uri="{91240B29-F687-4f45-9708-019B960494DF}">
-                <a14:hiddenLine xmlns="" xmlns:a14="http://schemas.microsoft.com/office/drawing/2010/main" w="9525">
+                <a14:hiddenLine xmlns:a14="http://schemas.microsoft.com/office/drawing/2010/main" xmlns="" w="9525">
                   <a:solidFill>
                     <a:srgbClr val="000000"/>
                   </a:solidFill>
@@ -3024,7 +3024,7 @@
             </a:ln>
             <a:extLst>
               <a:ext uri="{91240B29-F687-4f45-9708-019B960494DF}">
-                <a14:hiddenLine xmlns="" xmlns:a14="http://schemas.microsoft.com/office/drawing/2010/main" w="9525">
+                <a14:hiddenLine xmlns:a14="http://schemas.microsoft.com/office/drawing/2010/main" xmlns="" w="9525">
                   <a:solidFill>
                     <a:srgbClr val="000000"/>
                   </a:solidFill>
@@ -3086,7 +3086,7 @@
             </a:ln>
             <a:extLst>
               <a:ext uri="{91240B29-F687-4f45-9708-019B960494DF}">
-                <a14:hiddenLine xmlns="" xmlns:a14="http://schemas.microsoft.com/office/drawing/2010/main" w="9525">
+                <a14:hiddenLine xmlns:a14="http://schemas.microsoft.com/office/drawing/2010/main" xmlns="" w="9525">
                   <a:solidFill>
                     <a:srgbClr val="000000"/>
                   </a:solidFill>
@@ -3176,7 +3176,7 @@
             </a:ln>
             <a:extLst>
               <a:ext uri="{91240B29-F687-4f45-9708-019B960494DF}">
-                <a14:hiddenLine xmlns="" xmlns:a14="http://schemas.microsoft.com/office/drawing/2010/main" w="9525">
+                <a14:hiddenLine xmlns:a14="http://schemas.microsoft.com/office/drawing/2010/main" xmlns="" w="9525">
                   <a:solidFill>
                     <a:srgbClr val="000000"/>
                   </a:solidFill>
@@ -3244,7 +3244,7 @@
             </a:ln>
             <a:extLst>
               <a:ext uri="{91240B29-F687-4f45-9708-019B960494DF}">
-                <a14:hiddenLine xmlns="" xmlns:a14="http://schemas.microsoft.com/office/drawing/2010/main" w="9525">
+                <a14:hiddenLine xmlns:a14="http://schemas.microsoft.com/office/drawing/2010/main" xmlns="" w="9525">
                   <a:solidFill>
                     <a:srgbClr val="000000"/>
                   </a:solidFill>
@@ -3306,7 +3306,7 @@
             </a:ln>
             <a:extLst>
               <a:ext uri="{91240B29-F687-4f45-9708-019B960494DF}">
-                <a14:hiddenLine xmlns="" xmlns:a14="http://schemas.microsoft.com/office/drawing/2010/main" w="9525">
+                <a14:hiddenLine xmlns:a14="http://schemas.microsoft.com/office/drawing/2010/main" xmlns="" w="9525">
                   <a:solidFill>
                     <a:srgbClr val="000000"/>
                   </a:solidFill>
@@ -3396,7 +3396,7 @@
             </a:ln>
             <a:extLst>
               <a:ext uri="{91240B29-F687-4f45-9708-019B960494DF}">
-                <a14:hiddenLine xmlns="" xmlns:a14="http://schemas.microsoft.com/office/drawing/2010/main" w="9525">
+                <a14:hiddenLine xmlns:a14="http://schemas.microsoft.com/office/drawing/2010/main" xmlns="" w="9525">
                   <a:solidFill>
                     <a:srgbClr val="000000"/>
                   </a:solidFill>
@@ -3458,7 +3458,7 @@
             </a:ln>
             <a:extLst>
               <a:ext uri="{91240B29-F687-4f45-9708-019B960494DF}">
-                <a14:hiddenLine xmlns="" xmlns:a14="http://schemas.microsoft.com/office/drawing/2010/main" w="9525">
+                <a14:hiddenLine xmlns:a14="http://schemas.microsoft.com/office/drawing/2010/main" xmlns="" w="9525">
                   <a:solidFill>
                     <a:srgbClr val="000000"/>
                   </a:solidFill>
@@ -3548,7 +3548,7 @@
             </a:ln>
             <a:extLst>
               <a:ext uri="{91240B29-F687-4f45-9708-019B960494DF}">
-                <a14:hiddenLine xmlns="" xmlns:a14="http://schemas.microsoft.com/office/drawing/2010/main" w="9525">
+                <a14:hiddenLine xmlns:a14="http://schemas.microsoft.com/office/drawing/2010/main" xmlns="" w="9525">
                   <a:solidFill>
                     <a:srgbClr val="000000"/>
                   </a:solidFill>
@@ -3610,7 +3610,7 @@
             </a:ln>
             <a:extLst>
               <a:ext uri="{91240B29-F687-4f45-9708-019B960494DF}">
-                <a14:hiddenLine xmlns="" xmlns:a14="http://schemas.microsoft.com/office/drawing/2010/main" w="9525">
+                <a14:hiddenLine xmlns:a14="http://schemas.microsoft.com/office/drawing/2010/main" xmlns="" w="9525">
                   <a:solidFill>
                     <a:srgbClr val="000000"/>
                   </a:solidFill>
@@ -3700,7 +3700,7 @@
             </a:ln>
             <a:extLst>
               <a:ext uri="{91240B29-F687-4f45-9708-019B960494DF}">
-                <a14:hiddenLine xmlns="" xmlns:a14="http://schemas.microsoft.com/office/drawing/2010/main" w="9525">
+                <a14:hiddenLine xmlns:a14="http://schemas.microsoft.com/office/drawing/2010/main" xmlns="" w="9525">
                   <a:solidFill>
                     <a:srgbClr val="000000"/>
                   </a:solidFill>
@@ -3734,7 +3734,7 @@
             </a:ln>
             <a:extLst>
               <a:ext uri="{91240B29-F687-4f45-9708-019B960494DF}">
-                <a14:hiddenLine xmlns="" xmlns:a14="http://schemas.microsoft.com/office/drawing/2010/main" w="9525">
+                <a14:hiddenLine xmlns:a14="http://schemas.microsoft.com/office/drawing/2010/main" xmlns="" w="9525">
                   <a:solidFill>
                     <a:srgbClr val="000000"/>
                   </a:solidFill>
@@ -3799,7 +3799,7 @@
             </a:ln>
             <a:extLst>
               <a:ext uri="{91240B29-F687-4f45-9708-019B960494DF}">
-                <a14:hiddenLine xmlns="" xmlns:a14="http://schemas.microsoft.com/office/drawing/2010/main" w="9525">
+                <a14:hiddenLine xmlns:a14="http://schemas.microsoft.com/office/drawing/2010/main" xmlns="" w="9525">
                   <a:solidFill>
                     <a:srgbClr val="000000"/>
                   </a:solidFill>
@@ -3889,7 +3889,7 @@
             </a:ln>
             <a:extLst>
               <a:ext uri="{91240B29-F687-4f45-9708-019B960494DF}">
-                <a14:hiddenLine xmlns="" xmlns:a14="http://schemas.microsoft.com/office/drawing/2010/main" w="9525">
+                <a14:hiddenLine xmlns:a14="http://schemas.microsoft.com/office/drawing/2010/main" xmlns="" w="9525">
                   <a:solidFill>
                     <a:srgbClr val="000000"/>
                   </a:solidFill>
@@ -3951,7 +3951,7 @@
             </a:ln>
             <a:extLst>
               <a:ext uri="{91240B29-F687-4f45-9708-019B960494DF}">
-                <a14:hiddenLine xmlns="" xmlns:a14="http://schemas.microsoft.com/office/drawing/2010/main" w="9525">
+                <a14:hiddenLine xmlns:a14="http://schemas.microsoft.com/office/drawing/2010/main" xmlns="" w="9525">
                   <a:solidFill>
                     <a:srgbClr val="000000"/>
                   </a:solidFill>
@@ -4041,7 +4041,7 @@
             </a:ln>
             <a:extLst>
               <a:ext uri="{91240B29-F687-4f45-9708-019B960494DF}">
-                <a14:hiddenLine xmlns="" xmlns:a14="http://schemas.microsoft.com/office/drawing/2010/main" w="9525">
+                <a14:hiddenLine xmlns:a14="http://schemas.microsoft.com/office/drawing/2010/main" xmlns="" w="9525">
                   <a:solidFill>
                     <a:srgbClr val="000000"/>
                   </a:solidFill>
@@ -4131,7 +4131,7 @@
             </a:ln>
             <a:extLst>
               <a:ext uri="{91240B29-F687-4f45-9708-019B960494DF}">
-                <a14:hiddenLine xmlns="" xmlns:a14="http://schemas.microsoft.com/office/drawing/2010/main" w="9525">
+                <a14:hiddenLine xmlns:a14="http://schemas.microsoft.com/office/drawing/2010/main" xmlns="" w="9525">
                   <a:solidFill>
                     <a:srgbClr val="000000"/>
                   </a:solidFill>
@@ -4196,7 +4196,7 @@
             </a:ln>
             <a:extLst>
               <a:ext uri="{91240B29-F687-4f45-9708-019B960494DF}">
-                <a14:hiddenLine xmlns="" xmlns:a14="http://schemas.microsoft.com/office/drawing/2010/main" w="9525">
+                <a14:hiddenLine xmlns:a14="http://schemas.microsoft.com/office/drawing/2010/main" xmlns="" w="9525">
                   <a:solidFill>
                     <a:srgbClr val="000000"/>
                   </a:solidFill>
@@ -4258,7 +4258,7 @@
             </a:ln>
             <a:extLst>
               <a:ext uri="{91240B29-F687-4f45-9708-019B960494DF}">
-                <a14:hiddenLine xmlns="" xmlns:a14="http://schemas.microsoft.com/office/drawing/2010/main" w="9525">
+                <a14:hiddenLine xmlns:a14="http://schemas.microsoft.com/office/drawing/2010/main" xmlns="" w="9525">
                   <a:solidFill>
                     <a:srgbClr val="000000"/>
                   </a:solidFill>
@@ -4348,7 +4348,7 @@
             </a:ln>
             <a:extLst>
               <a:ext uri="{91240B29-F687-4f45-9708-019B960494DF}">
-                <a14:hiddenLine xmlns="" xmlns:a14="http://schemas.microsoft.com/office/drawing/2010/main" w="9525">
+                <a14:hiddenLine xmlns:a14="http://schemas.microsoft.com/office/drawing/2010/main" xmlns="" w="9525">
                   <a:solidFill>
                     <a:srgbClr val="000000"/>
                   </a:solidFill>
@@ -4438,7 +4438,7 @@
             </a:ln>
             <a:extLst>
               <a:ext uri="{91240B29-F687-4f45-9708-019B960494DF}">
-                <a14:hiddenLine xmlns="" xmlns:a14="http://schemas.microsoft.com/office/drawing/2010/main" w="9525">
+                <a14:hiddenLine xmlns:a14="http://schemas.microsoft.com/office/drawing/2010/main" xmlns="" w="9525">
                   <a:solidFill>
                     <a:srgbClr val="000000"/>
                   </a:solidFill>
@@ -4500,7 +4500,7 @@
             </a:ln>
             <a:extLst>
               <a:ext uri="{91240B29-F687-4f45-9708-019B960494DF}">
-                <a14:hiddenLine xmlns="" xmlns:a14="http://schemas.microsoft.com/office/drawing/2010/main" w="9525">
+                <a14:hiddenLine xmlns:a14="http://schemas.microsoft.com/office/drawing/2010/main" xmlns="" w="9525">
                   <a:solidFill>
                     <a:srgbClr val="000000"/>
                   </a:solidFill>
@@ -4620,7 +4620,7 @@
             </a:ln>
             <a:extLst>
               <a:ext uri="{91240B29-F687-4f45-9708-019B960494DF}">
-                <a14:hiddenLine xmlns="" xmlns:a14="http://schemas.microsoft.com/office/drawing/2010/main" w="9525">
+                <a14:hiddenLine xmlns:a14="http://schemas.microsoft.com/office/drawing/2010/main" xmlns="" w="9525">
                   <a:solidFill>
                     <a:srgbClr val="000000"/>
                   </a:solidFill>
@@ -4688,7 +4688,7 @@
             </a:ln>
             <a:extLst>
               <a:ext uri="{91240B29-F687-4f45-9708-019B960494DF}">
-                <a14:hiddenLine xmlns="" xmlns:a14="http://schemas.microsoft.com/office/drawing/2010/main" w="9525">
+                <a14:hiddenLine xmlns:a14="http://schemas.microsoft.com/office/drawing/2010/main" xmlns="" w="9525">
                   <a:solidFill>
                     <a:srgbClr val="000000"/>
                   </a:solidFill>
@@ -4778,7 +4778,7 @@
             </a:ln>
             <a:extLst>
               <a:ext uri="{91240B29-F687-4f45-9708-019B960494DF}">
-                <a14:hiddenLine xmlns="" xmlns:a14="http://schemas.microsoft.com/office/drawing/2010/main" w="9525">
+                <a14:hiddenLine xmlns:a14="http://schemas.microsoft.com/office/drawing/2010/main" xmlns="" w="9525">
                   <a:solidFill>
                     <a:srgbClr val="000000"/>
                   </a:solidFill>
@@ -4821,7 +4821,7 @@
               <a:rPr lang="de-DE"/>
               <a:t>Mastertitelformat bearbeiten</a:t>
             </a:r>
-            <a:endParaRPr lang="en-US" dirty="0"/>
+            <a:endParaRPr lang="en-US"/>
           </a:p>
         </p:txBody>
       </p:sp>
@@ -4892,7 +4892,7 @@
               <a:rPr lang="de-DE"/>
               <a:t>Master-Untertitelformat bearbeiten</a:t>
             </a:r>
-            <a:endParaRPr lang="en-US" dirty="0"/>
+            <a:endParaRPr lang="en-US"/>
           </a:p>
         </p:txBody>
       </p:sp>
@@ -4920,7 +4920,7 @@
               <a:rPr lang="en-US" dirty="0"/>
               <a:t>10/28/2019</a:t>
             </a:fld>
-            <a:endParaRPr lang="en-US" dirty="0"/>
+            <a:endParaRPr lang="en-US"/>
           </a:p>
         </p:txBody>
       </p:sp>
@@ -4944,7 +4944,7 @@
           <a:bodyPr/>
           <a:lstStyle/>
           <a:p>
-            <a:endParaRPr lang="en-US" dirty="0"/>
+            <a:endParaRPr lang="en-US"/>
           </a:p>
         </p:txBody>
       </p:sp>
@@ -4970,9 +4970,9 @@
           <a:p>
             <a:fld id="{6D22F896-40B5-4ADD-8801-0D06FADFA095}" type="slidenum">
               <a:rPr lang="en-US" dirty="0"/>
-              <a:t>‹Nr.›</a:t>
+              <a:t>‹#›</a:t>
             </a:fld>
-            <a:endParaRPr lang="en-US" dirty="0"/>
+            <a:endParaRPr lang="en-US"/>
           </a:p>
         </p:txBody>
       </p:sp>
@@ -5031,7 +5031,7 @@
               <a:rPr lang="de-DE"/>
               <a:t>Mastertitelformat bearbeiten</a:t>
             </a:r>
-            <a:endParaRPr lang="en-US" dirty="0"/>
+            <a:endParaRPr lang="en-US"/>
           </a:p>
         </p:txBody>
       </p:sp>
@@ -5092,7 +5092,7 @@
               <a:rPr lang="de-DE"/>
               <a:t>Bild durch Klicken auf Symbol hinzufügen</a:t>
             </a:r>
-            <a:endParaRPr lang="en-US" dirty="0"/>
+            <a:endParaRPr lang="en-US"/>
           </a:p>
         </p:txBody>
       </p:sp>
@@ -5182,7 +5182,7 @@
               <a:rPr lang="en-US" dirty="0"/>
               <a:t>10/28/2019</a:t>
             </a:fld>
-            <a:endParaRPr lang="en-US" dirty="0"/>
+            <a:endParaRPr lang="en-US"/>
           </a:p>
         </p:txBody>
       </p:sp>
@@ -5201,7 +5201,7 @@
           <a:bodyPr/>
           <a:lstStyle/>
           <a:p>
-            <a:endParaRPr lang="en-US" dirty="0"/>
+            <a:endParaRPr lang="en-US"/>
           </a:p>
         </p:txBody>
       </p:sp>
@@ -5222,9 +5222,9 @@
           <a:p>
             <a:fld id="{6D22F896-40B5-4ADD-8801-0D06FADFA095}" type="slidenum">
               <a:rPr lang="en-US" dirty="0"/>
-              <a:t>‹Nr.›</a:t>
+              <a:t>‹#›</a:t>
             </a:fld>
-            <a:endParaRPr lang="en-US" dirty="0"/>
+            <a:endParaRPr lang="en-US"/>
           </a:p>
         </p:txBody>
       </p:sp>
@@ -5283,7 +5283,7 @@
               <a:rPr lang="de-DE"/>
               <a:t>Mastertitelformat bearbeiten</a:t>
             </a:r>
-            <a:endParaRPr lang="en-US" dirty="0"/>
+            <a:endParaRPr lang="en-US"/>
           </a:p>
         </p:txBody>
       </p:sp>
@@ -5373,7 +5373,7 @@
               <a:rPr lang="en-US" dirty="0"/>
               <a:t>10/28/2019</a:t>
             </a:fld>
-            <a:endParaRPr lang="en-US" dirty="0"/>
+            <a:endParaRPr lang="en-US"/>
           </a:p>
         </p:txBody>
       </p:sp>
@@ -5392,7 +5392,7 @@
           <a:bodyPr/>
           <a:lstStyle/>
           <a:p>
-            <a:endParaRPr lang="en-US" dirty="0"/>
+            <a:endParaRPr lang="en-US"/>
           </a:p>
         </p:txBody>
       </p:sp>
@@ -5413,9 +5413,9 @@
           <a:p>
             <a:fld id="{6D22F896-40B5-4ADD-8801-0D06FADFA095}" type="slidenum">
               <a:rPr lang="en-US" dirty="0"/>
-              <a:t>‹Nr.›</a:t>
+              <a:t>‹#›</a:t>
             </a:fld>
-            <a:endParaRPr lang="en-US" dirty="0"/>
+            <a:endParaRPr lang="en-US"/>
           </a:p>
         </p:txBody>
       </p:sp>
@@ -5474,7 +5474,7 @@
               <a:rPr lang="de-DE"/>
               <a:t>Mastertitelformat bearbeiten</a:t>
             </a:r>
-            <a:endParaRPr lang="en-US" dirty="0"/>
+            <a:endParaRPr lang="en-US"/>
           </a:p>
         </p:txBody>
       </p:sp>
@@ -5631,7 +5631,7 @@
               <a:rPr lang="en-US" dirty="0"/>
               <a:t>10/28/2019</a:t>
             </a:fld>
-            <a:endParaRPr lang="en-US" dirty="0"/>
+            <a:endParaRPr lang="en-US"/>
           </a:p>
         </p:txBody>
       </p:sp>
@@ -5650,7 +5650,7 @@
           <a:bodyPr/>
           <a:lstStyle/>
           <a:p>
-            <a:endParaRPr lang="en-US" dirty="0"/>
+            <a:endParaRPr lang="en-US"/>
           </a:p>
         </p:txBody>
       </p:sp>
@@ -5671,9 +5671,9 @@
           <a:p>
             <a:fld id="{6D22F896-40B5-4ADD-8801-0D06FADFA095}" type="slidenum">
               <a:rPr lang="en-US" dirty="0"/>
-              <a:t>‹Nr.›</a:t>
+              <a:t>‹#›</a:t>
             </a:fld>
-            <a:endParaRPr lang="en-US" dirty="0"/>
+            <a:endParaRPr lang="en-US"/>
           </a:p>
         </p:txBody>
       </p:sp>
@@ -5785,7 +5785,7 @@
           <a:p>
             <a:pPr lvl="0" algn="r"/>
             <a:r>
-              <a:rPr lang="en-US" sz="8000" dirty="0">
+              <a:rPr lang="en-US" sz="8000">
                 <a:solidFill>
                   <a:schemeClr val="tx1"/>
                 </a:solidFill>
@@ -5904,7 +5904,7 @@
           <a:p>
             <a:pPr lvl="0" algn="r"/>
             <a:r>
-              <a:rPr lang="en-US" sz="8000" dirty="0">
+              <a:rPr lang="en-US" sz="8000">
                 <a:solidFill>
                   <a:schemeClr val="tx1"/>
                 </a:solidFill>
@@ -5970,7 +5970,7 @@
               <a:rPr lang="de-DE"/>
               <a:t>Mastertitelformat bearbeiten</a:t>
             </a:r>
-            <a:endParaRPr lang="en-US" dirty="0"/>
+            <a:endParaRPr lang="en-US"/>
           </a:p>
         </p:txBody>
       </p:sp>
@@ -6060,7 +6060,7 @@
               <a:rPr lang="en-US" dirty="0"/>
               <a:t>10/28/2019</a:t>
             </a:fld>
-            <a:endParaRPr lang="en-US" dirty="0"/>
+            <a:endParaRPr lang="en-US"/>
           </a:p>
         </p:txBody>
       </p:sp>
@@ -6079,7 +6079,7 @@
           <a:bodyPr/>
           <a:lstStyle/>
           <a:p>
-            <a:endParaRPr lang="en-US" dirty="0"/>
+            <a:endParaRPr lang="en-US"/>
           </a:p>
         </p:txBody>
       </p:sp>
@@ -6100,9 +6100,9 @@
           <a:p>
             <a:fld id="{6D22F896-40B5-4ADD-8801-0D06FADFA095}" type="slidenum">
               <a:rPr lang="en-US" dirty="0"/>
-              <a:t>‹Nr.›</a:t>
+              <a:t>‹#›</a:t>
             </a:fld>
-            <a:endParaRPr lang="en-US" dirty="0"/>
+            <a:endParaRPr lang="en-US"/>
           </a:p>
         </p:txBody>
       </p:sp>
@@ -6155,7 +6155,7 @@
               <a:rPr lang="de-DE"/>
               <a:t>Mastertitelformat bearbeiten</a:t>
             </a:r>
-            <a:endParaRPr lang="en-US" dirty="0"/>
+            <a:endParaRPr lang="en-US"/>
           </a:p>
         </p:txBody>
       </p:sp>
@@ -6601,7 +6601,7 @@
               <a:rPr lang="en-US" dirty="0"/>
               <a:t>10/28/2019</a:t>
             </a:fld>
-            <a:endParaRPr lang="en-US" dirty="0"/>
+            <a:endParaRPr lang="en-US"/>
           </a:p>
         </p:txBody>
       </p:sp>
@@ -6620,7 +6620,7 @@
           <a:bodyPr/>
           <a:lstStyle/>
           <a:p>
-            <a:endParaRPr lang="en-US" dirty="0"/>
+            <a:endParaRPr lang="en-US"/>
           </a:p>
         </p:txBody>
       </p:sp>
@@ -6641,9 +6641,9 @@
           <a:p>
             <a:fld id="{6D22F896-40B5-4ADD-8801-0D06FADFA095}" type="slidenum">
               <a:rPr lang="en-US" dirty="0"/>
-              <a:t>‹Nr.›</a:t>
+              <a:t>‹#›</a:t>
             </a:fld>
-            <a:endParaRPr lang="en-US" dirty="0"/>
+            <a:endParaRPr lang="en-US"/>
           </a:p>
         </p:txBody>
       </p:sp>
@@ -6696,7 +6696,7 @@
               <a:rPr lang="de-DE"/>
               <a:t>Mastertitelformat bearbeiten</a:t>
             </a:r>
-            <a:endParaRPr lang="en-US" dirty="0"/>
+            <a:endParaRPr lang="en-US"/>
           </a:p>
         </p:txBody>
       </p:sp>
@@ -6828,7 +6828,7 @@
               <a:rPr lang="de-DE"/>
               <a:t>Bild durch Klicken auf Symbol hinzufügen</a:t>
             </a:r>
-            <a:endParaRPr lang="en-US" dirty="0"/>
+            <a:endParaRPr lang="en-US"/>
           </a:p>
         </p:txBody>
       </p:sp>
@@ -7027,7 +7027,7 @@
               <a:rPr lang="de-DE"/>
               <a:t>Bild durch Klicken auf Symbol hinzufügen</a:t>
             </a:r>
-            <a:endParaRPr lang="en-US" dirty="0"/>
+            <a:endParaRPr lang="en-US"/>
           </a:p>
         </p:txBody>
       </p:sp>
@@ -7226,7 +7226,7 @@
               <a:rPr lang="de-DE"/>
               <a:t>Bild durch Klicken auf Symbol hinzufügen</a:t>
             </a:r>
-            <a:endParaRPr lang="en-US" dirty="0"/>
+            <a:endParaRPr lang="en-US"/>
           </a:p>
         </p:txBody>
       </p:sp>
@@ -7316,7 +7316,7 @@
               <a:rPr lang="en-US" dirty="0"/>
               <a:t>10/28/2019</a:t>
             </a:fld>
-            <a:endParaRPr lang="en-US" dirty="0"/>
+            <a:endParaRPr lang="en-US"/>
           </a:p>
         </p:txBody>
       </p:sp>
@@ -7335,7 +7335,7 @@
           <a:bodyPr/>
           <a:lstStyle/>
           <a:p>
-            <a:endParaRPr lang="en-US" dirty="0"/>
+            <a:endParaRPr lang="en-US"/>
           </a:p>
         </p:txBody>
       </p:sp>
@@ -7356,9 +7356,9 @@
           <a:p>
             <a:fld id="{6D22F896-40B5-4ADD-8801-0D06FADFA095}" type="slidenum">
               <a:rPr lang="en-US" dirty="0"/>
-              <a:t>‹Nr.›</a:t>
+              <a:t>‹#›</a:t>
             </a:fld>
-            <a:endParaRPr lang="en-US" dirty="0"/>
+            <a:endParaRPr lang="en-US"/>
           </a:p>
         </p:txBody>
       </p:sp>
@@ -7406,7 +7406,7 @@
               <a:rPr lang="de-DE"/>
               <a:t>Mastertitelformat bearbeiten</a:t>
             </a:r>
-            <a:endParaRPr lang="en-US" dirty="0"/>
+            <a:endParaRPr lang="en-US"/>
           </a:p>
         </p:txBody>
       </p:sp>
@@ -7458,7 +7458,7 @@
               <a:rPr lang="de-DE"/>
               <a:t>Fünfte Ebene</a:t>
             </a:r>
-            <a:endParaRPr lang="en-US" dirty="0"/>
+            <a:endParaRPr lang="en-US"/>
           </a:p>
         </p:txBody>
       </p:sp>
@@ -7481,7 +7481,7 @@
               <a:rPr lang="en-US" dirty="0"/>
               <a:t>10/28/2019</a:t>
             </a:fld>
-            <a:endParaRPr lang="en-US" dirty="0"/>
+            <a:endParaRPr lang="en-US"/>
           </a:p>
         </p:txBody>
       </p:sp>
@@ -7500,7 +7500,7 @@
           <a:bodyPr/>
           <a:lstStyle/>
           <a:p>
-            <a:endParaRPr lang="en-US" dirty="0"/>
+            <a:endParaRPr lang="en-US"/>
           </a:p>
         </p:txBody>
       </p:sp>
@@ -7521,9 +7521,9 @@
           <a:p>
             <a:fld id="{6D22F896-40B5-4ADD-8801-0D06FADFA095}" type="slidenum">
               <a:rPr lang="en-US" dirty="0"/>
-              <a:t>‹Nr.›</a:t>
+              <a:t>‹#›</a:t>
             </a:fld>
-            <a:endParaRPr lang="en-US" dirty="0"/>
+            <a:endParaRPr lang="en-US"/>
           </a:p>
         </p:txBody>
       </p:sp>
@@ -7576,7 +7576,7 @@
               <a:rPr lang="de-DE"/>
               <a:t>Mastertitelformat bearbeiten</a:t>
             </a:r>
-            <a:endParaRPr lang="en-US" dirty="0"/>
+            <a:endParaRPr lang="en-US"/>
           </a:p>
         </p:txBody>
       </p:sp>
@@ -7633,7 +7633,7 @@
               <a:rPr lang="de-DE"/>
               <a:t>Fünfte Ebene</a:t>
             </a:r>
-            <a:endParaRPr lang="en-US" dirty="0"/>
+            <a:endParaRPr lang="en-US"/>
           </a:p>
         </p:txBody>
       </p:sp>
@@ -7656,7 +7656,7 @@
               <a:rPr lang="en-US" dirty="0"/>
               <a:t>10/28/2019</a:t>
             </a:fld>
-            <a:endParaRPr lang="en-US" dirty="0"/>
+            <a:endParaRPr lang="en-US"/>
           </a:p>
         </p:txBody>
       </p:sp>
@@ -7675,7 +7675,7 @@
           <a:bodyPr/>
           <a:lstStyle/>
           <a:p>
-            <a:endParaRPr lang="en-US" dirty="0"/>
+            <a:endParaRPr lang="en-US"/>
           </a:p>
         </p:txBody>
       </p:sp>
@@ -7696,9 +7696,9 @@
           <a:p>
             <a:fld id="{6D22F896-40B5-4ADD-8801-0D06FADFA095}" type="slidenum">
               <a:rPr lang="en-US" dirty="0"/>
-              <a:t>‹Nr.›</a:t>
+              <a:t>‹#›</a:t>
             </a:fld>
-            <a:endParaRPr lang="en-US" dirty="0"/>
+            <a:endParaRPr lang="en-US"/>
           </a:p>
         </p:txBody>
       </p:sp>
@@ -7746,7 +7746,7 @@
               <a:rPr lang="de-DE"/>
               <a:t>Mastertitelformat bearbeiten</a:t>
             </a:r>
-            <a:endParaRPr lang="en-US" dirty="0"/>
+            <a:endParaRPr lang="en-US"/>
           </a:p>
         </p:txBody>
       </p:sp>
@@ -7798,7 +7798,7 @@
               <a:rPr lang="de-DE"/>
               <a:t>Fünfte Ebene</a:t>
             </a:r>
-            <a:endParaRPr lang="en-US" dirty="0"/>
+            <a:endParaRPr lang="en-US"/>
           </a:p>
         </p:txBody>
       </p:sp>
@@ -7821,7 +7821,7 @@
               <a:rPr lang="en-US" dirty="0"/>
               <a:t>10/28/2019</a:t>
             </a:fld>
-            <a:endParaRPr lang="en-US" dirty="0"/>
+            <a:endParaRPr lang="en-US"/>
           </a:p>
         </p:txBody>
       </p:sp>
@@ -7840,7 +7840,7 @@
           <a:bodyPr/>
           <a:lstStyle/>
           <a:p>
-            <a:endParaRPr lang="en-US" dirty="0"/>
+            <a:endParaRPr lang="en-US"/>
           </a:p>
         </p:txBody>
       </p:sp>
@@ -7861,9 +7861,9 @@
           <a:p>
             <a:fld id="{6D22F896-40B5-4ADD-8801-0D06FADFA095}" type="slidenum">
               <a:rPr lang="en-US" dirty="0"/>
-              <a:t>‹Nr.›</a:t>
+              <a:t>‹#›</a:t>
             </a:fld>
-            <a:endParaRPr lang="en-US" dirty="0"/>
+            <a:endParaRPr lang="en-US"/>
           </a:p>
         </p:txBody>
       </p:sp>
@@ -7922,7 +7922,7 @@
               <a:rPr lang="de-DE"/>
               <a:t>Mastertitelformat bearbeiten</a:t>
             </a:r>
-            <a:endParaRPr lang="en-US" dirty="0"/>
+            <a:endParaRPr lang="en-US"/>
           </a:p>
         </p:txBody>
       </p:sp>
@@ -8066,7 +8066,7 @@
               <a:rPr lang="en-US" dirty="0"/>
               <a:t>10/28/2019</a:t>
             </a:fld>
-            <a:endParaRPr lang="en-US" dirty="0"/>
+            <a:endParaRPr lang="en-US"/>
           </a:p>
         </p:txBody>
       </p:sp>
@@ -8085,7 +8085,7 @@
           <a:bodyPr/>
           <a:lstStyle/>
           <a:p>
-            <a:endParaRPr lang="en-US" dirty="0"/>
+            <a:endParaRPr lang="en-US"/>
           </a:p>
         </p:txBody>
       </p:sp>
@@ -8106,9 +8106,9 @@
           <a:p>
             <a:fld id="{6D22F896-40B5-4ADD-8801-0D06FADFA095}" type="slidenum">
               <a:rPr lang="en-US" dirty="0"/>
-              <a:t>‹Nr.›</a:t>
+              <a:t>‹#›</a:t>
             </a:fld>
-            <a:endParaRPr lang="en-US" dirty="0"/>
+            <a:endParaRPr lang="en-US"/>
           </a:p>
         </p:txBody>
       </p:sp>
@@ -8156,7 +8156,7 @@
               <a:rPr lang="de-DE"/>
               <a:t>Mastertitelformat bearbeiten</a:t>
             </a:r>
-            <a:endParaRPr lang="en-US" dirty="0"/>
+            <a:endParaRPr lang="en-US"/>
           </a:p>
         </p:txBody>
       </p:sp>
@@ -8213,7 +8213,7 @@
               <a:rPr lang="de-DE"/>
               <a:t>Fünfte Ebene</a:t>
             </a:r>
-            <a:endParaRPr lang="en-US" dirty="0"/>
+            <a:endParaRPr lang="en-US"/>
           </a:p>
         </p:txBody>
       </p:sp>
@@ -8270,7 +8270,7 @@
               <a:rPr lang="de-DE"/>
               <a:t>Fünfte Ebene</a:t>
             </a:r>
-            <a:endParaRPr lang="en-US" dirty="0"/>
+            <a:endParaRPr lang="en-US"/>
           </a:p>
         </p:txBody>
       </p:sp>
@@ -8293,7 +8293,7 @@
               <a:rPr lang="en-US" dirty="0"/>
               <a:t>10/28/2019</a:t>
             </a:fld>
-            <a:endParaRPr lang="en-US" dirty="0"/>
+            <a:endParaRPr lang="en-US"/>
           </a:p>
         </p:txBody>
       </p:sp>
@@ -8312,7 +8312,7 @@
           <a:bodyPr/>
           <a:lstStyle/>
           <a:p>
-            <a:endParaRPr lang="en-US" dirty="0"/>
+            <a:endParaRPr lang="en-US"/>
           </a:p>
         </p:txBody>
       </p:sp>
@@ -8333,9 +8333,9 @@
           <a:p>
             <a:fld id="{6D22F896-40B5-4ADD-8801-0D06FADFA095}" type="slidenum">
               <a:rPr lang="en-US" dirty="0"/>
-              <a:t>‹Nr.›</a:t>
+              <a:t>‹#›</a:t>
             </a:fld>
-            <a:endParaRPr lang="en-US" dirty="0"/>
+            <a:endParaRPr lang="en-US"/>
           </a:p>
         </p:txBody>
       </p:sp>
@@ -8388,7 +8388,7 @@
               <a:rPr lang="de-DE"/>
               <a:t>Mastertitelformat bearbeiten</a:t>
             </a:r>
-            <a:endParaRPr lang="en-US" dirty="0"/>
+            <a:endParaRPr lang="en-US"/>
           </a:p>
         </p:txBody>
       </p:sp>
@@ -8517,7 +8517,7 @@
               <a:rPr lang="de-DE"/>
               <a:t>Fünfte Ebene</a:t>
             </a:r>
-            <a:endParaRPr lang="en-US" dirty="0"/>
+            <a:endParaRPr lang="en-US"/>
           </a:p>
         </p:txBody>
       </p:sp>
@@ -8646,7 +8646,7 @@
               <a:rPr lang="de-DE"/>
               <a:t>Fünfte Ebene</a:t>
             </a:r>
-            <a:endParaRPr lang="en-US" dirty="0"/>
+            <a:endParaRPr lang="en-US"/>
           </a:p>
         </p:txBody>
       </p:sp>
@@ -8669,7 +8669,7 @@
               <a:rPr lang="en-US" dirty="0"/>
               <a:t>10/28/2019</a:t>
             </a:fld>
-            <a:endParaRPr lang="en-US" dirty="0"/>
+            <a:endParaRPr lang="en-US"/>
           </a:p>
         </p:txBody>
       </p:sp>
@@ -8688,7 +8688,7 @@
           <a:bodyPr/>
           <a:lstStyle/>
           <a:p>
-            <a:endParaRPr lang="en-US" dirty="0"/>
+            <a:endParaRPr lang="en-US"/>
           </a:p>
         </p:txBody>
       </p:sp>
@@ -8709,9 +8709,9 @@
           <a:p>
             <a:fld id="{6D22F896-40B5-4ADD-8801-0D06FADFA095}" type="slidenum">
               <a:rPr lang="en-US" dirty="0"/>
-              <a:t>‹Nr.›</a:t>
+              <a:t>‹#›</a:t>
             </a:fld>
-            <a:endParaRPr lang="en-US" dirty="0"/>
+            <a:endParaRPr lang="en-US"/>
           </a:p>
         </p:txBody>
       </p:sp>
@@ -8759,7 +8759,7 @@
               <a:rPr lang="de-DE"/>
               <a:t>Mastertitelformat bearbeiten</a:t>
             </a:r>
-            <a:endParaRPr lang="en-US" dirty="0"/>
+            <a:endParaRPr lang="en-US"/>
           </a:p>
         </p:txBody>
       </p:sp>
@@ -8782,7 +8782,7 @@
               <a:rPr lang="en-US" dirty="0"/>
               <a:t>10/28/2019</a:t>
             </a:fld>
-            <a:endParaRPr lang="en-US" dirty="0"/>
+            <a:endParaRPr lang="en-US"/>
           </a:p>
         </p:txBody>
       </p:sp>
@@ -8801,7 +8801,7 @@
           <a:bodyPr/>
           <a:lstStyle/>
           <a:p>
-            <a:endParaRPr lang="en-US" dirty="0"/>
+            <a:endParaRPr lang="en-US"/>
           </a:p>
         </p:txBody>
       </p:sp>
@@ -8822,9 +8822,9 @@
           <a:p>
             <a:fld id="{6D22F896-40B5-4ADD-8801-0D06FADFA095}" type="slidenum">
               <a:rPr lang="en-US" dirty="0"/>
-              <a:t>‹Nr.›</a:t>
+              <a:t>‹#›</a:t>
             </a:fld>
-            <a:endParaRPr lang="en-US" dirty="0"/>
+            <a:endParaRPr lang="en-US"/>
           </a:p>
         </p:txBody>
       </p:sp>
@@ -8872,7 +8872,7 @@
               <a:rPr lang="en-US" dirty="0"/>
               <a:t>10/28/2019</a:t>
             </a:fld>
-            <a:endParaRPr lang="en-US" dirty="0"/>
+            <a:endParaRPr lang="en-US"/>
           </a:p>
         </p:txBody>
       </p:sp>
@@ -8891,7 +8891,7 @@
           <a:bodyPr/>
           <a:lstStyle/>
           <a:p>
-            <a:endParaRPr lang="en-US" dirty="0"/>
+            <a:endParaRPr lang="en-US"/>
           </a:p>
         </p:txBody>
       </p:sp>
@@ -8912,9 +8912,9 @@
           <a:p>
             <a:fld id="{6D22F896-40B5-4ADD-8801-0D06FADFA095}" type="slidenum">
               <a:rPr lang="en-US" dirty="0"/>
-              <a:t>‹Nr.›</a:t>
+              <a:t>‹#›</a:t>
             </a:fld>
-            <a:endParaRPr lang="en-US" dirty="0"/>
+            <a:endParaRPr lang="en-US"/>
           </a:p>
         </p:txBody>
       </p:sp>
@@ -8971,7 +8971,7 @@
               <a:rPr lang="de-DE"/>
               <a:t>Mastertitelformat bearbeiten</a:t>
             </a:r>
-            <a:endParaRPr lang="en-US" dirty="0"/>
+            <a:endParaRPr lang="en-US"/>
           </a:p>
         </p:txBody>
       </p:sp>
@@ -9028,7 +9028,7 @@
               <a:rPr lang="de-DE"/>
               <a:t>Fünfte Ebene</a:t>
             </a:r>
-            <a:endParaRPr lang="en-US" dirty="0"/>
+            <a:endParaRPr lang="en-US"/>
           </a:p>
         </p:txBody>
       </p:sp>
@@ -9116,7 +9116,7 @@
               <a:rPr lang="en-US" dirty="0"/>
               <a:t>10/28/2019</a:t>
             </a:fld>
-            <a:endParaRPr lang="en-US" dirty="0"/>
+            <a:endParaRPr lang="en-US"/>
           </a:p>
         </p:txBody>
       </p:sp>
@@ -9135,7 +9135,7 @@
           <a:bodyPr/>
           <a:lstStyle/>
           <a:p>
-            <a:endParaRPr lang="en-US" dirty="0"/>
+            <a:endParaRPr lang="en-US"/>
           </a:p>
         </p:txBody>
       </p:sp>
@@ -9156,9 +9156,9 @@
           <a:p>
             <a:fld id="{6D22F896-40B5-4ADD-8801-0D06FADFA095}" type="slidenum">
               <a:rPr lang="en-US" dirty="0"/>
-              <a:t>‹Nr.›</a:t>
+              <a:t>‹#›</a:t>
             </a:fld>
-            <a:endParaRPr lang="en-US" dirty="0"/>
+            <a:endParaRPr lang="en-US"/>
           </a:p>
         </p:txBody>
       </p:sp>
@@ -9215,7 +9215,7 @@
               <a:rPr lang="de-DE"/>
               <a:t>Mastertitelformat bearbeiten</a:t>
             </a:r>
-            <a:endParaRPr lang="en-US" dirty="0"/>
+            <a:endParaRPr lang="en-US"/>
           </a:p>
         </p:txBody>
       </p:sp>
@@ -9303,7 +9303,7 @@
               <a:rPr lang="de-DE"/>
               <a:t>Bild durch Klicken auf Symbol hinzufügen</a:t>
             </a:r>
-            <a:endParaRPr lang="en-US" dirty="0"/>
+            <a:endParaRPr lang="en-US"/>
           </a:p>
         </p:txBody>
       </p:sp>
@@ -9391,7 +9391,7 @@
               <a:rPr lang="en-US" dirty="0"/>
               <a:t>10/28/2019</a:t>
             </a:fld>
-            <a:endParaRPr lang="en-US" dirty="0"/>
+            <a:endParaRPr lang="en-US"/>
           </a:p>
         </p:txBody>
       </p:sp>
@@ -9410,7 +9410,7 @@
           <a:bodyPr/>
           <a:lstStyle/>
           <a:p>
-            <a:endParaRPr lang="en-US" dirty="0"/>
+            <a:endParaRPr lang="en-US"/>
           </a:p>
         </p:txBody>
       </p:sp>
@@ -9431,9 +9431,9 @@
           <a:p>
             <a:fld id="{6D22F896-40B5-4ADD-8801-0D06FADFA095}" type="slidenum">
               <a:rPr lang="en-US" dirty="0"/>
-              <a:t>‹Nr.›</a:t>
+              <a:t>‹#›</a:t>
             </a:fld>
-            <a:endParaRPr lang="en-US" dirty="0"/>
+            <a:endParaRPr lang="en-US"/>
           </a:p>
         </p:txBody>
       </p:sp>
@@ -9507,7 +9507,7 @@
           <a:noFill/>
           <a:extLst>
             <a:ext uri="{909E8E84-426E-40dd-AFC4-6F175D3DCCD1}">
-              <a14:hiddenFill xmlns="" xmlns:a14="http://schemas.microsoft.com/office/drawing/2010/main">
+              <a14:hiddenFill xmlns:a14="http://schemas.microsoft.com/office/drawing/2010/main" xmlns="">
                 <a:solidFill>
                   <a:srgbClr val="FFFFFF"/>
                 </a:solidFill>
@@ -9581,7 +9581,7 @@
               </a:ln>
               <a:extLst>
                 <a:ext uri="{91240B29-F687-4f45-9708-019B960494DF}">
-                  <a14:hiddenLine xmlns="" xmlns:a14="http://schemas.microsoft.com/office/drawing/2010/main" w="9525">
+                  <a14:hiddenLine xmlns:a14="http://schemas.microsoft.com/office/drawing/2010/main" xmlns="" w="9525">
                     <a:solidFill>
                       <a:srgbClr val="000000"/>
                     </a:solidFill>
@@ -9671,7 +9671,7 @@
               </a:ln>
               <a:extLst>
                 <a:ext uri="{91240B29-F687-4f45-9708-019B960494DF}">
-                  <a14:hiddenLine xmlns="" xmlns:a14="http://schemas.microsoft.com/office/drawing/2010/main" w="9525">
+                  <a14:hiddenLine xmlns:a14="http://schemas.microsoft.com/office/drawing/2010/main" xmlns="" w="9525">
                     <a:solidFill>
                       <a:srgbClr val="000000"/>
                     </a:solidFill>
@@ -9761,7 +9761,7 @@
               </a:ln>
               <a:extLst>
                 <a:ext uri="{91240B29-F687-4f45-9708-019B960494DF}">
-                  <a14:hiddenLine xmlns="" xmlns:a14="http://schemas.microsoft.com/office/drawing/2010/main" w="9525">
+                  <a14:hiddenLine xmlns:a14="http://schemas.microsoft.com/office/drawing/2010/main" xmlns="" w="9525">
                     <a:solidFill>
                       <a:srgbClr val="000000"/>
                     </a:solidFill>
@@ -9823,7 +9823,7 @@
               </a:ln>
               <a:extLst>
                 <a:ext uri="{91240B29-F687-4f45-9708-019B960494DF}">
-                  <a14:hiddenLine xmlns="" xmlns:a14="http://schemas.microsoft.com/office/drawing/2010/main" w="9525">
+                  <a14:hiddenLine xmlns:a14="http://schemas.microsoft.com/office/drawing/2010/main" xmlns="" w="9525">
                     <a:solidFill>
                       <a:srgbClr val="000000"/>
                     </a:solidFill>
@@ -9913,7 +9913,7 @@
               </a:ln>
               <a:extLst>
                 <a:ext uri="{91240B29-F687-4f45-9708-019B960494DF}">
-                  <a14:hiddenLine xmlns="" xmlns:a14="http://schemas.microsoft.com/office/drawing/2010/main" w="9525">
+                  <a14:hiddenLine xmlns:a14="http://schemas.microsoft.com/office/drawing/2010/main" xmlns="" w="9525">
                     <a:solidFill>
                       <a:srgbClr val="000000"/>
                     </a:solidFill>
@@ -9975,7 +9975,7 @@
               </a:ln>
               <a:extLst>
                 <a:ext uri="{91240B29-F687-4f45-9708-019B960494DF}">
-                  <a14:hiddenLine xmlns="" xmlns:a14="http://schemas.microsoft.com/office/drawing/2010/main" w="9525">
+                  <a14:hiddenLine xmlns:a14="http://schemas.microsoft.com/office/drawing/2010/main" xmlns="" w="9525">
                     <a:solidFill>
                       <a:srgbClr val="000000"/>
                     </a:solidFill>
@@ -10037,7 +10037,7 @@
               </a:ln>
               <a:extLst>
                 <a:ext uri="{91240B29-F687-4f45-9708-019B960494DF}">
-                  <a14:hiddenLine xmlns="" xmlns:a14="http://schemas.microsoft.com/office/drawing/2010/main" w="9525">
+                  <a14:hiddenLine xmlns:a14="http://schemas.microsoft.com/office/drawing/2010/main" xmlns="" w="9525">
                     <a:solidFill>
                       <a:srgbClr val="000000"/>
                     </a:solidFill>
@@ -10127,7 +10127,7 @@
               </a:ln>
               <a:extLst>
                 <a:ext uri="{91240B29-F687-4f45-9708-019B960494DF}">
-                  <a14:hiddenLine xmlns="" xmlns:a14="http://schemas.microsoft.com/office/drawing/2010/main" w="9525">
+                  <a14:hiddenLine xmlns:a14="http://schemas.microsoft.com/office/drawing/2010/main" xmlns="" w="9525">
                     <a:solidFill>
                       <a:srgbClr val="000000"/>
                     </a:solidFill>
@@ -10217,7 +10217,7 @@
               </a:ln>
               <a:extLst>
                 <a:ext uri="{91240B29-F687-4f45-9708-019B960494DF}">
-                  <a14:hiddenLine xmlns="" xmlns:a14="http://schemas.microsoft.com/office/drawing/2010/main" w="9525">
+                  <a14:hiddenLine xmlns:a14="http://schemas.microsoft.com/office/drawing/2010/main" xmlns="" w="9525">
                     <a:solidFill>
                       <a:srgbClr val="000000"/>
                     </a:solidFill>
@@ -10279,7 +10279,7 @@
               </a:ln>
               <a:extLst>
                 <a:ext uri="{91240B29-F687-4f45-9708-019B960494DF}">
-                  <a14:hiddenLine xmlns="" xmlns:a14="http://schemas.microsoft.com/office/drawing/2010/main" w="9525">
+                  <a14:hiddenLine xmlns:a14="http://schemas.microsoft.com/office/drawing/2010/main" xmlns="" w="9525">
                     <a:solidFill>
                       <a:srgbClr val="000000"/>
                     </a:solidFill>
@@ -10389,7 +10389,7 @@
               </a:ln>
               <a:extLst>
                 <a:ext uri="{91240B29-F687-4f45-9708-019B960494DF}">
-                  <a14:hiddenLine xmlns="" xmlns:a14="http://schemas.microsoft.com/office/drawing/2010/main" w="9525">
+                  <a14:hiddenLine xmlns:a14="http://schemas.microsoft.com/office/drawing/2010/main" xmlns="" w="9525">
                     <a:solidFill>
                       <a:srgbClr val="000000"/>
                     </a:solidFill>
@@ -10473,7 +10473,7 @@
               </a:ln>
               <a:extLst>
                 <a:ext uri="{91240B29-F687-4f45-9708-019B960494DF}">
-                  <a14:hiddenLine xmlns="" xmlns:a14="http://schemas.microsoft.com/office/drawing/2010/main" w="9525">
+                  <a14:hiddenLine xmlns:a14="http://schemas.microsoft.com/office/drawing/2010/main" xmlns="" w="9525">
                     <a:solidFill>
                       <a:srgbClr val="000000"/>
                     </a:solidFill>
@@ -10535,7 +10535,7 @@
               </a:ln>
               <a:extLst>
                 <a:ext uri="{91240B29-F687-4f45-9708-019B960494DF}">
-                  <a14:hiddenLine xmlns="" xmlns:a14="http://schemas.microsoft.com/office/drawing/2010/main" w="9525">
+                  <a14:hiddenLine xmlns:a14="http://schemas.microsoft.com/office/drawing/2010/main" xmlns="" w="9525">
                     <a:solidFill>
                       <a:srgbClr val="000000"/>
                     </a:solidFill>
@@ -10597,7 +10597,7 @@
               </a:ln>
               <a:extLst>
                 <a:ext uri="{91240B29-F687-4f45-9708-019B960494DF}">
-                  <a14:hiddenLine xmlns="" xmlns:a14="http://schemas.microsoft.com/office/drawing/2010/main" w="9525">
+                  <a14:hiddenLine xmlns:a14="http://schemas.microsoft.com/office/drawing/2010/main" xmlns="" w="9525">
                     <a:solidFill>
                       <a:srgbClr val="000000"/>
                     </a:solidFill>
@@ -10687,7 +10687,7 @@
               </a:ln>
               <a:extLst>
                 <a:ext uri="{91240B29-F687-4f45-9708-019B960494DF}">
-                  <a14:hiddenLine xmlns="" xmlns:a14="http://schemas.microsoft.com/office/drawing/2010/main" w="9525">
+                  <a14:hiddenLine xmlns:a14="http://schemas.microsoft.com/office/drawing/2010/main" xmlns="" w="9525">
                     <a:solidFill>
                       <a:srgbClr val="000000"/>
                     </a:solidFill>
@@ -10721,7 +10721,7 @@
               </a:ln>
               <a:extLst>
                 <a:ext uri="{91240B29-F687-4f45-9708-019B960494DF}">
-                  <a14:hiddenLine xmlns="" xmlns:a14="http://schemas.microsoft.com/office/drawing/2010/main" w="9525">
+                  <a14:hiddenLine xmlns:a14="http://schemas.microsoft.com/office/drawing/2010/main" xmlns="" w="9525">
                     <a:solidFill>
                       <a:srgbClr val="000000"/>
                     </a:solidFill>
@@ -10786,7 +10786,7 @@
               </a:ln>
               <a:extLst>
                 <a:ext uri="{91240B29-F687-4f45-9708-019B960494DF}">
-                  <a14:hiddenLine xmlns="" xmlns:a14="http://schemas.microsoft.com/office/drawing/2010/main" w="9525">
+                  <a14:hiddenLine xmlns:a14="http://schemas.microsoft.com/office/drawing/2010/main" xmlns="" w="9525">
                     <a:solidFill>
                       <a:srgbClr val="000000"/>
                     </a:solidFill>
@@ -10876,7 +10876,7 @@
               </a:ln>
               <a:extLst>
                 <a:ext uri="{91240B29-F687-4f45-9708-019B960494DF}">
-                  <a14:hiddenLine xmlns="" xmlns:a14="http://schemas.microsoft.com/office/drawing/2010/main" w="9525">
+                  <a14:hiddenLine xmlns:a14="http://schemas.microsoft.com/office/drawing/2010/main" xmlns="" w="9525">
                     <a:solidFill>
                       <a:srgbClr val="000000"/>
                     </a:solidFill>
@@ -10938,7 +10938,7 @@
               </a:ln>
               <a:extLst>
                 <a:ext uri="{91240B29-F687-4f45-9708-019B960494DF}">
-                  <a14:hiddenLine xmlns="" xmlns:a14="http://schemas.microsoft.com/office/drawing/2010/main" w="9525">
+                  <a14:hiddenLine xmlns:a14="http://schemas.microsoft.com/office/drawing/2010/main" xmlns="" w="9525">
                     <a:solidFill>
                       <a:srgbClr val="000000"/>
                     </a:solidFill>
@@ -11028,7 +11028,7 @@
               </a:ln>
               <a:extLst>
                 <a:ext uri="{91240B29-F687-4f45-9708-019B960494DF}">
-                  <a14:hiddenLine xmlns="" xmlns:a14="http://schemas.microsoft.com/office/drawing/2010/main" w="9525">
+                  <a14:hiddenLine xmlns:a14="http://schemas.microsoft.com/office/drawing/2010/main" xmlns="" w="9525">
                     <a:solidFill>
                       <a:srgbClr val="000000"/>
                     </a:solidFill>
@@ -11093,7 +11093,7 @@
               </a:ln>
               <a:extLst>
                 <a:ext uri="{91240B29-F687-4f45-9708-019B960494DF}">
-                  <a14:hiddenLine xmlns="" xmlns:a14="http://schemas.microsoft.com/office/drawing/2010/main" w="9525">
+                  <a14:hiddenLine xmlns:a14="http://schemas.microsoft.com/office/drawing/2010/main" xmlns="" w="9525">
                     <a:solidFill>
                       <a:srgbClr val="000000"/>
                     </a:solidFill>
@@ -11155,7 +11155,7 @@
               </a:ln>
               <a:extLst>
                 <a:ext uri="{91240B29-F687-4f45-9708-019B960494DF}">
-                  <a14:hiddenLine xmlns="" xmlns:a14="http://schemas.microsoft.com/office/drawing/2010/main" w="9525">
+                  <a14:hiddenLine xmlns:a14="http://schemas.microsoft.com/office/drawing/2010/main" xmlns="" w="9525">
                     <a:solidFill>
                       <a:srgbClr val="000000"/>
                     </a:solidFill>
@@ -11245,7 +11245,7 @@
               </a:ln>
               <a:extLst>
                 <a:ext uri="{91240B29-F687-4f45-9708-019B960494DF}">
-                  <a14:hiddenLine xmlns="" xmlns:a14="http://schemas.microsoft.com/office/drawing/2010/main" w="9525">
+                  <a14:hiddenLine xmlns:a14="http://schemas.microsoft.com/office/drawing/2010/main" xmlns="" w="9525">
                     <a:solidFill>
                       <a:srgbClr val="000000"/>
                     </a:solidFill>
@@ -11335,7 +11335,7 @@
               </a:ln>
               <a:extLst>
                 <a:ext uri="{91240B29-F687-4f45-9708-019B960494DF}">
-                  <a14:hiddenLine xmlns="" xmlns:a14="http://schemas.microsoft.com/office/drawing/2010/main" w="9525">
+                  <a14:hiddenLine xmlns:a14="http://schemas.microsoft.com/office/drawing/2010/main" xmlns="" w="9525">
                     <a:solidFill>
                       <a:srgbClr val="000000"/>
                     </a:solidFill>
@@ -11400,7 +11400,7 @@
               </a:ln>
               <a:extLst>
                 <a:ext uri="{91240B29-F687-4f45-9708-019B960494DF}">
-                  <a14:hiddenLine xmlns="" xmlns:a14="http://schemas.microsoft.com/office/drawing/2010/main" w="9525">
+                  <a14:hiddenLine xmlns:a14="http://schemas.microsoft.com/office/drawing/2010/main" xmlns="" w="9525">
                     <a:solidFill>
                       <a:srgbClr val="000000"/>
                     </a:solidFill>
@@ -11520,7 +11520,7 @@
               </a:ln>
               <a:extLst>
                 <a:ext uri="{91240B29-F687-4f45-9708-019B960494DF}">
-                  <a14:hiddenLine xmlns="" xmlns:a14="http://schemas.microsoft.com/office/drawing/2010/main" w="9525">
+                  <a14:hiddenLine xmlns:a14="http://schemas.microsoft.com/office/drawing/2010/main" xmlns="" w="9525">
                     <a:solidFill>
                       <a:srgbClr val="000000"/>
                     </a:solidFill>
@@ -11618,7 +11618,7 @@
               </a:ln>
               <a:extLst>
                 <a:ext uri="{91240B29-F687-4f45-9708-019B960494DF}">
-                  <a14:hiddenLine xmlns="" xmlns:a14="http://schemas.microsoft.com/office/drawing/2010/main" w="9525">
+                  <a14:hiddenLine xmlns:a14="http://schemas.microsoft.com/office/drawing/2010/main" xmlns="" w="9525">
                     <a:solidFill>
                       <a:srgbClr val="000000"/>
                     </a:solidFill>
@@ -11733,7 +11733,7 @@
               </a:ln>
               <a:extLst>
                 <a:ext uri="{91240B29-F687-4f45-9708-019B960494DF}">
-                  <a14:hiddenLine xmlns="" xmlns:a14="http://schemas.microsoft.com/office/drawing/2010/main" w="9525">
+                  <a14:hiddenLine xmlns:a14="http://schemas.microsoft.com/office/drawing/2010/main" xmlns="" w="9525">
                     <a:solidFill>
                       <a:srgbClr val="000000"/>
                     </a:solidFill>
@@ -11823,7 +11823,7 @@
               </a:ln>
               <a:extLst>
                 <a:ext uri="{91240B29-F687-4f45-9708-019B960494DF}">
-                  <a14:hiddenLine xmlns="" xmlns:a14="http://schemas.microsoft.com/office/drawing/2010/main" w="9525">
+                  <a14:hiddenLine xmlns:a14="http://schemas.microsoft.com/office/drawing/2010/main" xmlns="" w="9525">
                     <a:solidFill>
                       <a:srgbClr val="000000"/>
                     </a:solidFill>
@@ -11888,7 +11888,7 @@
               </a:ln>
               <a:extLst>
                 <a:ext uri="{91240B29-F687-4f45-9708-019B960494DF}">
-                  <a14:hiddenLine xmlns="" xmlns:a14="http://schemas.microsoft.com/office/drawing/2010/main" w="9525">
+                  <a14:hiddenLine xmlns:a14="http://schemas.microsoft.com/office/drawing/2010/main" xmlns="" w="9525">
                     <a:solidFill>
                       <a:srgbClr val="000000"/>
                     </a:solidFill>
@@ -11978,7 +11978,7 @@
               </a:ln>
               <a:extLst>
                 <a:ext uri="{91240B29-F687-4f45-9708-019B960494DF}">
-                  <a14:hiddenLine xmlns="" xmlns:a14="http://schemas.microsoft.com/office/drawing/2010/main" w="9525">
+                  <a14:hiddenLine xmlns:a14="http://schemas.microsoft.com/office/drawing/2010/main" xmlns="" w="9525">
                     <a:solidFill>
                       <a:srgbClr val="000000"/>
                     </a:solidFill>
@@ -12046,7 +12046,7 @@
               </a:ln>
               <a:extLst>
                 <a:ext uri="{91240B29-F687-4f45-9708-019B960494DF}">
-                  <a14:hiddenLine xmlns="" xmlns:a14="http://schemas.microsoft.com/office/drawing/2010/main" w="9525">
+                  <a14:hiddenLine xmlns:a14="http://schemas.microsoft.com/office/drawing/2010/main" xmlns="" w="9525">
                     <a:solidFill>
                       <a:srgbClr val="000000"/>
                     </a:solidFill>
@@ -12136,7 +12136,7 @@
               </a:ln>
               <a:extLst>
                 <a:ext uri="{91240B29-F687-4f45-9708-019B960494DF}">
-                  <a14:hiddenLine xmlns="" xmlns:a14="http://schemas.microsoft.com/office/drawing/2010/main" w="9525">
+                  <a14:hiddenLine xmlns:a14="http://schemas.microsoft.com/office/drawing/2010/main" xmlns="" w="9525">
                     <a:solidFill>
                       <a:srgbClr val="000000"/>
                     </a:solidFill>
@@ -12204,7 +12204,7 @@
               </a:ln>
               <a:extLst>
                 <a:ext uri="{91240B29-F687-4f45-9708-019B960494DF}">
-                  <a14:hiddenLine xmlns="" xmlns:a14="http://schemas.microsoft.com/office/drawing/2010/main" w="9525">
+                  <a14:hiddenLine xmlns:a14="http://schemas.microsoft.com/office/drawing/2010/main" xmlns="" w="9525">
                     <a:solidFill>
                       <a:srgbClr val="000000"/>
                     </a:solidFill>
@@ -12294,7 +12294,7 @@
               </a:ln>
               <a:extLst>
                 <a:ext uri="{91240B29-F687-4f45-9708-019B960494DF}">
-                  <a14:hiddenLine xmlns="" xmlns:a14="http://schemas.microsoft.com/office/drawing/2010/main" w="9525">
+                  <a14:hiddenLine xmlns:a14="http://schemas.microsoft.com/office/drawing/2010/main" xmlns="" w="9525">
                     <a:solidFill>
                       <a:srgbClr val="000000"/>
                     </a:solidFill>
@@ -12328,7 +12328,7 @@
               </a:ln>
               <a:extLst>
                 <a:ext uri="{91240B29-F687-4f45-9708-019B960494DF}">
-                  <a14:hiddenLine xmlns="" xmlns:a14="http://schemas.microsoft.com/office/drawing/2010/main" w="9525">
+                  <a14:hiddenLine xmlns:a14="http://schemas.microsoft.com/office/drawing/2010/main" xmlns="" w="9525">
                     <a:solidFill>
                       <a:srgbClr val="000000"/>
                     </a:solidFill>
@@ -12367,7 +12367,7 @@
           </a:bodyPr>
           <a:lstStyle/>
           <a:p>
-            <a:endParaRPr lang="en-US" dirty="0"/>
+            <a:endParaRPr lang="en-US"/>
           </a:p>
         </p:txBody>
       </p:sp>
@@ -12429,7 +12429,7 @@
               <a:rPr lang="de-DE"/>
               <a:t>Fünfte Ebene</a:t>
             </a:r>
-            <a:endParaRPr lang="en-US" dirty="0"/>
+            <a:endParaRPr lang="en-US"/>
           </a:p>
         </p:txBody>
       </p:sp>
@@ -12471,7 +12471,7 @@
               <a:pPr/>
               <a:t>10/28/2019</a:t>
             </a:fld>
-            <a:endParaRPr lang="en-US" dirty="0"/>
+            <a:endParaRPr lang="en-US"/>
           </a:p>
         </p:txBody>
       </p:sp>
@@ -12508,7 +12508,7 @@
             </a:lvl1pPr>
           </a:lstStyle>
           <a:p>
-            <a:endParaRPr lang="en-US" dirty="0"/>
+            <a:endParaRPr lang="en-US"/>
           </a:p>
         </p:txBody>
       </p:sp>
@@ -12548,9 +12548,9 @@
             <a:fld id="{6D22F896-40B5-4ADD-8801-0D06FADFA095}" type="slidenum">
               <a:rPr lang="en-US" dirty="0"/>
               <a:pPr/>
-              <a:t>‹Nr.›</a:t>
+              <a:t>‹#›</a:t>
             </a:fld>
-            <a:endParaRPr lang="en-US" dirty="0"/>
+            <a:endParaRPr lang="en-US"/>
           </a:p>
         </p:txBody>
       </p:sp>
@@ -12949,18 +12949,18 @@
           <a:lstStyle/>
           <a:p>
             <a:r>
-              <a:rPr lang="de-DE" dirty="0" err="1"/>
+              <a:rPr lang="de-DE" err="1"/>
               <a:t>Bookdown</a:t>
             </a:r>
             <a:r>
-              <a:rPr lang="de-DE" dirty="0"/>
+              <a:rPr lang="de-DE"/>
               <a:t> and </a:t>
             </a:r>
             <a:r>
-              <a:rPr lang="de-DE" dirty="0" err="1"/>
+              <a:rPr lang="de-DE" err="1"/>
               <a:t>Forcats</a:t>
             </a:r>
-            <a:endParaRPr lang="de-DE" dirty="0"/>
+            <a:endParaRPr lang="de-DE"/>
           </a:p>
         </p:txBody>
       </p:sp>
@@ -12992,20 +12992,20 @@
           </a:bodyPr>
           <a:lstStyle/>
           <a:p>
-            <a:endParaRPr lang="de-DE" dirty="0"/>
-          </a:p>
-          <a:p>
-            <a:endParaRPr lang="de-DE" dirty="0"/>
-          </a:p>
-          <a:p>
-            <a:endParaRPr lang="de-DE" dirty="0"/>
-          </a:p>
-          <a:p>
-            <a:endParaRPr lang="de-DE" dirty="0"/>
-          </a:p>
-          <a:p>
-            <a:r>
-              <a:rPr lang="de-DE" dirty="0"/>
+            <a:endParaRPr lang="de-DE"/>
+          </a:p>
+          <a:p>
+            <a:endParaRPr lang="de-DE"/>
+          </a:p>
+          <a:p>
+            <a:endParaRPr lang="de-DE"/>
+          </a:p>
+          <a:p>
+            <a:endParaRPr lang="de-DE"/>
+          </a:p>
+          <a:p>
+            <a:r>
+              <a:rPr lang="de-DE"/>
               <a:t>Von Benjamin Haberkorn und Alexander Kleine</a:t>
             </a:r>
           </a:p>
@@ -13071,7 +13071,7 @@
           <a:lstStyle/>
           <a:p>
             <a:r>
-              <a:rPr lang="de-DE" dirty="0" err="1">
+              <a:rPr lang="de-DE" err="1">
                 <a:solidFill>
                   <a:schemeClr val="bg1"/>
                 </a:solidFill>
@@ -13079,7 +13079,7 @@
               <a:t>Examples</a:t>
             </a:r>
             <a:r>
-              <a:rPr lang="de-DE" dirty="0">
+              <a:rPr lang="de-DE">
                 <a:solidFill>
                   <a:schemeClr val="bg1"/>
                 </a:solidFill>
@@ -13087,7 +13087,7 @@
               <a:t> </a:t>
             </a:r>
             <a:r>
-              <a:rPr lang="de-DE" dirty="0" err="1">
+              <a:rPr lang="de-DE" err="1">
                 <a:solidFill>
                   <a:schemeClr val="bg1"/>
                 </a:solidFill>
@@ -13095,7 +13095,7 @@
               <a:t>with</a:t>
             </a:r>
             <a:r>
-              <a:rPr lang="de-DE" dirty="0">
+              <a:rPr lang="de-DE">
                 <a:solidFill>
                   <a:schemeClr val="bg1"/>
                 </a:solidFill>
@@ -13103,14 +13103,14 @@
               <a:t> </a:t>
             </a:r>
             <a:r>
-              <a:rPr lang="de-DE" dirty="0" err="1">
+              <a:rPr lang="de-DE" err="1">
                 <a:solidFill>
                   <a:schemeClr val="bg1"/>
                 </a:solidFill>
               </a:rPr>
               <a:t>Forcats</a:t>
             </a:r>
-            <a:endParaRPr lang="de-DE" dirty="0">
+            <a:endParaRPr lang="de-DE">
               <a:solidFill>
                 <a:schemeClr val="bg1"/>
               </a:solidFill>
@@ -13244,7 +13244,7 @@
               <a:buChar char="•"/>
             </a:pPr>
             <a:r>
-              <a:rPr lang="de-DE" sz="2200" dirty="0">
+              <a:rPr lang="de-DE" sz="2200">
                 <a:solidFill>
                   <a:schemeClr val="bg1"/>
                 </a:solidFill>
@@ -13259,7 +13259,7 @@
               <a:t>The </a:t>
             </a:r>
             <a:r>
-              <a:rPr lang="de-DE" sz="2200" dirty="0" err="1">
+              <a:rPr lang="de-DE" sz="2200" err="1">
                 <a:solidFill>
                   <a:schemeClr val="bg1"/>
                 </a:solidFill>
@@ -13274,7 +13274,7 @@
               <a:t>forcats</a:t>
             </a:r>
             <a:r>
-              <a:rPr lang="de-DE" sz="2200" dirty="0">
+              <a:rPr lang="de-DE" sz="2200">
                 <a:solidFill>
                   <a:schemeClr val="bg1"/>
                 </a:solidFill>
@@ -13289,7 +13289,7 @@
               <a:t> </a:t>
             </a:r>
             <a:r>
-              <a:rPr lang="de-DE" sz="2200" dirty="0" err="1">
+              <a:rPr lang="de-DE" sz="2200" err="1">
                 <a:solidFill>
                   <a:schemeClr val="bg1"/>
                 </a:solidFill>
@@ -13304,7 +13304,7 @@
               <a:t>package</a:t>
             </a:r>
             <a:r>
-              <a:rPr lang="de-DE" sz="2200" dirty="0">
+              <a:rPr lang="de-DE" sz="2200">
                 <a:solidFill>
                   <a:schemeClr val="bg1"/>
                 </a:solidFill>
@@ -13319,7 +13319,7 @@
               <a:t> </a:t>
             </a:r>
             <a:r>
-              <a:rPr lang="de-DE" sz="2200" dirty="0" err="1">
+              <a:rPr lang="de-DE" sz="2200" err="1">
                 <a:solidFill>
                   <a:schemeClr val="bg1"/>
                 </a:solidFill>
@@ -13334,7 +13334,7 @@
               <a:t>includes</a:t>
             </a:r>
             <a:r>
-              <a:rPr lang="de-DE" sz="2200" dirty="0">
+              <a:rPr lang="de-DE" sz="2200">
                 <a:solidFill>
                   <a:schemeClr val="bg1"/>
                 </a:solidFill>
@@ -13349,7 +13349,7 @@
               <a:t> </a:t>
             </a:r>
             <a:r>
-              <a:rPr lang="de-DE" sz="2200" dirty="0" err="1">
+              <a:rPr lang="de-DE" sz="2200" err="1">
                 <a:solidFill>
                   <a:schemeClr val="bg1"/>
                 </a:solidFill>
@@ -13364,7 +13364,7 @@
               <a:t>utility</a:t>
             </a:r>
             <a:r>
-              <a:rPr lang="de-DE" sz="2200" dirty="0">
+              <a:rPr lang="de-DE" sz="2200">
                 <a:solidFill>
                   <a:schemeClr val="bg1"/>
                 </a:solidFill>
@@ -13379,7 +13379,7 @@
               <a:t> </a:t>
             </a:r>
             <a:r>
-              <a:rPr lang="de-DE" sz="2200" dirty="0" err="1">
+              <a:rPr lang="de-DE" sz="2200" err="1">
                 <a:solidFill>
                   <a:schemeClr val="bg1"/>
                 </a:solidFill>
@@ -13394,7 +13394,7 @@
               <a:t>functions</a:t>
             </a:r>
             <a:r>
-              <a:rPr lang="de-DE" sz="2200" dirty="0">
+              <a:rPr lang="de-DE" sz="2200">
                 <a:solidFill>
                   <a:schemeClr val="bg1"/>
                 </a:solidFill>
@@ -13409,7 +13409,7 @@
               <a:t> </a:t>
             </a:r>
             <a:r>
-              <a:rPr lang="de-DE" sz="2200" dirty="0" err="1">
+              <a:rPr lang="de-DE" sz="2200" err="1">
                 <a:solidFill>
                   <a:schemeClr val="bg1"/>
                 </a:solidFill>
@@ -13424,7 +13424,7 @@
               <a:t>for</a:t>
             </a:r>
             <a:r>
-              <a:rPr lang="de-DE" sz="2200" dirty="0">
+              <a:rPr lang="de-DE" sz="2200">
                 <a:solidFill>
                   <a:schemeClr val="bg1"/>
                 </a:solidFill>
@@ -13439,7 +13439,7 @@
               <a:t> </a:t>
             </a:r>
             <a:r>
-              <a:rPr lang="de-DE" sz="2200" dirty="0" err="1">
+              <a:rPr lang="de-DE" sz="2200" err="1">
                 <a:solidFill>
                   <a:schemeClr val="bg1"/>
                 </a:solidFill>
@@ -13454,7 +13454,7 @@
               <a:t>working</a:t>
             </a:r>
             <a:r>
-              <a:rPr lang="de-DE" sz="2200" dirty="0">
+              <a:rPr lang="de-DE" sz="2200">
                 <a:solidFill>
                   <a:schemeClr val="bg1"/>
                 </a:solidFill>
@@ -13469,7 +13469,7 @@
               <a:t> </a:t>
             </a:r>
             <a:r>
-              <a:rPr lang="de-DE" sz="2200" dirty="0" err="1">
+              <a:rPr lang="de-DE" sz="2200" err="1">
                 <a:solidFill>
                   <a:schemeClr val="bg1"/>
                 </a:solidFill>
@@ -13484,7 +13484,7 @@
               <a:t>with</a:t>
             </a:r>
             <a:r>
-              <a:rPr lang="de-DE" sz="2200" dirty="0">
+              <a:rPr lang="de-DE" sz="2200">
                 <a:solidFill>
                   <a:schemeClr val="bg1"/>
                 </a:solidFill>
@@ -13499,7 +13499,7 @@
               <a:t> </a:t>
             </a:r>
             <a:r>
-              <a:rPr lang="de-DE" sz="2200" dirty="0" err="1">
+              <a:rPr lang="de-DE" sz="2200" err="1">
                 <a:solidFill>
                   <a:schemeClr val="bg1"/>
                 </a:solidFill>
@@ -13513,7 +13513,7 @@
               </a:rPr>
               <a:t>factors</a:t>
             </a:r>
-            <a:endParaRPr lang="de-DE" sz="2200" dirty="0">
+            <a:endParaRPr lang="de-DE" sz="2200">
               <a:solidFill>
                 <a:schemeClr val="bg1"/>
               </a:solidFill>
@@ -13588,7 +13588,7 @@
           <a:lstStyle/>
           <a:p>
             <a:r>
-              <a:rPr lang="de-DE" dirty="0" err="1">
+              <a:rPr lang="de-DE" err="1">
                 <a:solidFill>
                   <a:schemeClr val="bg1"/>
                 </a:solidFill>
@@ -13596,7 +13596,7 @@
               <a:t>Thanks</a:t>
             </a:r>
             <a:r>
-              <a:rPr lang="de-DE" dirty="0">
+              <a:rPr lang="de-DE">
                 <a:solidFill>
                   <a:schemeClr val="bg1"/>
                 </a:solidFill>
@@ -13604,7 +13604,7 @@
               <a:t> </a:t>
             </a:r>
             <a:r>
-              <a:rPr lang="de-DE" dirty="0" err="1">
+              <a:rPr lang="de-DE" err="1">
                 <a:solidFill>
                   <a:schemeClr val="bg1"/>
                 </a:solidFill>
@@ -13612,7 +13612,7 @@
               <a:t>for</a:t>
             </a:r>
             <a:r>
-              <a:rPr lang="de-DE" dirty="0">
+              <a:rPr lang="de-DE">
                 <a:solidFill>
                   <a:schemeClr val="bg1"/>
                 </a:solidFill>
@@ -13620,7 +13620,7 @@
               <a:t> </a:t>
             </a:r>
             <a:r>
-              <a:rPr lang="de-DE" dirty="0" err="1">
+              <a:rPr lang="de-DE" err="1">
                 <a:solidFill>
                   <a:schemeClr val="bg1"/>
                 </a:solidFill>
@@ -13628,7 +13628,7 @@
               <a:t>the</a:t>
             </a:r>
             <a:r>
-              <a:rPr lang="de-DE" dirty="0">
+              <a:rPr lang="de-DE">
                 <a:solidFill>
                   <a:schemeClr val="bg1"/>
                 </a:solidFill>
@@ -13636,14 +13636,14 @@
               <a:t> </a:t>
             </a:r>
             <a:r>
-              <a:rPr lang="de-DE" dirty="0" err="1">
+              <a:rPr lang="de-DE" err="1">
                 <a:solidFill>
                   <a:schemeClr val="bg1"/>
                 </a:solidFill>
               </a:rPr>
               <a:t>attention</a:t>
             </a:r>
-            <a:endParaRPr lang="de-DE" dirty="0">
+            <a:endParaRPr lang="de-DE">
               <a:solidFill>
                 <a:schemeClr val="bg1"/>
               </a:solidFill>
@@ -13731,7 +13731,7 @@
           <a:lstStyle/>
           <a:p>
             <a:r>
-              <a:rPr lang="de-DE" sz="3600" cap="all" dirty="0">
+              <a:rPr lang="de-DE" sz="3600" cap="all">
                 <a:solidFill>
                   <a:schemeClr val="bg1"/>
                 </a:solidFill>
@@ -13749,7 +13749,7 @@
               <a:t>All </a:t>
             </a:r>
             <a:r>
-              <a:rPr lang="de-DE" sz="3600" cap="all" dirty="0" err="1">
+              <a:rPr lang="de-DE" sz="3600" cap="all" err="1">
                 <a:solidFill>
                   <a:schemeClr val="bg1"/>
                 </a:solidFill>
@@ -13767,7 +13767,7 @@
               <a:t>content</a:t>
             </a:r>
             <a:r>
-              <a:rPr lang="de-DE" sz="3600" cap="all" dirty="0">
+              <a:rPr lang="de-DE" sz="3600" cap="all">
                 <a:solidFill>
                   <a:schemeClr val="bg1"/>
                 </a:solidFill>
@@ -13785,7 +13785,7 @@
               <a:t> </a:t>
             </a:r>
             <a:r>
-              <a:rPr lang="de-DE" sz="3600" cap="all" dirty="0" err="1">
+              <a:rPr lang="de-DE" sz="3600" cap="all" err="1">
                 <a:solidFill>
                   <a:schemeClr val="bg1"/>
                 </a:solidFill>
@@ -13803,7 +13803,7 @@
               <a:t>under</a:t>
             </a:r>
             <a:r>
-              <a:rPr lang="de-DE" sz="3600" cap="all" dirty="0">
+              <a:rPr lang="de-DE" sz="3600" cap="all">
                 <a:solidFill>
                   <a:schemeClr val="bg1"/>
                 </a:solidFill>
@@ -13823,7 +13823,7 @@
           </a:p>
           <a:p>
             <a:r>
-              <a:rPr lang="de-DE" sz="3600" cap="all" dirty="0">
+              <a:rPr lang="de-DE" sz="3600" cap="all">
                 <a:solidFill>
                   <a:schemeClr val="bg1"/>
                 </a:solidFill>
@@ -13935,7 +13935,7 @@
           <a:lstStyle/>
           <a:p>
             <a:r>
-              <a:rPr lang="de-DE" dirty="0" err="1">
+              <a:rPr lang="de-DE" err="1">
                 <a:solidFill>
                   <a:schemeClr val="bg1"/>
                 </a:solidFill>
@@ -13943,7 +13943,7 @@
               <a:t>What</a:t>
             </a:r>
             <a:r>
-              <a:rPr lang="de-DE" dirty="0">
+              <a:rPr lang="de-DE">
                 <a:solidFill>
                   <a:schemeClr val="bg1"/>
                 </a:solidFill>
@@ -13951,7 +13951,7 @@
               <a:t> </a:t>
             </a:r>
             <a:r>
-              <a:rPr lang="de-DE" dirty="0" err="1">
+              <a:rPr lang="de-DE" err="1">
                 <a:solidFill>
                   <a:schemeClr val="bg1"/>
                 </a:solidFill>
@@ -13959,7 +13959,7 @@
               <a:t>is</a:t>
             </a:r>
             <a:r>
-              <a:rPr lang="de-DE" dirty="0">
+              <a:rPr lang="de-DE">
                 <a:solidFill>
                   <a:schemeClr val="bg1"/>
                 </a:solidFill>
@@ -13967,7 +13967,7 @@
               <a:t> b</a:t>
             </a:r>
             <a:r>
-              <a:rPr lang="en-GB" dirty="0" err="1">
+              <a:rPr lang="en-GB" err="1">
                 <a:solidFill>
                   <a:schemeClr val="bg1"/>
                 </a:solidFill>
@@ -13975,7 +13975,7 @@
               <a:t>logdown</a:t>
             </a:r>
             <a:r>
-              <a:rPr lang="de-DE" dirty="0">
+              <a:rPr lang="de-DE">
                 <a:solidFill>
                   <a:schemeClr val="bg1"/>
                 </a:solidFill>
@@ -13985,7 +13985,7 @@
           </a:p>
           <a:p>
             <a:r>
-              <a:rPr lang="de-DE" dirty="0" err="1">
+              <a:rPr lang="de-DE" err="1">
                 <a:solidFill>
                   <a:schemeClr val="bg1"/>
                 </a:solidFill>
@@ -13993,7 +13993,7 @@
               <a:t>How</a:t>
             </a:r>
             <a:r>
-              <a:rPr lang="de-DE" dirty="0">
+              <a:rPr lang="de-DE">
                 <a:solidFill>
                   <a:schemeClr val="bg1"/>
                 </a:solidFill>
@@ -14001,7 +14001,7 @@
               <a:t> </a:t>
             </a:r>
             <a:r>
-              <a:rPr lang="de-DE" dirty="0" err="1">
+              <a:rPr lang="de-DE" err="1">
                 <a:solidFill>
                   <a:schemeClr val="bg1"/>
                 </a:solidFill>
@@ -14009,7 +14009,7 @@
               <a:t>is</a:t>
             </a:r>
             <a:r>
-              <a:rPr lang="de-DE" dirty="0">
+              <a:rPr lang="de-DE">
                 <a:solidFill>
                   <a:schemeClr val="bg1"/>
                 </a:solidFill>
@@ -14017,7 +14017,7 @@
               <a:t> </a:t>
             </a:r>
             <a:r>
-              <a:rPr lang="de-DE" dirty="0" err="1">
+              <a:rPr lang="de-DE" err="1">
                 <a:solidFill>
                   <a:schemeClr val="bg1"/>
                 </a:solidFill>
@@ -14025,7 +14025,7 @@
               <a:t>blogdown</a:t>
             </a:r>
             <a:r>
-              <a:rPr lang="de-DE" dirty="0">
+              <a:rPr lang="de-DE">
                 <a:solidFill>
                   <a:schemeClr val="bg1"/>
                 </a:solidFill>
@@ -14033,7 +14033,7 @@
               <a:t> </a:t>
             </a:r>
             <a:r>
-              <a:rPr lang="de-DE" dirty="0" err="1">
+              <a:rPr lang="de-DE" err="1">
                 <a:solidFill>
                   <a:schemeClr val="bg1"/>
                 </a:solidFill>
@@ -14041,7 +14041,7 @@
               <a:t>structured</a:t>
             </a:r>
             <a:r>
-              <a:rPr lang="de-DE" dirty="0">
+              <a:rPr lang="de-DE">
                 <a:solidFill>
                   <a:schemeClr val="bg1"/>
                 </a:solidFill>
@@ -14051,7 +14051,7 @@
           </a:p>
           <a:p>
             <a:r>
-              <a:rPr lang="en-US" dirty="0">
+              <a:rPr lang="en-US">
                 <a:solidFill>
                   <a:schemeClr val="bg1"/>
                 </a:solidFill>
@@ -14059,14 +14059,14 @@
               <a:t>Example and operations of </a:t>
             </a:r>
             <a:r>
-              <a:rPr lang="en-US" dirty="0" err="1">
+              <a:rPr lang="en-US" err="1">
                 <a:solidFill>
                   <a:schemeClr val="bg1"/>
                 </a:solidFill>
               </a:rPr>
               <a:t>Blogdown</a:t>
             </a:r>
-            <a:endParaRPr lang="en-US" dirty="0">
+            <a:endParaRPr lang="en-US">
               <a:solidFill>
                 <a:schemeClr val="bg1"/>
               </a:solidFill>
@@ -14074,7 +14074,7 @@
           </a:p>
           <a:p>
             <a:r>
-              <a:rPr lang="de-DE" dirty="0">
+              <a:rPr lang="de-DE">
                 <a:solidFill>
                   <a:schemeClr val="bg1"/>
                 </a:solidFill>
@@ -14082,7 +14082,7 @@
               <a:t>Open </a:t>
             </a:r>
             <a:r>
-              <a:rPr lang="de-DE" dirty="0" err="1">
+              <a:rPr lang="de-DE" err="1">
                 <a:solidFill>
                   <a:schemeClr val="bg1"/>
                 </a:solidFill>
@@ -14090,7 +14090,7 @@
               <a:t>Weather</a:t>
             </a:r>
             <a:r>
-              <a:rPr lang="de-DE" dirty="0">
+              <a:rPr lang="de-DE">
                 <a:solidFill>
                   <a:schemeClr val="bg1"/>
                 </a:solidFill>
@@ -14098,14 +14098,14 @@
               <a:t> </a:t>
             </a:r>
             <a:r>
-              <a:rPr lang="de-DE" dirty="0" err="1">
+              <a:rPr lang="de-DE" err="1">
                 <a:solidFill>
                   <a:schemeClr val="bg1"/>
                 </a:solidFill>
               </a:rPr>
               <a:t>Map</a:t>
             </a:r>
-            <a:endParaRPr lang="de-DE" dirty="0">
+            <a:endParaRPr lang="de-DE">
               <a:solidFill>
                 <a:schemeClr val="bg1"/>
               </a:solidFill>
@@ -14113,7 +14113,7 @@
           </a:p>
           <a:p>
             <a:r>
-              <a:rPr lang="de-DE" dirty="0" err="1">
+              <a:rPr lang="de-DE" err="1">
                 <a:solidFill>
                   <a:schemeClr val="bg1"/>
                 </a:solidFill>
@@ -14121,7 +14121,7 @@
               <a:t>What</a:t>
             </a:r>
             <a:r>
-              <a:rPr lang="de-DE" dirty="0">
+              <a:rPr lang="de-DE">
                 <a:solidFill>
                   <a:schemeClr val="bg1"/>
                 </a:solidFill>
@@ -14129,7 +14129,7 @@
               <a:t> </a:t>
             </a:r>
             <a:r>
-              <a:rPr lang="de-DE" dirty="0" err="1">
+              <a:rPr lang="de-DE" err="1">
                 <a:solidFill>
                   <a:schemeClr val="bg1"/>
                 </a:solidFill>
@@ -14137,7 +14137,7 @@
               <a:t>are</a:t>
             </a:r>
             <a:r>
-              <a:rPr lang="de-DE" dirty="0">
+              <a:rPr lang="de-DE">
                 <a:solidFill>
                   <a:schemeClr val="bg1"/>
                 </a:solidFill>
@@ -14145,7 +14145,7 @@
               <a:t> </a:t>
             </a:r>
             <a:r>
-              <a:rPr lang="de-DE" dirty="0" err="1">
+              <a:rPr lang="de-DE" err="1">
                 <a:solidFill>
                   <a:schemeClr val="bg1"/>
                 </a:solidFill>
@@ -14153,7 +14153,7 @@
               <a:t>facotors</a:t>
             </a:r>
             <a:r>
-              <a:rPr lang="de-DE" dirty="0">
+              <a:rPr lang="de-DE">
                 <a:solidFill>
                   <a:schemeClr val="bg1"/>
                 </a:solidFill>
@@ -14163,7 +14163,7 @@
           </a:p>
           <a:p>
             <a:r>
-              <a:rPr lang="de-DE" dirty="0" err="1">
+              <a:rPr lang="de-DE" err="1">
                 <a:solidFill>
                   <a:schemeClr val="bg1"/>
                 </a:solidFill>
@@ -14171,7 +14171,7 @@
               <a:t>Examples</a:t>
             </a:r>
             <a:r>
-              <a:rPr lang="de-DE" dirty="0">
+              <a:rPr lang="de-DE">
                 <a:solidFill>
                   <a:schemeClr val="bg1"/>
                 </a:solidFill>
@@ -14179,7 +14179,7 @@
               <a:t> </a:t>
             </a:r>
             <a:r>
-              <a:rPr lang="de-DE" dirty="0" err="1">
+              <a:rPr lang="de-DE" err="1">
                 <a:solidFill>
                   <a:schemeClr val="bg1"/>
                 </a:solidFill>
@@ -14187,7 +14187,7 @@
               <a:t>with</a:t>
             </a:r>
             <a:r>
-              <a:rPr lang="de-DE" dirty="0">
+              <a:rPr lang="de-DE">
                 <a:solidFill>
                   <a:schemeClr val="bg1"/>
                 </a:solidFill>
@@ -14195,14 +14195,14 @@
               <a:t> </a:t>
             </a:r>
             <a:r>
-              <a:rPr lang="de-DE" dirty="0" err="1">
+              <a:rPr lang="de-DE" err="1">
                 <a:solidFill>
                   <a:schemeClr val="bg1"/>
                 </a:solidFill>
               </a:rPr>
               <a:t>Forcats</a:t>
             </a:r>
-            <a:endParaRPr lang="de-DE" dirty="0">
+            <a:endParaRPr lang="de-DE">
               <a:solidFill>
                 <a:schemeClr val="bg1"/>
               </a:solidFill>
@@ -14391,7 +14391,7 @@
           <a:lstStyle/>
           <a:p>
             <a:r>
-              <a:rPr lang="en-US" dirty="0">
+              <a:rPr lang="en-US">
                 <a:solidFill>
                   <a:schemeClr val="bg1"/>
                 </a:solidFill>
@@ -14400,7 +14400,7 @@
             </a:r>
           </a:p>
           <a:p>
-            <a:endParaRPr lang="en-US" dirty="0">
+            <a:endParaRPr lang="en-US">
               <a:solidFill>
                 <a:schemeClr val="bg1"/>
               </a:solidFill>
@@ -14408,7 +14408,7 @@
           </a:p>
           <a:p>
             <a:r>
-              <a:rPr lang="en-US" dirty="0">
+              <a:rPr lang="en-US">
                 <a:solidFill>
                   <a:schemeClr val="bg1"/>
                 </a:solidFill>
@@ -14416,7 +14416,7 @@
               <a:t>Uses only html, </a:t>
             </a:r>
             <a:r>
-              <a:rPr lang="en-US" dirty="0" err="1">
+              <a:rPr lang="en-US" err="1">
                 <a:solidFill>
                   <a:schemeClr val="bg1"/>
                 </a:solidFill>
@@ -14424,7 +14424,7 @@
               <a:t>css</a:t>
             </a:r>
             <a:r>
-              <a:rPr lang="en-US" dirty="0">
+              <a:rPr lang="en-US">
                 <a:solidFill>
                   <a:schemeClr val="bg1"/>
                 </a:solidFill>
@@ -14432,7 +14432,7 @@
               <a:t> and </a:t>
             </a:r>
             <a:r>
-              <a:rPr lang="en-US" dirty="0" err="1">
+              <a:rPr lang="en-US" err="1">
                 <a:solidFill>
                   <a:schemeClr val="bg1"/>
                 </a:solidFill>
@@ -14440,7 +14440,7 @@
               <a:t>javascript</a:t>
             </a:r>
             <a:r>
-              <a:rPr lang="en-US" dirty="0">
+              <a:rPr lang="en-US">
                 <a:solidFill>
                   <a:schemeClr val="bg1"/>
                 </a:solidFill>
@@ -14449,7 +14449,7 @@
             </a:r>
           </a:p>
           <a:p>
-            <a:endParaRPr lang="en-US" dirty="0">
+            <a:endParaRPr lang="en-US">
               <a:solidFill>
                 <a:schemeClr val="bg1"/>
               </a:solidFill>
@@ -14457,7 +14457,7 @@
           </a:p>
           <a:p>
             <a:r>
-              <a:rPr lang="en-US" dirty="0">
+              <a:rPr lang="en-US">
                 <a:solidFill>
                   <a:schemeClr val="bg1"/>
                 </a:solidFill>
@@ -14465,7 +14465,7 @@
               <a:t>Individual websites or blog entries can be generated via an </a:t>
             </a:r>
             <a:r>
-              <a:rPr lang="en-US" dirty="0" err="1">
+              <a:rPr lang="en-US" err="1">
                 <a:solidFill>
                   <a:schemeClr val="bg1"/>
                 </a:solidFill>
@@ -14473,14 +14473,14 @@
               <a:t>RMarkdown</a:t>
             </a:r>
             <a:r>
-              <a:rPr lang="en-US" dirty="0">
+              <a:rPr lang="en-US">
                 <a:solidFill>
                   <a:schemeClr val="bg1"/>
                 </a:solidFill>
               </a:rPr>
               <a:t> document</a:t>
             </a:r>
-            <a:endParaRPr lang="de-DE" dirty="0">
+            <a:endParaRPr lang="de-DE">
               <a:solidFill>
                 <a:schemeClr val="bg1"/>
               </a:solidFill>
@@ -14669,7 +14669,7 @@
           <a:lstStyle/>
           <a:p>
             <a:r>
-              <a:rPr lang="de-DE" dirty="0" err="1">
+              <a:rPr lang="de-DE" err="1">
                 <a:solidFill>
                   <a:schemeClr val="bg1"/>
                 </a:solidFill>
@@ -14677,7 +14677,7 @@
               <a:t>Offers</a:t>
             </a:r>
             <a:r>
-              <a:rPr lang="de-DE" dirty="0">
+              <a:rPr lang="de-DE">
                 <a:solidFill>
                   <a:schemeClr val="bg1"/>
                 </a:solidFill>
@@ -14685,7 +14685,7 @@
               <a:t> </a:t>
             </a:r>
             <a:r>
-              <a:rPr lang="de-DE" dirty="0" err="1">
+              <a:rPr lang="de-DE" err="1">
                 <a:solidFill>
                   <a:schemeClr val="bg1"/>
                 </a:solidFill>
@@ -14693,7 +14693,7 @@
               <a:t>simplified</a:t>
             </a:r>
             <a:r>
-              <a:rPr lang="de-DE" dirty="0">
+              <a:rPr lang="de-DE">
                 <a:solidFill>
                   <a:schemeClr val="bg1"/>
                 </a:solidFill>
@@ -14701,7 +14701,7 @@
               <a:t> </a:t>
             </a:r>
             <a:r>
-              <a:rPr lang="de-DE" dirty="0" err="1">
+              <a:rPr lang="de-DE" err="1">
                 <a:solidFill>
                   <a:schemeClr val="bg1"/>
                 </a:solidFill>
@@ -14709,7 +14709,7 @@
               <a:t>setting</a:t>
             </a:r>
             <a:r>
-              <a:rPr lang="de-DE" dirty="0">
+              <a:rPr lang="de-DE">
                 <a:solidFill>
                   <a:schemeClr val="bg1"/>
                 </a:solidFill>
@@ -14717,7 +14717,7 @@
               <a:t> </a:t>
             </a:r>
             <a:r>
-              <a:rPr lang="de-DE" dirty="0" err="1">
+              <a:rPr lang="de-DE" err="1">
                 <a:solidFill>
                   <a:schemeClr val="bg1"/>
                 </a:solidFill>
@@ -14725,7 +14725,7 @@
               <a:t>options</a:t>
             </a:r>
             <a:r>
-              <a:rPr lang="de-DE" dirty="0">
+              <a:rPr lang="de-DE">
                 <a:solidFill>
                   <a:schemeClr val="bg1"/>
                 </a:solidFill>
@@ -14733,21 +14733,21 @@
               <a:t> via YAML </a:t>
             </a:r>
             <a:r>
-              <a:rPr lang="de-DE" dirty="0" err="1">
+              <a:rPr lang="de-DE" err="1">
                 <a:solidFill>
                   <a:schemeClr val="bg1"/>
                 </a:solidFill>
               </a:rPr>
               <a:t>metadata</a:t>
             </a:r>
-            <a:endParaRPr lang="de-DE" dirty="0">
+            <a:endParaRPr lang="de-DE">
               <a:solidFill>
                 <a:schemeClr val="bg1"/>
               </a:solidFill>
             </a:endParaRPr>
           </a:p>
           <a:p>
-            <a:endParaRPr lang="de-DE" dirty="0">
+            <a:endParaRPr lang="de-DE">
               <a:solidFill>
                 <a:schemeClr val="bg1"/>
               </a:solidFill>
@@ -14755,7 +14755,7 @@
           </a:p>
           <a:p>
             <a:r>
-              <a:rPr lang="en-US" dirty="0">
+              <a:rPr lang="en-US">
                 <a:solidFill>
                   <a:schemeClr val="bg1"/>
                 </a:solidFill>
@@ -14764,7 +14764,7 @@
             </a:r>
           </a:p>
           <a:p>
-            <a:endParaRPr lang="en-US" dirty="0">
+            <a:endParaRPr lang="en-US">
               <a:solidFill>
                 <a:schemeClr val="bg1"/>
               </a:solidFill>
@@ -14772,7 +14772,7 @@
           </a:p>
           <a:p>
             <a:r>
-              <a:rPr lang="en-US" dirty="0">
+              <a:rPr lang="en-US">
                 <a:solidFill>
                   <a:schemeClr val="bg1"/>
                 </a:solidFill>
@@ -14780,7 +14780,7 @@
               <a:t>Easy publication through plugins for </a:t>
             </a:r>
             <a:r>
-              <a:rPr lang="en-US" dirty="0" err="1">
+              <a:rPr lang="en-US" err="1">
                 <a:solidFill>
                   <a:schemeClr val="bg1"/>
                 </a:solidFill>
@@ -14788,14 +14788,14 @@
               <a:t>Github</a:t>
             </a:r>
             <a:r>
-              <a:rPr lang="en-US" dirty="0">
+              <a:rPr lang="en-US">
                 <a:solidFill>
                   <a:schemeClr val="bg1"/>
                 </a:solidFill>
               </a:rPr>
               <a:t> Pages or other platforms</a:t>
             </a:r>
-            <a:endParaRPr lang="de-DE" dirty="0">
+            <a:endParaRPr lang="de-DE">
               <a:solidFill>
                 <a:schemeClr val="bg1"/>
               </a:solidFill>
@@ -15006,7 +15006,7 @@
           <a:lstStyle/>
           <a:p>
             <a:r>
-              <a:rPr lang="de-DE" dirty="0" err="1">
+              <a:rPr lang="de-DE" err="1">
                 <a:solidFill>
                   <a:schemeClr val="bg1"/>
                 </a:solidFill>
@@ -15014,7 +15014,7 @@
               <a:t>How</a:t>
             </a:r>
             <a:r>
-              <a:rPr lang="de-DE" dirty="0">
+              <a:rPr lang="de-DE">
                 <a:solidFill>
                   <a:schemeClr val="bg1"/>
                 </a:solidFill>
@@ -15022,7 +15022,7 @@
               <a:t> </a:t>
             </a:r>
             <a:r>
-              <a:rPr lang="de-DE" dirty="0" err="1">
+              <a:rPr lang="de-DE" err="1">
                 <a:solidFill>
                   <a:schemeClr val="bg1"/>
                 </a:solidFill>
@@ -15030,7 +15030,7 @@
               <a:t>is</a:t>
             </a:r>
             <a:r>
-              <a:rPr lang="de-DE" dirty="0">
+              <a:rPr lang="de-DE">
                 <a:solidFill>
                   <a:schemeClr val="bg1"/>
                 </a:solidFill>
@@ -15038,7 +15038,7 @@
               <a:t> </a:t>
             </a:r>
             <a:r>
-              <a:rPr lang="de-DE" dirty="0" err="1">
+              <a:rPr lang="de-DE" err="1">
                 <a:solidFill>
                   <a:schemeClr val="bg1"/>
                 </a:solidFill>
@@ -15046,7 +15046,7 @@
               <a:t>blogdown</a:t>
             </a:r>
             <a:r>
-              <a:rPr lang="de-DE" dirty="0">
+              <a:rPr lang="de-DE">
                 <a:solidFill>
                   <a:schemeClr val="bg1"/>
                 </a:solidFill>
@@ -15054,7 +15054,7 @@
               <a:t> </a:t>
             </a:r>
             <a:r>
-              <a:rPr lang="de-DE" dirty="0" err="1">
+              <a:rPr lang="de-DE" err="1">
                 <a:solidFill>
                   <a:schemeClr val="bg1"/>
                 </a:solidFill>
@@ -15062,7 +15062,7 @@
               <a:t>structured</a:t>
             </a:r>
             <a:r>
-              <a:rPr lang="de-DE" dirty="0">
+              <a:rPr lang="de-DE">
                 <a:solidFill>
                   <a:schemeClr val="bg1"/>
                 </a:solidFill>
@@ -15101,7 +15101,7 @@
           <a:lstStyle/>
           <a:p>
             <a:r>
-              <a:rPr lang="en-US" dirty="0">
+              <a:rPr lang="en-US">
                 <a:solidFill>
                   <a:schemeClr val="bg1"/>
                 </a:solidFill>
@@ -15110,7 +15110,7 @@
             </a:r>
           </a:p>
           <a:p>
-            <a:endParaRPr lang="en-US" dirty="0">
+            <a:endParaRPr lang="en-US">
               <a:solidFill>
                 <a:schemeClr val="bg1"/>
               </a:solidFill>
@@ -15118,7 +15118,7 @@
           </a:p>
           <a:p>
             <a:r>
-              <a:rPr lang="en-US" dirty="0" err="1">
+              <a:rPr lang="en-US" err="1">
                 <a:solidFill>
                   <a:schemeClr val="bg1"/>
                 </a:solidFill>
@@ -15126,7 +15126,7 @@
               <a:t>config.toml</a:t>
             </a:r>
             <a:r>
-              <a:rPr lang="en-US" dirty="0">
+              <a:rPr lang="en-US">
                 <a:solidFill>
                   <a:schemeClr val="bg1"/>
                 </a:solidFill>
@@ -15135,7 +15135,7 @@
             </a:r>
           </a:p>
           <a:p>
-            <a:endParaRPr lang="en-US" dirty="0">
+            <a:endParaRPr lang="en-US">
               <a:solidFill>
                 <a:schemeClr val="bg1"/>
               </a:solidFill>
@@ -15143,7 +15143,7 @@
           </a:p>
           <a:p>
             <a:r>
-              <a:rPr lang="en-US" dirty="0">
+              <a:rPr lang="en-US">
                 <a:solidFill>
                   <a:schemeClr val="bg1"/>
                 </a:solidFill>
@@ -15151,7 +15151,7 @@
               <a:t>On content folders the </a:t>
             </a:r>
             <a:r>
-              <a:rPr lang="en-US" dirty="0" err="1">
+              <a:rPr lang="en-US" err="1">
                 <a:solidFill>
                   <a:schemeClr val="bg1"/>
                 </a:solidFill>
@@ -15159,7 +15159,7 @@
               <a:t>Rmarkdown</a:t>
             </a:r>
             <a:r>
-              <a:rPr lang="en-US" dirty="0">
+              <a:rPr lang="en-US">
                 <a:solidFill>
                   <a:schemeClr val="bg1"/>
                 </a:solidFill>
@@ -15172,7 +15172,7 @@
               <a:buNone/>
             </a:pPr>
             <a:r>
-              <a:rPr lang="en-US" dirty="0">
+              <a:rPr lang="en-US">
                 <a:solidFill>
                   <a:schemeClr val="bg1"/>
                 </a:solidFill>
@@ -15184,7 +15184,7 @@
             <a:pPr marL="0" indent="0">
               <a:buNone/>
             </a:pPr>
-            <a:endParaRPr lang="en-US" dirty="0">
+            <a:endParaRPr lang="en-US">
               <a:solidFill>
                 <a:schemeClr val="bg1"/>
               </a:solidFill>
@@ -15202,15 +15202,7 @@
                   <a:schemeClr val="bg1"/>
                 </a:solidFill>
               </a:rPr>
-              <a:t>Public </a:t>
-            </a:r>
-            <a:r>
-              <a:rPr lang="en-US" dirty="0">
-                <a:solidFill>
-                  <a:schemeClr val="bg1"/>
-                </a:solidFill>
-              </a:rPr>
-              <a:t>is the target directory </a:t>
+              <a:t>Public is the target directory </a:t>
             </a:r>
           </a:p>
           <a:p>
@@ -15221,14 +15213,14 @@
               <a:buNone/>
             </a:pPr>
             <a:r>
-              <a:rPr lang="en-US" dirty="0">
+              <a:rPr lang="en-US">
                 <a:solidFill>
                   <a:schemeClr val="bg1"/>
                 </a:solidFill>
               </a:rPr>
               <a:t>  for the upcoming website ecosystem.</a:t>
             </a:r>
-            <a:endParaRPr lang="de-DE" dirty="0">
+            <a:endParaRPr lang="de-DE">
               <a:solidFill>
                 <a:schemeClr val="bg1"/>
               </a:solidFill>
@@ -15312,7 +15304,7 @@
           <a:lstStyle/>
           <a:p>
             <a:r>
-              <a:rPr lang="de-DE" sz="1600" dirty="0">
+              <a:rPr lang="de-DE" sz="1600">
                 <a:solidFill>
                   <a:schemeClr val="bg1"/>
                 </a:solidFill>
@@ -15320,7 +15312,7 @@
               <a:t>Possible </a:t>
             </a:r>
             <a:r>
-              <a:rPr lang="de-DE" sz="1600" dirty="0" err="1">
+              <a:rPr lang="de-DE" sz="1600" err="1">
                 <a:solidFill>
                   <a:schemeClr val="bg1"/>
                 </a:solidFill>
@@ -15328,7 +15320,7 @@
               <a:t>project</a:t>
             </a:r>
             <a:r>
-              <a:rPr lang="de-DE" sz="1600" dirty="0">
+              <a:rPr lang="de-DE" sz="1600">
                 <a:solidFill>
                   <a:schemeClr val="bg1"/>
                 </a:solidFill>
@@ -15336,7 +15328,7 @@
               <a:t> </a:t>
             </a:r>
             <a:r>
-              <a:rPr lang="de-DE" sz="1600" dirty="0" err="1">
+              <a:rPr lang="de-DE" sz="1600" err="1">
                 <a:solidFill>
                   <a:schemeClr val="bg1"/>
                 </a:solidFill>
@@ -15344,7 +15336,7 @@
               <a:t>structure</a:t>
             </a:r>
             <a:r>
-              <a:rPr lang="de-DE" sz="1600" dirty="0">
+              <a:rPr lang="de-DE" sz="1600">
                 <a:solidFill>
                   <a:schemeClr val="bg1"/>
                 </a:solidFill>
@@ -15414,7 +15406,7 @@
           <a:lstStyle/>
           <a:p>
             <a:r>
-              <a:rPr lang="en-US" dirty="0">
+              <a:rPr lang="en-US">
                 <a:solidFill>
                   <a:schemeClr val="bg1"/>
                 </a:solidFill>
@@ -15422,14 +15414,14 @@
               <a:t>Example and operations of </a:t>
             </a:r>
             <a:r>
-              <a:rPr lang="en-US" dirty="0" err="1">
+              <a:rPr lang="en-US" err="1">
                 <a:solidFill>
                   <a:schemeClr val="bg1"/>
                 </a:solidFill>
               </a:rPr>
               <a:t>Blogdown</a:t>
             </a:r>
-            <a:endParaRPr lang="en-US" dirty="0">
+            <a:endParaRPr lang="en-US">
               <a:solidFill>
                 <a:schemeClr val="bg1"/>
               </a:solidFill>
@@ -15585,52 +15577,52 @@
           <a:lstStyle/>
           <a:p>
             <a:r>
-              <a:rPr lang="en-US" dirty="0"/>
+              <a:rPr lang="en-US"/>
               <a:t>Open weather map is a freely usable </a:t>
             </a:r>
             <a:r>
-              <a:rPr lang="en-US" dirty="0" err="1"/>
+              <a:rPr lang="en-US" err="1"/>
               <a:t>api</a:t>
             </a:r>
             <a:r>
-              <a:rPr lang="en-US" dirty="0"/>
+              <a:rPr lang="en-US"/>
               <a:t> for weather forecast, current and historical weather data</a:t>
             </a:r>
           </a:p>
           <a:p>
-            <a:endParaRPr lang="en-US" dirty="0"/>
-          </a:p>
-          <a:p>
-            <a:r>
-              <a:rPr lang="en-US" dirty="0"/>
+            <a:endParaRPr lang="en-US"/>
+          </a:p>
+          <a:p>
+            <a:r>
+              <a:rPr lang="en-US"/>
               <a:t>For the use a free </a:t>
             </a:r>
             <a:r>
-              <a:rPr lang="en-US" dirty="0" err="1"/>
+              <a:rPr lang="en-US" err="1"/>
               <a:t>api</a:t>
             </a:r>
             <a:r>
-              <a:rPr lang="en-US" dirty="0"/>
+              <a:rPr lang="en-US"/>
               <a:t> key is needed</a:t>
             </a:r>
           </a:p>
           <a:p>
-            <a:endParaRPr lang="en-US" dirty="0"/>
-          </a:p>
-          <a:p>
-            <a:r>
-              <a:rPr lang="en-US" dirty="0"/>
+            <a:endParaRPr lang="en-US"/>
+          </a:p>
+          <a:p>
+            <a:r>
+              <a:rPr lang="en-US"/>
               <a:t>there is a wrapper package for r that makes the functions available in r (</a:t>
             </a:r>
             <a:r>
-              <a:rPr lang="en-US" dirty="0" err="1"/>
+              <a:rPr lang="en-US" err="1"/>
               <a:t>owmr</a:t>
             </a:r>
             <a:r>
-              <a:rPr lang="en-US" dirty="0"/>
+              <a:rPr lang="en-US"/>
               <a:t>)</a:t>
             </a:r>
-            <a:endParaRPr lang="de-DE" dirty="0"/>
+            <a:endParaRPr lang="de-DE"/>
           </a:p>
         </p:txBody>
       </p:sp>
@@ -15741,7 +15733,7 @@
           <a:lstStyle/>
           <a:p>
             <a:r>
-              <a:rPr lang="de-DE" dirty="0" err="1">
+              <a:rPr lang="de-DE" err="1">
                 <a:solidFill>
                   <a:schemeClr val="bg1"/>
                 </a:solidFill>
@@ -15749,7 +15741,7 @@
               <a:t>What</a:t>
             </a:r>
             <a:r>
-              <a:rPr lang="de-DE" dirty="0">
+              <a:rPr lang="de-DE">
                 <a:solidFill>
                   <a:schemeClr val="bg1"/>
                 </a:solidFill>
@@ -15757,7 +15749,7 @@
               <a:t> </a:t>
             </a:r>
             <a:r>
-              <a:rPr lang="de-DE" dirty="0" err="1">
+              <a:rPr lang="de-DE" err="1">
                 <a:solidFill>
                   <a:schemeClr val="bg1"/>
                 </a:solidFill>
@@ -15765,7 +15757,7 @@
               <a:t>are</a:t>
             </a:r>
             <a:r>
-              <a:rPr lang="de-DE" dirty="0">
+              <a:rPr lang="de-DE">
                 <a:solidFill>
                   <a:schemeClr val="bg1"/>
                 </a:solidFill>
@@ -15773,7 +15765,7 @@
               <a:t> </a:t>
             </a:r>
             <a:r>
-              <a:rPr lang="de-DE" dirty="0" err="1">
+              <a:rPr lang="de-DE" err="1">
                 <a:solidFill>
                   <a:schemeClr val="bg1"/>
                 </a:solidFill>
@@ -15781,7 +15773,7 @@
               <a:t>factors</a:t>
             </a:r>
             <a:r>
-              <a:rPr lang="de-DE" dirty="0">
+              <a:rPr lang="de-DE">
                 <a:solidFill>
                   <a:schemeClr val="bg1"/>
                 </a:solidFill>
@@ -15815,12 +15807,12 @@
           <a:lstStyle/>
           <a:p>
             <a:r>
-              <a:rPr lang="de-DE" dirty="0">
+              <a:rPr lang="de-DE">
                 <a:hlinkClick r:id="rId2"/>
               </a:rPr>
               <a:t>https://r4ds.had.co.nz/factors.html</a:t>
             </a:r>
-            <a:endParaRPr lang="de-DE" dirty="0">
+            <a:endParaRPr lang="de-DE">
               <a:solidFill>
                 <a:schemeClr val="bg1"/>
               </a:solidFill>
@@ -15935,7 +15927,7 @@
           <a:lstStyle/>
           <a:p>
             <a:r>
-              <a:rPr lang="de-DE" dirty="0" err="1">
+              <a:rPr lang="de-DE" err="1">
                 <a:solidFill>
                   <a:schemeClr val="bg1"/>
                 </a:solidFill>
@@ -15943,7 +15935,7 @@
               <a:t>What</a:t>
             </a:r>
             <a:r>
-              <a:rPr lang="de-DE" dirty="0">
+              <a:rPr lang="de-DE">
                 <a:solidFill>
                   <a:schemeClr val="bg1"/>
                 </a:solidFill>
@@ -15951,7 +15943,7 @@
               <a:t> </a:t>
             </a:r>
             <a:r>
-              <a:rPr lang="de-DE" dirty="0" err="1">
+              <a:rPr lang="de-DE" err="1">
                 <a:solidFill>
                   <a:schemeClr val="bg1"/>
                 </a:solidFill>
@@ -15959,7 +15951,7 @@
               <a:t>are</a:t>
             </a:r>
             <a:r>
-              <a:rPr lang="de-DE" dirty="0">
+              <a:rPr lang="de-DE">
                 <a:solidFill>
                   <a:schemeClr val="bg1"/>
                 </a:solidFill>
@@ -15967,7 +15959,7 @@
               <a:t> </a:t>
             </a:r>
             <a:r>
-              <a:rPr lang="de-DE" dirty="0" err="1">
+              <a:rPr lang="de-DE" err="1">
                 <a:solidFill>
                   <a:schemeClr val="bg1"/>
                 </a:solidFill>
@@ -15975,7 +15967,7 @@
               <a:t>factors</a:t>
             </a:r>
             <a:r>
-              <a:rPr lang="de-DE" dirty="0">
+              <a:rPr lang="de-DE">
                 <a:solidFill>
                   <a:schemeClr val="bg1"/>
                 </a:solidFill>
@@ -16009,12 +16001,12 @@
           <a:lstStyle/>
           <a:p>
             <a:r>
-              <a:rPr lang="de-DE" dirty="0">
+              <a:rPr lang="de-DE">
                 <a:hlinkClick r:id="rId2"/>
               </a:rPr>
               <a:t>https://r4ds.had.co.nz/factors.html</a:t>
             </a:r>
-            <a:endParaRPr lang="de-DE" dirty="0">
+            <a:endParaRPr lang="de-DE">
               <a:solidFill>
                 <a:schemeClr val="bg1"/>
               </a:solidFill>
@@ -16560,16 +16552,8 @@
 <file path=customXml/itemProps1.xml><?xml version="1.0" encoding="utf-8"?>
 <ds:datastoreItem xmlns:ds="http://schemas.openxmlformats.org/officeDocument/2006/customXml" ds:itemID="{E8364FF7-18C7-4FE4-807F-05556E358684}">
   <ds:schemaRefs>
-    <ds:schemaRef ds:uri="http://purl.org/dc/terms/"/>
-    <ds:schemaRef ds:uri="351b06ad-26d4-4ad3-82ae-e787bda9fbeb"/>
-    <ds:schemaRef ds:uri="http://purl.org/dc/dcmitype/"/>
-    <ds:schemaRef ds:uri="766a8933-f47f-49ac-bd4b-d380a76db42f"/>
-    <ds:schemaRef ds:uri="http://schemas.microsoft.com/office/2006/documentManagement/types"/>
-    <ds:schemaRef ds:uri="http://purl.org/dc/elements/1.1/"/>
     <ds:schemaRef ds:uri="http://schemas.microsoft.com/office/2006/metadata/properties"/>
     <ds:schemaRef ds:uri="http://schemas.microsoft.com/office/infopath/2007/PartnerControls"/>
-    <ds:schemaRef ds:uri="http://schemas.openxmlformats.org/package/2006/metadata/core-properties"/>
-    <ds:schemaRef ds:uri="http://www.w3.org/XML/1998/namespace"/>
   </ds:schemaRefs>
 </ds:datastoreItem>
 </file>
@@ -16585,18 +16569,18 @@
 <file path=customXml/itemProps3.xml><?xml version="1.0" encoding="utf-8"?>
 <ds:datastoreItem xmlns:ds="http://schemas.openxmlformats.org/officeDocument/2006/customXml" ds:itemID="{3AE5C6E7-297E-4201-A0BE-6AEA334CBBCE}">
   <ds:schemaRefs>
-    <ds:schemaRef ds:uri="http://schemas.microsoft.com/office/2006/metadata/contentType"/>
-    <ds:schemaRef ds:uri="http://schemas.microsoft.com/office/2006/metadata/properties/metaAttributes"/>
-    <ds:schemaRef ds:uri="http://www.w3.org/2001/XMLSchema"/>
-    <ds:schemaRef ds:uri="http://schemas.microsoft.com/office/2006/metadata/properties"/>
     <ds:schemaRef ds:uri="351b06ad-26d4-4ad3-82ae-e787bda9fbeb"/>
     <ds:schemaRef ds:uri="766a8933-f47f-49ac-bd4b-d380a76db42f"/>
-    <ds:schemaRef ds:uri="http://schemas.microsoft.com/office/2006/documentManagement/types"/>
-    <ds:schemaRef ds:uri="http://schemas.microsoft.com/office/infopath/2007/PartnerControls"/>
-    <ds:schemaRef ds:uri="http://schemas.openxmlformats.org/package/2006/metadata/core-properties"/>
     <ds:schemaRef ds:uri="http://purl.org/dc/elements/1.1/"/>
     <ds:schemaRef ds:uri="http://purl.org/dc/terms/"/>
     <ds:schemaRef ds:uri="http://schemas.microsoft.com/internal/obd"/>
+    <ds:schemaRef ds:uri="http://schemas.microsoft.com/office/2006/documentManagement/types"/>
+    <ds:schemaRef ds:uri="http://schemas.microsoft.com/office/2006/metadata/contentType"/>
+    <ds:schemaRef ds:uri="http://schemas.microsoft.com/office/2006/metadata/properties"/>
+    <ds:schemaRef ds:uri="http://schemas.microsoft.com/office/2006/metadata/properties/metaAttributes"/>
+    <ds:schemaRef ds:uri="http://schemas.microsoft.com/office/infopath/2007/PartnerControls"/>
+    <ds:schemaRef ds:uri="http://schemas.openxmlformats.org/package/2006/metadata/core-properties"/>
+    <ds:schemaRef ds:uri="http://www.w3.org/2001/XMLSchema"/>
   </ds:schemaRefs>
 </ds:datastoreItem>
 </file>